--- a/21 - Ciclo de vida.pptx
+++ b/21 - Ciclo de vida.pptx
@@ -6,6 +6,7 @@
   </p:sldMasterIdLst>
   <p:sldIdLst>
     <p:sldId id="257" r:id="rId2"/>
+    <p:sldId id="259" r:id="rId3"/>
   </p:sldIdLst>
   <p:sldSz cx="12192000" cy="6858000"/>
   <p:notesSz cx="6858000" cy="9144000"/>
@@ -116,23 +117,119 @@
 <pc:chgInfo xmlns:a="http://schemas.openxmlformats.org/drawingml/2006/main" xmlns:r="http://schemas.openxmlformats.org/officeDocument/2006/relationships" xmlns:ac="http://schemas.microsoft.com/office/drawing/2013/main/command" xmlns:pc="http://schemas.microsoft.com/office/powerpoint/2013/main/command">
   <pc:docChgLst>
     <pc:chgData name="Vinícius Dias" userId="24d7ff5522ff08d3" providerId="LiveId" clId="{2391BD49-116A-4AB9-ADAE-E61040C2AE46}"/>
-    <pc:docChg chg="modSld">
-      <pc:chgData name="Vinícius Dias" userId="24d7ff5522ff08d3" providerId="LiveId" clId="{2391BD49-116A-4AB9-ADAE-E61040C2AE46}" dt="2021-05-04T01:30:39.733" v="12" actId="20577"/>
+    <pc:docChg chg="undo custSel modSld">
+      <pc:chgData name="Vinícius Dias" userId="24d7ff5522ff08d3" providerId="LiveId" clId="{2391BD49-116A-4AB9-ADAE-E61040C2AE46}" dt="2021-05-20T02:52:01.896" v="299" actId="14100"/>
       <pc:docMkLst>
         <pc:docMk/>
       </pc:docMkLst>
-      <pc:sldChg chg="modSp mod">
-        <pc:chgData name="Vinícius Dias" userId="24d7ff5522ff08d3" providerId="LiveId" clId="{2391BD49-116A-4AB9-ADAE-E61040C2AE46}" dt="2021-05-04T01:30:39.733" v="12" actId="20577"/>
+      <pc:sldChg chg="addSp delSp modSp mod">
+        <pc:chgData name="Vinícius Dias" userId="24d7ff5522ff08d3" providerId="LiveId" clId="{2391BD49-116A-4AB9-ADAE-E61040C2AE46}" dt="2021-05-20T02:52:01.896" v="299" actId="14100"/>
         <pc:sldMkLst>
           <pc:docMk/>
           <pc:sldMk cId="1444601931" sldId="257"/>
         </pc:sldMkLst>
         <pc:spChg chg="mod">
-          <ac:chgData name="Vinícius Dias" userId="24d7ff5522ff08d3" providerId="LiveId" clId="{2391BD49-116A-4AB9-ADAE-E61040C2AE46}" dt="2021-05-04T01:29:46.076" v="1" actId="20577"/>
+          <ac:chgData name="Vinícius Dias" userId="24d7ff5522ff08d3" providerId="LiveId" clId="{2391BD49-116A-4AB9-ADAE-E61040C2AE46}" dt="2021-05-20T02:52:01.896" v="299" actId="14100"/>
+          <ac:spMkLst>
+            <pc:docMk/>
+            <pc:sldMk cId="1444601931" sldId="257"/>
+            <ac:spMk id="4" creationId="{8720E785-3519-4794-8501-032CDF1DDAF9}"/>
+          </ac:spMkLst>
+        </pc:spChg>
+        <pc:spChg chg="add mod">
+          <ac:chgData name="Vinícius Dias" userId="24d7ff5522ff08d3" providerId="LiveId" clId="{2391BD49-116A-4AB9-ADAE-E61040C2AE46}" dt="2021-05-20T02:51:16.812" v="282" actId="1076"/>
+          <ac:spMkLst>
+            <pc:docMk/>
+            <pc:sldMk cId="1444601931" sldId="257"/>
+            <ac:spMk id="13" creationId="{DC2F7AF9-A7B5-4A0F-BA5D-2AC78599E82D}"/>
+          </ac:spMkLst>
+        </pc:spChg>
+        <pc:spChg chg="mod">
+          <ac:chgData name="Vinícius Dias" userId="24d7ff5522ff08d3" providerId="LiveId" clId="{2391BD49-116A-4AB9-ADAE-E61040C2AE46}" dt="2021-05-20T02:51:33.446" v="289" actId="1076"/>
+          <ac:spMkLst>
+            <pc:docMk/>
+            <pc:sldMk cId="1444601931" sldId="257"/>
+            <ac:spMk id="27" creationId="{9097B5AA-2066-489A-80EF-9A09A9F7810E}"/>
+          </ac:spMkLst>
+        </pc:spChg>
+        <pc:spChg chg="mod">
+          <ac:chgData name="Vinícius Dias" userId="24d7ff5522ff08d3" providerId="LiveId" clId="{2391BD49-116A-4AB9-ADAE-E61040C2AE46}" dt="2021-05-20T02:51:31.531" v="288" actId="1076"/>
+          <ac:spMkLst>
+            <pc:docMk/>
+            <pc:sldMk cId="1444601931" sldId="257"/>
+            <ac:spMk id="28" creationId="{09496935-9A53-4CCD-B7F1-61E1AC86F2D4}"/>
+          </ac:spMkLst>
+        </pc:spChg>
+        <pc:spChg chg="mod">
+          <ac:chgData name="Vinícius Dias" userId="24d7ff5522ff08d3" providerId="LiveId" clId="{2391BD49-116A-4AB9-ADAE-E61040C2AE46}" dt="2021-05-20T02:51:55.285" v="298" actId="1076"/>
+          <ac:spMkLst>
+            <pc:docMk/>
+            <pc:sldMk cId="1444601931" sldId="257"/>
+            <ac:spMk id="40" creationId="{1554A58A-7B94-46A0-B167-9683F72E0595}"/>
+          </ac:spMkLst>
+        </pc:spChg>
+        <pc:spChg chg="mod">
+          <ac:chgData name="Vinícius Dias" userId="24d7ff5522ff08d3" providerId="LiveId" clId="{2391BD49-116A-4AB9-ADAE-E61040C2AE46}" dt="2021-05-20T02:51:37.420" v="291" actId="1076"/>
+          <ac:spMkLst>
+            <pc:docMk/>
+            <pc:sldMk cId="1444601931" sldId="257"/>
+            <ac:spMk id="41" creationId="{91242B4A-9FB5-48B1-9746-8558DC789D3B}"/>
+          </ac:spMkLst>
+        </pc:spChg>
+        <pc:spChg chg="mod">
+          <ac:chgData name="Vinícius Dias" userId="24d7ff5522ff08d3" providerId="LiveId" clId="{2391BD49-116A-4AB9-ADAE-E61040C2AE46}" dt="2021-05-20T02:51:53.055" v="297" actId="1076"/>
           <ac:spMkLst>
             <pc:docMk/>
             <pc:sldMk cId="1444601931" sldId="257"/>
             <ac:spMk id="56" creationId="{68A2AEAC-62FE-4AD7-9BCA-A7325BCA6F47}"/>
+          </ac:spMkLst>
+        </pc:spChg>
+        <pc:spChg chg="add mod">
+          <ac:chgData name="Vinícius Dias" userId="24d7ff5522ff08d3" providerId="LiveId" clId="{2391BD49-116A-4AB9-ADAE-E61040C2AE46}" dt="2021-05-20T02:51:27.051" v="286" actId="1076"/>
+          <ac:spMkLst>
+            <pc:docMk/>
+            <pc:sldMk cId="1444601931" sldId="257"/>
+            <ac:spMk id="60" creationId="{CF8372F0-F4A7-4DF5-BA6D-C5EEF1724A9A}"/>
+          </ac:spMkLst>
+        </pc:spChg>
+        <pc:spChg chg="add mod">
+          <ac:chgData name="Vinícius Dias" userId="24d7ff5522ff08d3" providerId="LiveId" clId="{2391BD49-116A-4AB9-ADAE-E61040C2AE46}" dt="2021-05-20T02:51:27.051" v="286" actId="1076"/>
+          <ac:spMkLst>
+            <pc:docMk/>
+            <pc:sldMk cId="1444601931" sldId="257"/>
+            <ac:spMk id="61" creationId="{E6579004-810A-42EC-82B2-C1EAAC05D723}"/>
+          </ac:spMkLst>
+        </pc:spChg>
+        <pc:spChg chg="mod">
+          <ac:chgData name="Vinícius Dias" userId="24d7ff5522ff08d3" providerId="LiveId" clId="{2391BD49-116A-4AB9-ADAE-E61040C2AE46}" dt="2021-05-20T02:51:49.135" v="296" actId="1076"/>
+          <ac:spMkLst>
+            <pc:docMk/>
+            <pc:sldMk cId="1444601931" sldId="257"/>
+            <ac:spMk id="62" creationId="{5245AAF6-862C-465D-AFD0-DBE134D54008}"/>
+          </ac:spMkLst>
+        </pc:spChg>
+        <pc:spChg chg="add mod">
+          <ac:chgData name="Vinícius Dias" userId="24d7ff5522ff08d3" providerId="LiveId" clId="{2391BD49-116A-4AB9-ADAE-E61040C2AE46}" dt="2021-05-20T02:51:19.236" v="283" actId="1076"/>
+          <ac:spMkLst>
+            <pc:docMk/>
+            <pc:sldMk cId="1444601931" sldId="257"/>
+            <ac:spMk id="63" creationId="{EEECF038-9A06-4CAB-B6A9-AAB89D5A37E7}"/>
+          </ac:spMkLst>
+        </pc:spChg>
+        <pc:spChg chg="add mod">
+          <ac:chgData name="Vinícius Dias" userId="24d7ff5522ff08d3" providerId="LiveId" clId="{2391BD49-116A-4AB9-ADAE-E61040C2AE46}" dt="2021-05-20T02:51:15.619" v="281" actId="1076"/>
+          <ac:spMkLst>
+            <pc:docMk/>
+            <pc:sldMk cId="1444601931" sldId="257"/>
+            <ac:spMk id="64" creationId="{829A1699-5D68-42A1-A7AA-35F8C5771CE6}"/>
+          </ac:spMkLst>
+        </pc:spChg>
+        <pc:spChg chg="add del mod">
+          <ac:chgData name="Vinícius Dias" userId="24d7ff5522ff08d3" providerId="LiveId" clId="{2391BD49-116A-4AB9-ADAE-E61040C2AE46}" dt="2021-05-20T02:46:16.709" v="257"/>
+          <ac:spMkLst>
+            <pc:docMk/>
+            <pc:sldMk cId="1444601931" sldId="257"/>
+            <ac:spMk id="65" creationId="{8B51E381-D2FF-45A0-BA73-397D57EF9568}"/>
           </ac:spMkLst>
         </pc:spChg>
         <pc:spChg chg="mod">
@@ -143,6 +240,78 @@
             <ac:spMk id="106" creationId="{18168DE6-718F-414D-AFC0-A46B24AF929B}"/>
           </ac:spMkLst>
         </pc:spChg>
+        <pc:spChg chg="mod">
+          <ac:chgData name="Vinícius Dias" userId="24d7ff5522ff08d3" providerId="LiveId" clId="{2391BD49-116A-4AB9-ADAE-E61040C2AE46}" dt="2021-05-20T02:05:35.104" v="201" actId="1076"/>
+          <ac:spMkLst>
+            <pc:docMk/>
+            <pc:sldMk cId="1444601931" sldId="257"/>
+            <ac:spMk id="116" creationId="{7F172DC8-EBDD-4AD4-8371-7B24E11FBAB6}"/>
+          </ac:spMkLst>
+        </pc:spChg>
+        <pc:spChg chg="mod">
+          <ac:chgData name="Vinícius Dias" userId="24d7ff5522ff08d3" providerId="LiveId" clId="{2391BD49-116A-4AB9-ADAE-E61040C2AE46}" dt="2021-05-20T02:46:15.889" v="255" actId="1076"/>
+          <ac:spMkLst>
+            <pc:docMk/>
+            <pc:sldMk cId="1444601931" sldId="257"/>
+            <ac:spMk id="121" creationId="{BD9160AC-5CB0-4C18-8E11-5A469CB5007F}"/>
+          </ac:spMkLst>
+        </pc:spChg>
+        <pc:cxnChg chg="mod">
+          <ac:chgData name="Vinícius Dias" userId="24d7ff5522ff08d3" providerId="LiveId" clId="{2391BD49-116A-4AB9-ADAE-E61040C2AE46}" dt="2021-05-20T02:51:16.812" v="282" actId="1076"/>
+          <ac:cxnSpMkLst>
+            <pc:docMk/>
+            <pc:sldMk cId="1444601931" sldId="257"/>
+            <ac:cxnSpMk id="26" creationId="{706E5EC0-5D21-4480-A353-8E979E41694A}"/>
+          </ac:cxnSpMkLst>
+        </pc:cxnChg>
+        <pc:cxnChg chg="mod">
+          <ac:chgData name="Vinícius Dias" userId="24d7ff5522ff08d3" providerId="LiveId" clId="{2391BD49-116A-4AB9-ADAE-E61040C2AE46}" dt="2021-05-20T02:51:37.420" v="291" actId="1076"/>
+          <ac:cxnSpMkLst>
+            <pc:docMk/>
+            <pc:sldMk cId="1444601931" sldId="257"/>
+            <ac:cxnSpMk id="36" creationId="{44CB93C7-24AE-41FF-9245-73A49D0FF210}"/>
+          </ac:cxnSpMkLst>
+        </pc:cxnChg>
+        <pc:cxnChg chg="add mod">
+          <ac:chgData name="Vinícius Dias" userId="24d7ff5522ff08d3" providerId="LiveId" clId="{2391BD49-116A-4AB9-ADAE-E61040C2AE46}" dt="2021-05-20T02:51:33.446" v="289" actId="1076"/>
+          <ac:cxnSpMkLst>
+            <pc:docMk/>
+            <pc:sldMk cId="1444601931" sldId="257"/>
+            <ac:cxnSpMk id="44" creationId="{729CED72-4D48-4C26-AD47-81B4A955D3FD}"/>
+          </ac:cxnSpMkLst>
+        </pc:cxnChg>
+        <pc:cxnChg chg="mod">
+          <ac:chgData name="Vinícius Dias" userId="24d7ff5522ff08d3" providerId="LiveId" clId="{2391BD49-116A-4AB9-ADAE-E61040C2AE46}" dt="2021-05-20T02:51:49.135" v="296" actId="1076"/>
+          <ac:cxnSpMkLst>
+            <pc:docMk/>
+            <pc:sldMk cId="1444601931" sldId="257"/>
+            <ac:cxnSpMk id="50" creationId="{859BD9CF-8424-4873-B07D-7AF9C662D3BC}"/>
+          </ac:cxnSpMkLst>
+        </pc:cxnChg>
+        <pc:cxnChg chg="add mod">
+          <ac:chgData name="Vinícius Dias" userId="24d7ff5522ff08d3" providerId="LiveId" clId="{2391BD49-116A-4AB9-ADAE-E61040C2AE46}" dt="2021-05-20T02:51:16.812" v="282" actId="1076"/>
+          <ac:cxnSpMkLst>
+            <pc:docMk/>
+            <pc:sldMk cId="1444601931" sldId="257"/>
+            <ac:cxnSpMk id="57" creationId="{31BE64F2-AD75-4DAF-AB80-7AD1D70C7F1D}"/>
+          </ac:cxnSpMkLst>
+        </pc:cxnChg>
+        <pc:cxnChg chg="mod">
+          <ac:chgData name="Vinícius Dias" userId="24d7ff5522ff08d3" providerId="LiveId" clId="{2391BD49-116A-4AB9-ADAE-E61040C2AE46}" dt="2021-05-20T02:51:49.135" v="296" actId="1076"/>
+          <ac:cxnSpMkLst>
+            <pc:docMk/>
+            <pc:sldMk cId="1444601931" sldId="257"/>
+            <ac:cxnSpMk id="80" creationId="{FE73E91D-6A00-4D08-AE98-33D298E42666}"/>
+          </ac:cxnSpMkLst>
+        </pc:cxnChg>
+        <pc:cxnChg chg="mod">
+          <ac:chgData name="Vinícius Dias" userId="24d7ff5522ff08d3" providerId="LiveId" clId="{2391BD49-116A-4AB9-ADAE-E61040C2AE46}" dt="2021-05-20T02:05:35.104" v="201" actId="1076"/>
+          <ac:cxnSpMkLst>
+            <pc:docMk/>
+            <pc:sldMk cId="1444601931" sldId="257"/>
+            <ac:cxnSpMk id="122" creationId="{107D1306-A5F8-4DA4-9886-1B5492CDF141}"/>
+          </ac:cxnSpMkLst>
+        </pc:cxnChg>
       </pc:sldChg>
     </pc:docChg>
   </pc:docChgLst>
@@ -296,7 +465,7 @@
           <a:p>
             <a:fld id="{A86FA51A-2E19-49D3-8FA2-8130FCE916BF}" type="datetimeFigureOut">
               <a:rPr lang="pt-BR" smtClean="0"/>
-              <a:t>03/05/2021</a:t>
+              <a:t>20/05/2021</a:t>
             </a:fld>
             <a:endParaRPr lang="pt-BR"/>
           </a:p>
@@ -494,7 +663,7 @@
           <a:p>
             <a:fld id="{A86FA51A-2E19-49D3-8FA2-8130FCE916BF}" type="datetimeFigureOut">
               <a:rPr lang="pt-BR" smtClean="0"/>
-              <a:t>03/05/2021</a:t>
+              <a:t>20/05/2021</a:t>
             </a:fld>
             <a:endParaRPr lang="pt-BR"/>
           </a:p>
@@ -702,7 +871,7 @@
           <a:p>
             <a:fld id="{A86FA51A-2E19-49D3-8FA2-8130FCE916BF}" type="datetimeFigureOut">
               <a:rPr lang="pt-BR" smtClean="0"/>
-              <a:t>03/05/2021</a:t>
+              <a:t>20/05/2021</a:t>
             </a:fld>
             <a:endParaRPr lang="pt-BR"/>
           </a:p>
@@ -900,7 +1069,7 @@
           <a:p>
             <a:fld id="{A86FA51A-2E19-49D3-8FA2-8130FCE916BF}" type="datetimeFigureOut">
               <a:rPr lang="pt-BR" smtClean="0"/>
-              <a:t>03/05/2021</a:t>
+              <a:t>20/05/2021</a:t>
             </a:fld>
             <a:endParaRPr lang="pt-BR"/>
           </a:p>
@@ -1175,7 +1344,7 @@
           <a:p>
             <a:fld id="{A86FA51A-2E19-49D3-8FA2-8130FCE916BF}" type="datetimeFigureOut">
               <a:rPr lang="pt-BR" smtClean="0"/>
-              <a:t>03/05/2021</a:t>
+              <a:t>20/05/2021</a:t>
             </a:fld>
             <a:endParaRPr lang="pt-BR"/>
           </a:p>
@@ -1440,7 +1609,7 @@
           <a:p>
             <a:fld id="{A86FA51A-2E19-49D3-8FA2-8130FCE916BF}" type="datetimeFigureOut">
               <a:rPr lang="pt-BR" smtClean="0"/>
-              <a:t>03/05/2021</a:t>
+              <a:t>20/05/2021</a:t>
             </a:fld>
             <a:endParaRPr lang="pt-BR"/>
           </a:p>
@@ -1852,7 +2021,7 @@
           <a:p>
             <a:fld id="{A86FA51A-2E19-49D3-8FA2-8130FCE916BF}" type="datetimeFigureOut">
               <a:rPr lang="pt-BR" smtClean="0"/>
-              <a:t>03/05/2021</a:t>
+              <a:t>20/05/2021</a:t>
             </a:fld>
             <a:endParaRPr lang="pt-BR"/>
           </a:p>
@@ -1993,7 +2162,7 @@
           <a:p>
             <a:fld id="{A86FA51A-2E19-49D3-8FA2-8130FCE916BF}" type="datetimeFigureOut">
               <a:rPr lang="pt-BR" smtClean="0"/>
-              <a:t>03/05/2021</a:t>
+              <a:t>20/05/2021</a:t>
             </a:fld>
             <a:endParaRPr lang="pt-BR"/>
           </a:p>
@@ -2106,7 +2275,7 @@
           <a:p>
             <a:fld id="{A86FA51A-2E19-49D3-8FA2-8130FCE916BF}" type="datetimeFigureOut">
               <a:rPr lang="pt-BR" smtClean="0"/>
-              <a:t>03/05/2021</a:t>
+              <a:t>20/05/2021</a:t>
             </a:fld>
             <a:endParaRPr lang="pt-BR"/>
           </a:p>
@@ -2417,7 +2586,7 @@
           <a:p>
             <a:fld id="{A86FA51A-2E19-49D3-8FA2-8130FCE916BF}" type="datetimeFigureOut">
               <a:rPr lang="pt-BR" smtClean="0"/>
-              <a:t>03/05/2021</a:t>
+              <a:t>20/05/2021</a:t>
             </a:fld>
             <a:endParaRPr lang="pt-BR"/>
           </a:p>
@@ -2705,7 +2874,7 @@
           <a:p>
             <a:fld id="{A86FA51A-2E19-49D3-8FA2-8130FCE916BF}" type="datetimeFigureOut">
               <a:rPr lang="pt-BR" smtClean="0"/>
-              <a:t>03/05/2021</a:t>
+              <a:t>20/05/2021</a:t>
             </a:fld>
             <a:endParaRPr lang="pt-BR"/>
           </a:p>
@@ -2946,7 +3115,7 @@
           <a:p>
             <a:fld id="{A86FA51A-2E19-49D3-8FA2-8130FCE916BF}" type="datetimeFigureOut">
               <a:rPr lang="pt-BR" smtClean="0"/>
-              <a:t>03/05/2021</a:t>
+              <a:t>20/05/2021</a:t>
             </a:fld>
             <a:endParaRPr lang="pt-BR"/>
           </a:p>
@@ -3377,8 +3546,8 @@
         </p:nvSpPr>
         <p:spPr>
           <a:xfrm>
-            <a:off x="1072940" y="1180990"/>
-            <a:ext cx="8254767" cy="3748721"/>
+            <a:off x="1346807" y="1006444"/>
+            <a:ext cx="8254767" cy="2095974"/>
           </a:xfrm>
           <a:prstGeom prst="roundRect">
             <a:avLst/>
@@ -3404,7 +3573,7 @@
           <a:lstStyle/>
           <a:p>
             <a:pPr algn="ctr"/>
-            <a:endParaRPr lang="pt-BR"/>
+            <a:endParaRPr lang="pt-BR" dirty="0"/>
           </a:p>
         </p:txBody>
       </p:sp>
@@ -3422,7 +3591,7 @@
         </p:nvSpPr>
         <p:spPr>
           <a:xfrm>
-            <a:off x="2040387" y="261688"/>
+            <a:off x="2314254" y="87141"/>
             <a:ext cx="385894" cy="369115"/>
           </a:xfrm>
           <a:prstGeom prst="flowChartConnector">
@@ -3468,7 +3637,7 @@
         </p:nvSpPr>
         <p:spPr>
           <a:xfrm>
-            <a:off x="2174611" y="667162"/>
+            <a:off x="2448478" y="492615"/>
             <a:ext cx="1846980" cy="461665"/>
           </a:xfrm>
           <a:prstGeom prst="rect">
@@ -3551,7 +3720,7 @@
         </p:nvCxnSpPr>
         <p:spPr>
           <a:xfrm>
-            <a:off x="2233334" y="630803"/>
+            <a:off x="2507201" y="456256"/>
             <a:ext cx="0" cy="967618"/>
           </a:xfrm>
           <a:prstGeom prst="straightConnector1">
@@ -3590,7 +3759,7 @@
         </p:nvSpPr>
         <p:spPr>
           <a:xfrm>
-            <a:off x="1671947" y="1598421"/>
+            <a:off x="1945814" y="1423874"/>
             <a:ext cx="1122774" cy="514348"/>
           </a:xfrm>
           <a:prstGeom prst="roundRect">
@@ -3649,7 +3818,7 @@
         </p:nvCxnSpPr>
         <p:spPr>
           <a:xfrm>
-            <a:off x="2794721" y="1855595"/>
+            <a:off x="3068588" y="1681048"/>
             <a:ext cx="2295582" cy="0"/>
           </a:xfrm>
           <a:prstGeom prst="straightConnector1">
@@ -3688,7 +3857,7 @@
         </p:nvSpPr>
         <p:spPr>
           <a:xfrm>
-            <a:off x="5090303" y="1598421"/>
+            <a:off x="5364170" y="1423874"/>
             <a:ext cx="1122774" cy="514348"/>
           </a:xfrm>
           <a:prstGeom prst="roundRect">
@@ -3742,7 +3911,7 @@
         </p:nvSpPr>
         <p:spPr>
           <a:xfrm>
-            <a:off x="2933261" y="1517041"/>
+            <a:off x="3207128" y="1342494"/>
             <a:ext cx="2018501" cy="338554"/>
           </a:xfrm>
           <a:prstGeom prst="rect">
@@ -3807,14 +3976,14 @@
           <p:cNvCxnSpPr>
             <a:cxnSpLocks/>
             <a:stCxn id="19" idx="2"/>
-            <a:endCxn id="27" idx="0"/>
+            <a:endCxn id="13" idx="0"/>
           </p:cNvCxnSpPr>
           <p:nvPr/>
         </p:nvCxnSpPr>
         <p:spPr>
           <a:xfrm>
-            <a:off x="5651690" y="2112769"/>
-            <a:ext cx="0" cy="719960"/>
+            <a:off x="5925557" y="1938222"/>
+            <a:ext cx="0" cy="454864"/>
           </a:xfrm>
           <a:prstGeom prst="straightConnector1">
             <a:avLst/>
@@ -3840,10 +4009,84 @@
       </p:cxnSp>
       <p:sp>
         <p:nvSpPr>
-          <p:cNvPr id="27" name="Retângulo: Cantos Arredondados 26">
-            <a:extLst>
-              <a:ext uri="{FF2B5EF4-FFF2-40B4-BE49-F238E27FC236}">
-                <a16:creationId xmlns:a16="http://schemas.microsoft.com/office/drawing/2014/main" id="{9097B5AA-2066-489A-80EF-9A09A9F7810E}"/>
+          <p:cNvPr id="112" name="CaixaDeTexto 111">
+            <a:extLst>
+              <a:ext uri="{FF2B5EF4-FFF2-40B4-BE49-F238E27FC236}">
+                <a16:creationId xmlns:a16="http://schemas.microsoft.com/office/drawing/2014/main" id="{3DB70D48-1E94-44E0-8B6E-A50041782014}"/>
+              </a:ext>
+            </a:extLst>
+          </p:cNvPr>
+          <p:cNvSpPr txBox="1"/>
+          <p:nvPr/>
+        </p:nvSpPr>
+        <p:spPr>
+          <a:xfrm>
+            <a:off x="7001444" y="1006444"/>
+            <a:ext cx="1226618" cy="261610"/>
+          </a:xfrm>
+          <a:prstGeom prst="rect">
+            <a:avLst/>
+          </a:prstGeom>
+          <a:noFill/>
+        </p:spPr>
+        <p:txBody>
+          <a:bodyPr wrap="none" rtlCol="0">
+            <a:spAutoFit/>
+          </a:bodyPr>
+          <a:lstStyle/>
+          <a:p>
+            <a:r>
+              <a:rPr lang="pt-BR" sz="1050" dirty="0"/>
+              <a:t>Serviço cancelável</a:t>
+            </a:r>
+          </a:p>
+        </p:txBody>
+      </p:sp>
+      <p:sp>
+        <p:nvSpPr>
+          <p:cNvPr id="113" name="CaixaDeTexto 112">
+            <a:extLst>
+              <a:ext uri="{FF2B5EF4-FFF2-40B4-BE49-F238E27FC236}">
+                <a16:creationId xmlns:a16="http://schemas.microsoft.com/office/drawing/2014/main" id="{9100C512-6E11-48A4-8773-F0EFCD00F560}"/>
+              </a:ext>
+            </a:extLst>
+          </p:cNvPr>
+          <p:cNvSpPr txBox="1"/>
+          <p:nvPr/>
+        </p:nvSpPr>
+        <p:spPr>
+          <a:xfrm>
+            <a:off x="7045227" y="168971"/>
+            <a:ext cx="5092163" cy="369332"/>
+          </a:xfrm>
+          <a:prstGeom prst="rect">
+            <a:avLst/>
+          </a:prstGeom>
+          <a:noFill/>
+        </p:spPr>
+        <p:txBody>
+          <a:bodyPr wrap="none" rtlCol="0">
+            <a:spAutoFit/>
+          </a:bodyPr>
+          <a:lstStyle/>
+          <a:p>
+            <a:r>
+              <a:rPr lang="pt-BR" dirty="0">
+                <a:solidFill>
+                  <a:srgbClr val="002060"/>
+                </a:solidFill>
+              </a:rPr>
+              <a:t>Ciclo de Vida do Depósito de Dados “agendamento”.</a:t>
+            </a:r>
+          </a:p>
+        </p:txBody>
+      </p:sp>
+      <p:sp>
+        <p:nvSpPr>
+          <p:cNvPr id="13" name="Fluxograma: Decisão 12">
+            <a:extLst>
+              <a:ext uri="{FF2B5EF4-FFF2-40B4-BE49-F238E27FC236}">
+                <a16:creationId xmlns:a16="http://schemas.microsoft.com/office/drawing/2014/main" id="{DC2F7AF9-A7B5-4A0F-BA5D-2AC78599E82D}"/>
               </a:ext>
             </a:extLst>
           </p:cNvPr>
@@ -3852,12 +4095,13 @@
         </p:nvSpPr>
         <p:spPr>
           <a:xfrm>
-            <a:off x="5090303" y="2832729"/>
-            <a:ext cx="1122774" cy="514348"/>
-          </a:xfrm>
-          <a:prstGeom prst="roundRect">
-            <a:avLst/>
-          </a:prstGeom>
+            <a:off x="5468357" y="2393086"/>
+            <a:ext cx="914400" cy="612648"/>
+          </a:xfrm>
+          <a:prstGeom prst="flowChartDecision">
+            <a:avLst/>
+          </a:prstGeom>
+          <a:ln/>
         </p:spPr>
         <p:style>
           <a:lnRef idx="2">
@@ -3878,107 +4122,29 @@
           <a:lstStyle/>
           <a:p>
             <a:pPr algn="ctr"/>
-            <a:r>
-              <a:rPr lang="pt-BR" sz="1050" dirty="0"/>
-              <a:t>Preparação</a:t>
-            </a:r>
-          </a:p>
-          <a:p>
-            <a:pPr algn="ctr"/>
-            <a:r>
-              <a:rPr lang="pt-BR" sz="1050" dirty="0"/>
-              <a:t>para atendimento</a:t>
-            </a:r>
-          </a:p>
-        </p:txBody>
-      </p:sp>
-      <p:sp>
-        <p:nvSpPr>
-          <p:cNvPr id="28" name="CaixaDeTexto 27">
-            <a:extLst>
-              <a:ext uri="{FF2B5EF4-FFF2-40B4-BE49-F238E27FC236}">
-                <a16:creationId xmlns:a16="http://schemas.microsoft.com/office/drawing/2014/main" id="{09496935-9A53-4CCD-B7F1-61E1AC86F2D4}"/>
-              </a:ext>
-            </a:extLst>
-          </p:cNvPr>
-          <p:cNvSpPr txBox="1"/>
-          <p:nvPr/>
-        </p:nvSpPr>
-        <p:spPr>
-          <a:xfrm>
-            <a:off x="5651690" y="2250008"/>
-            <a:ext cx="2683748" cy="338554"/>
-          </a:xfrm>
-          <a:prstGeom prst="rect">
-            <a:avLst/>
-          </a:prstGeom>
-          <a:noFill/>
-        </p:spPr>
-        <p:txBody>
-          <a:bodyPr wrap="none" rtlCol="0">
-            <a:spAutoFit/>
-          </a:bodyPr>
-          <a:lstStyle/>
-          <a:p>
-            <a:pPr algn="ctr"/>
-            <a:r>
-              <a:rPr lang="pt-BR" sz="800" dirty="0">
-                <a:latin typeface="Arial" panose="020B0604020202020204" pitchFamily="34" charset="0"/>
-                <a:cs typeface="Arial" panose="020B0604020202020204" pitchFamily="34" charset="0"/>
-              </a:rPr>
-              <a:t>3 - Recepção avisa ao Corte que há cliente esperando</a:t>
-            </a:r>
-          </a:p>
-          <a:p>
-            <a:pPr algn="ctr"/>
-            <a:r>
-              <a:rPr lang="pt-BR" sz="800" dirty="0">
-                <a:latin typeface="Arial" panose="020B0604020202020204" pitchFamily="34" charset="0"/>
-                <a:cs typeface="Arial" panose="020B0604020202020204" pitchFamily="34" charset="0"/>
-              </a:rPr>
-              <a:t>/&lt;&lt;</a:t>
-            </a:r>
-            <a:r>
-              <a:rPr lang="pt-BR" sz="800" dirty="0" err="1">
-                <a:latin typeface="Arial" panose="020B0604020202020204" pitchFamily="34" charset="0"/>
-                <a:cs typeface="Arial" panose="020B0604020202020204" pitchFamily="34" charset="0"/>
-              </a:rPr>
-              <a:t>DFD_Process</a:t>
-            </a:r>
-            <a:r>
-              <a:rPr lang="pt-BR" sz="800" dirty="0">
-                <a:latin typeface="Arial" panose="020B0604020202020204" pitchFamily="34" charset="0"/>
-                <a:cs typeface="Arial" panose="020B0604020202020204" pitchFamily="34" charset="0"/>
-              </a:rPr>
-              <a:t>&gt;&gt;Recepcionar Cliente</a:t>
-            </a:r>
-            <a:endParaRPr lang="pt-BR" sz="1000" dirty="0">
-              <a:latin typeface="Arial" panose="020B0604020202020204" pitchFamily="34" charset="0"/>
-              <a:cs typeface="Arial" panose="020B0604020202020204" pitchFamily="34" charset="0"/>
-            </a:endParaRPr>
+            <a:endParaRPr lang="pt-BR" dirty="0"/>
           </a:p>
         </p:txBody>
       </p:sp>
       <p:cxnSp>
         <p:nvCxnSpPr>
-          <p:cNvPr id="36" name="Conector de Seta Reta 35">
-            <a:extLst>
-              <a:ext uri="{FF2B5EF4-FFF2-40B4-BE49-F238E27FC236}">
-                <a16:creationId xmlns:a16="http://schemas.microsoft.com/office/drawing/2014/main" id="{44CB93C7-24AE-41FF-9245-73A49D0FF210}"/>
+          <p:cNvPr id="44" name="Conector de Seta Reta 43">
+            <a:extLst>
+              <a:ext uri="{FF2B5EF4-FFF2-40B4-BE49-F238E27FC236}">
+                <a16:creationId xmlns:a16="http://schemas.microsoft.com/office/drawing/2014/main" id="{729CED72-4D48-4C26-AD47-81B4A955D3FD}"/>
               </a:ext>
             </a:extLst>
           </p:cNvPr>
           <p:cNvCxnSpPr>
             <a:cxnSpLocks/>
-            <a:stCxn id="27" idx="1"/>
-            <a:endCxn id="41" idx="3"/>
+            <a:stCxn id="13" idx="2"/>
           </p:cNvCxnSpPr>
           <p:nvPr/>
         </p:nvCxnSpPr>
         <p:spPr>
           <a:xfrm flipH="1">
-            <a:off x="2765915" y="3089903"/>
-            <a:ext cx="2324388" cy="0"/>
+            <a:off x="5920097" y="3005734"/>
+            <a:ext cx="5460" cy="642127"/>
           </a:xfrm>
           <a:prstGeom prst="straightConnector1">
             <a:avLst/>
@@ -4002,172 +4168,25 @@
           </a:fontRef>
         </p:style>
       </p:cxnSp>
-      <p:sp>
-        <p:nvSpPr>
-          <p:cNvPr id="40" name="CaixaDeTexto 39">
-            <a:extLst>
-              <a:ext uri="{FF2B5EF4-FFF2-40B4-BE49-F238E27FC236}">
-                <a16:creationId xmlns:a16="http://schemas.microsoft.com/office/drawing/2014/main" id="{1554A58A-7B94-46A0-B167-9683F72E0595}"/>
-              </a:ext>
-            </a:extLst>
-          </p:cNvPr>
-          <p:cNvSpPr txBox="1"/>
-          <p:nvPr/>
-        </p:nvSpPr>
-        <p:spPr>
-          <a:xfrm>
-            <a:off x="3047875" y="2450386"/>
-            <a:ext cx="1789271" cy="646331"/>
-          </a:xfrm>
-          <a:prstGeom prst="rect">
-            <a:avLst/>
-          </a:prstGeom>
-          <a:noFill/>
-        </p:spPr>
-        <p:txBody>
-          <a:bodyPr wrap="none" rtlCol="0">
-            <a:spAutoFit/>
-          </a:bodyPr>
-          <a:lstStyle/>
-          <a:p>
-            <a:pPr algn="ctr"/>
-            <a:r>
-              <a:rPr lang="pt-BR" sz="800" dirty="0">
-                <a:latin typeface="Arial" panose="020B0604020202020204" pitchFamily="34" charset="0"/>
-                <a:cs typeface="Arial" panose="020B0604020202020204" pitchFamily="34" charset="0"/>
-              </a:rPr>
-              <a:t>4 - Corte recebe aviso de </a:t>
-            </a:r>
-          </a:p>
-          <a:p>
-            <a:pPr algn="ctr"/>
-            <a:r>
-              <a:rPr lang="pt-BR" sz="800" dirty="0">
-                <a:latin typeface="Arial" panose="020B0604020202020204" pitchFamily="34" charset="0"/>
-                <a:cs typeface="Arial" panose="020B0604020202020204" pitchFamily="34" charset="0"/>
-              </a:rPr>
-              <a:t>cliente aguardando</a:t>
-            </a:r>
-          </a:p>
-          <a:p>
-            <a:pPr algn="ctr">
-              <a:lnSpc>
-                <a:spcPct val="150000"/>
-              </a:lnSpc>
-            </a:pPr>
-            <a:r>
-              <a:rPr lang="pt-BR" sz="800" dirty="0">
-                <a:latin typeface="Arial" panose="020B0604020202020204" pitchFamily="34" charset="0"/>
-                <a:cs typeface="Arial" panose="020B0604020202020204" pitchFamily="34" charset="0"/>
-              </a:rPr>
-              <a:t>/&lt;&lt;</a:t>
-            </a:r>
-            <a:r>
-              <a:rPr lang="pt-BR" sz="800" dirty="0" err="1">
-                <a:latin typeface="Arial" panose="020B0604020202020204" pitchFamily="34" charset="0"/>
-                <a:cs typeface="Arial" panose="020B0604020202020204" pitchFamily="34" charset="0"/>
-              </a:rPr>
-              <a:t>DFD_Process</a:t>
-            </a:r>
-            <a:r>
-              <a:rPr lang="pt-BR" sz="800" dirty="0">
-                <a:latin typeface="Arial" panose="020B0604020202020204" pitchFamily="34" charset="0"/>
-                <a:cs typeface="Arial" panose="020B0604020202020204" pitchFamily="34" charset="0"/>
-              </a:rPr>
-              <a:t>&gt;&gt;Receber Aviso </a:t>
-            </a:r>
-          </a:p>
-          <a:p>
-            <a:pPr algn="ctr"/>
-            <a:r>
-              <a:rPr lang="pt-BR" sz="800" dirty="0">
-                <a:latin typeface="Arial" panose="020B0604020202020204" pitchFamily="34" charset="0"/>
-                <a:cs typeface="Arial" panose="020B0604020202020204" pitchFamily="34" charset="0"/>
-              </a:rPr>
-              <a:t>de Cliente aguardando</a:t>
-            </a:r>
-            <a:endParaRPr lang="pt-BR" sz="1000" dirty="0">
-              <a:latin typeface="Arial" panose="020B0604020202020204" pitchFamily="34" charset="0"/>
-              <a:cs typeface="Arial" panose="020B0604020202020204" pitchFamily="34" charset="0"/>
-            </a:endParaRPr>
-          </a:p>
-        </p:txBody>
-      </p:sp>
-      <p:sp>
-        <p:nvSpPr>
-          <p:cNvPr id="41" name="Retângulo: Cantos Arredondados 40">
-            <a:extLst>
-              <a:ext uri="{FF2B5EF4-FFF2-40B4-BE49-F238E27FC236}">
-                <a16:creationId xmlns:a16="http://schemas.microsoft.com/office/drawing/2014/main" id="{91242B4A-9FB5-48B1-9746-8558DC789D3B}"/>
-              </a:ext>
-            </a:extLst>
-          </p:cNvPr>
-          <p:cNvSpPr/>
-          <p:nvPr/>
-        </p:nvSpPr>
-        <p:spPr>
-          <a:xfrm>
-            <a:off x="1643141" y="2832729"/>
-            <a:ext cx="1122774" cy="514348"/>
-          </a:xfrm>
-          <a:prstGeom prst="roundRect">
-            <a:avLst/>
-          </a:prstGeom>
-        </p:spPr>
-        <p:style>
-          <a:lnRef idx="2">
-            <a:schemeClr val="dk1"/>
-          </a:lnRef>
-          <a:fillRef idx="1">
-            <a:schemeClr val="lt1"/>
-          </a:fillRef>
-          <a:effectRef idx="0">
-            <a:schemeClr val="dk1"/>
-          </a:effectRef>
-          <a:fontRef idx="minor">
-            <a:schemeClr val="dk1"/>
-          </a:fontRef>
-        </p:style>
-        <p:txBody>
-          <a:bodyPr rtlCol="0" anchor="ctr"/>
-          <a:lstStyle/>
-          <a:p>
-            <a:pPr algn="ctr"/>
-            <a:r>
-              <a:rPr lang="pt-BR" sz="1050" dirty="0"/>
-              <a:t>Início do</a:t>
-            </a:r>
-          </a:p>
-          <a:p>
-            <a:pPr algn="ctr"/>
-            <a:r>
-              <a:rPr lang="pt-BR" sz="1050" dirty="0"/>
-              <a:t>atendimento</a:t>
-            </a:r>
-            <a:endParaRPr lang="pt-BR" sz="1200" dirty="0"/>
-          </a:p>
-        </p:txBody>
-      </p:sp>
       <p:cxnSp>
         <p:nvCxnSpPr>
-          <p:cNvPr id="50" name="Conector de Seta Reta 49">
-            <a:extLst>
-              <a:ext uri="{FF2B5EF4-FFF2-40B4-BE49-F238E27FC236}">
-                <a16:creationId xmlns:a16="http://schemas.microsoft.com/office/drawing/2014/main" id="{859BD9CF-8424-4873-B07D-7AF9C662D3BC}"/>
+          <p:cNvPr id="57" name="Conector de Seta Reta 56">
+            <a:extLst>
+              <a:ext uri="{FF2B5EF4-FFF2-40B4-BE49-F238E27FC236}">
+                <a16:creationId xmlns:a16="http://schemas.microsoft.com/office/drawing/2014/main" id="{31BE64F2-AD75-4DAF-AB80-7AD1D70C7F1D}"/>
               </a:ext>
             </a:extLst>
           </p:cNvPr>
           <p:cNvCxnSpPr>
             <a:cxnSpLocks/>
-            <a:stCxn id="41" idx="2"/>
-            <a:endCxn id="62" idx="0"/>
+            <a:stCxn id="13" idx="3"/>
           </p:cNvCxnSpPr>
           <p:nvPr/>
         </p:nvCxnSpPr>
         <p:spPr>
           <a:xfrm>
-            <a:off x="2204528" y="3347077"/>
-            <a:ext cx="0" cy="929625"/>
+            <a:off x="6382757" y="2699410"/>
+            <a:ext cx="4551356" cy="5880"/>
           </a:xfrm>
           <a:prstGeom prst="straightConnector1">
             <a:avLst/>
@@ -4193,77 +4212,10 @@
       </p:cxnSp>
       <p:sp>
         <p:nvSpPr>
-          <p:cNvPr id="56" name="CaixaDeTexto 55">
-            <a:extLst>
-              <a:ext uri="{FF2B5EF4-FFF2-40B4-BE49-F238E27FC236}">
-                <a16:creationId xmlns:a16="http://schemas.microsoft.com/office/drawing/2014/main" id="{68A2AEAC-62FE-4AD7-9BCA-A7325BCA6F47}"/>
-              </a:ext>
-            </a:extLst>
-          </p:cNvPr>
-          <p:cNvSpPr txBox="1"/>
-          <p:nvPr/>
-        </p:nvSpPr>
-        <p:spPr>
-          <a:xfrm>
-            <a:off x="2174611" y="3718327"/>
-            <a:ext cx="3122971" cy="338554"/>
-          </a:xfrm>
-          <a:prstGeom prst="rect">
-            <a:avLst/>
-          </a:prstGeom>
-          <a:noFill/>
-        </p:spPr>
-        <p:txBody>
-          <a:bodyPr wrap="none" rtlCol="0">
-            <a:spAutoFit/>
-          </a:bodyPr>
-          <a:lstStyle/>
-          <a:p>
-            <a:pPr algn="ctr"/>
-            <a:r>
-              <a:rPr lang="pt-BR" sz="800" dirty="0">
-                <a:latin typeface="Arial" panose="020B0604020202020204" pitchFamily="34" charset="0"/>
-                <a:cs typeface="Arial" panose="020B0604020202020204" pitchFamily="34" charset="0"/>
-              </a:rPr>
-              <a:t>5 - Corte convida cliente para atendimento</a:t>
-            </a:r>
-          </a:p>
-          <a:p>
-            <a:pPr algn="ctr"/>
-            <a:r>
-              <a:rPr lang="pt-BR" sz="800" dirty="0">
-                <a:latin typeface="Arial" panose="020B0604020202020204" pitchFamily="34" charset="0"/>
-                <a:cs typeface="Arial" panose="020B0604020202020204" pitchFamily="34" charset="0"/>
-              </a:rPr>
-              <a:t>/&lt;&lt;</a:t>
-            </a:r>
-            <a:r>
-              <a:rPr lang="pt-BR" sz="800" dirty="0" err="1">
-                <a:latin typeface="Arial" panose="020B0604020202020204" pitchFamily="34" charset="0"/>
-                <a:cs typeface="Arial" panose="020B0604020202020204" pitchFamily="34" charset="0"/>
-              </a:rPr>
-              <a:t>DFD_Process</a:t>
-            </a:r>
-            <a:r>
-              <a:rPr lang="pt-BR" sz="800" dirty="0">
-                <a:latin typeface="Arial" panose="020B0604020202020204" pitchFamily="34" charset="0"/>
-                <a:cs typeface="Arial" panose="020B0604020202020204" pitchFamily="34" charset="0"/>
-              </a:rPr>
-              <a:t>&gt;&gt;Chamar Cliente Para Realização Do Serviço</a:t>
-            </a:r>
-            <a:endParaRPr lang="pt-BR" sz="1000" dirty="0">
-              <a:latin typeface="Arial" panose="020B0604020202020204" pitchFamily="34" charset="0"/>
-              <a:cs typeface="Arial" panose="020B0604020202020204" pitchFamily="34" charset="0"/>
-            </a:endParaRPr>
-          </a:p>
-        </p:txBody>
-      </p:sp>
-      <p:sp>
-        <p:nvSpPr>
-          <p:cNvPr id="62" name="Retângulo: Cantos Arredondados 61">
-            <a:extLst>
-              <a:ext uri="{FF2B5EF4-FFF2-40B4-BE49-F238E27FC236}">
-                <a16:creationId xmlns:a16="http://schemas.microsoft.com/office/drawing/2014/main" id="{5245AAF6-862C-465D-AFD0-DBE134D54008}"/>
+          <p:cNvPr id="60" name="Fluxograma: Conector 59">
+            <a:extLst>
+              <a:ext uri="{FF2B5EF4-FFF2-40B4-BE49-F238E27FC236}">
+                <a16:creationId xmlns:a16="http://schemas.microsoft.com/office/drawing/2014/main" id="{CF8372F0-F4A7-4DF5-BA6D-C5EEF1724A9A}"/>
               </a:ext>
             </a:extLst>
           </p:cNvPr>
@@ -4272,549 +4224,7 @@
         </p:nvSpPr>
         <p:spPr>
           <a:xfrm>
-            <a:off x="1643141" y="4276702"/>
-            <a:ext cx="1122774" cy="514348"/>
-          </a:xfrm>
-          <a:prstGeom prst="roundRect">
-            <a:avLst/>
-          </a:prstGeom>
-        </p:spPr>
-        <p:style>
-          <a:lnRef idx="2">
-            <a:schemeClr val="dk1"/>
-          </a:lnRef>
-          <a:fillRef idx="1">
-            <a:schemeClr val="lt1"/>
-          </a:fillRef>
-          <a:effectRef idx="0">
-            <a:schemeClr val="dk1"/>
-          </a:effectRef>
-          <a:fontRef idx="minor">
-            <a:schemeClr val="dk1"/>
-          </a:fontRef>
-        </p:style>
-        <p:txBody>
-          <a:bodyPr rtlCol="0" anchor="ctr"/>
-          <a:lstStyle/>
-          <a:p>
-            <a:pPr algn="ctr"/>
-            <a:r>
-              <a:rPr lang="pt-BR" sz="1000" dirty="0"/>
-              <a:t>Convite para</a:t>
-            </a:r>
-          </a:p>
-          <a:p>
-            <a:pPr algn="ctr"/>
-            <a:r>
-              <a:rPr lang="pt-BR" sz="1000" dirty="0"/>
-              <a:t>o serviço</a:t>
-            </a:r>
-          </a:p>
-        </p:txBody>
-      </p:sp>
-      <p:cxnSp>
-        <p:nvCxnSpPr>
-          <p:cNvPr id="80" name="Conector de Seta Reta 79">
-            <a:extLst>
-              <a:ext uri="{FF2B5EF4-FFF2-40B4-BE49-F238E27FC236}">
-                <a16:creationId xmlns:a16="http://schemas.microsoft.com/office/drawing/2014/main" id="{FE73E91D-6A00-4D08-AE98-33D298E42666}"/>
-              </a:ext>
-            </a:extLst>
-          </p:cNvPr>
-          <p:cNvCxnSpPr>
-            <a:cxnSpLocks/>
-            <a:stCxn id="62" idx="2"/>
-            <a:endCxn id="116" idx="0"/>
-          </p:cNvCxnSpPr>
-          <p:nvPr/>
-        </p:nvCxnSpPr>
-        <p:spPr>
-          <a:xfrm flipH="1">
-            <a:off x="2199329" y="4791050"/>
-            <a:ext cx="5199" cy="1180109"/>
-          </a:xfrm>
-          <a:prstGeom prst="straightConnector1">
-            <a:avLst/>
-          </a:prstGeom>
-          <a:ln>
-            <a:tailEnd type="triangle"/>
-          </a:ln>
-        </p:spPr>
-        <p:style>
-          <a:lnRef idx="1">
-            <a:schemeClr val="dk1"/>
-          </a:lnRef>
-          <a:fillRef idx="0">
-            <a:schemeClr val="dk1"/>
-          </a:fillRef>
-          <a:effectRef idx="0">
-            <a:schemeClr val="dk1"/>
-          </a:effectRef>
-          <a:fontRef idx="minor">
-            <a:schemeClr val="tx1"/>
-          </a:fontRef>
-        </p:style>
-      </p:cxnSp>
-      <p:sp>
-        <p:nvSpPr>
-          <p:cNvPr id="85" name="Retângulo: Cantos Arredondados 84">
-            <a:extLst>
-              <a:ext uri="{FF2B5EF4-FFF2-40B4-BE49-F238E27FC236}">
-                <a16:creationId xmlns:a16="http://schemas.microsoft.com/office/drawing/2014/main" id="{09F40373-15A0-4535-A838-D71D31683FB0}"/>
-              </a:ext>
-            </a:extLst>
-          </p:cNvPr>
-          <p:cNvSpPr/>
-          <p:nvPr/>
-        </p:nvSpPr>
-        <p:spPr>
-          <a:xfrm>
-            <a:off x="4259962" y="5971759"/>
-            <a:ext cx="1122774" cy="514348"/>
-          </a:xfrm>
-          <a:prstGeom prst="roundRect">
-            <a:avLst/>
-          </a:prstGeom>
-        </p:spPr>
-        <p:style>
-          <a:lnRef idx="2">
-            <a:schemeClr val="dk1"/>
-          </a:lnRef>
-          <a:fillRef idx="1">
-            <a:schemeClr val="lt1"/>
-          </a:fillRef>
-          <a:effectRef idx="0">
-            <a:schemeClr val="dk1"/>
-          </a:effectRef>
-          <a:fontRef idx="minor">
-            <a:schemeClr val="dk1"/>
-          </a:fontRef>
-        </p:style>
-        <p:txBody>
-          <a:bodyPr rtlCol="0" anchor="ctr"/>
-          <a:lstStyle/>
-          <a:p>
-            <a:pPr algn="ctr"/>
-            <a:r>
-              <a:rPr lang="pt-BR" sz="1000" dirty="0"/>
-              <a:t>Feedback do </a:t>
-            </a:r>
-          </a:p>
-          <a:p>
-            <a:pPr algn="ctr"/>
-            <a:r>
-              <a:rPr lang="pt-BR" sz="1000" dirty="0"/>
-              <a:t>cliente</a:t>
-            </a:r>
-          </a:p>
-        </p:txBody>
-      </p:sp>
-      <p:sp>
-        <p:nvSpPr>
-          <p:cNvPr id="88" name="CaixaDeTexto 87">
-            <a:extLst>
-              <a:ext uri="{FF2B5EF4-FFF2-40B4-BE49-F238E27FC236}">
-                <a16:creationId xmlns:a16="http://schemas.microsoft.com/office/drawing/2014/main" id="{C2307244-710C-4D51-B2EA-80D130E23362}"/>
-              </a:ext>
-            </a:extLst>
-          </p:cNvPr>
-          <p:cNvSpPr txBox="1"/>
-          <p:nvPr/>
-        </p:nvSpPr>
-        <p:spPr>
-          <a:xfrm>
-            <a:off x="2677242" y="5567292"/>
-            <a:ext cx="1523174" cy="584775"/>
-          </a:xfrm>
-          <a:prstGeom prst="rect">
-            <a:avLst/>
-          </a:prstGeom>
-          <a:noFill/>
-        </p:spPr>
-        <p:txBody>
-          <a:bodyPr wrap="none" rtlCol="0">
-            <a:spAutoFit/>
-          </a:bodyPr>
-          <a:lstStyle/>
-          <a:p>
-            <a:pPr algn="ctr"/>
-            <a:r>
-              <a:rPr lang="pt-BR" sz="800" dirty="0">
-                <a:latin typeface="Arial" panose="020B0604020202020204" pitchFamily="34" charset="0"/>
-                <a:cs typeface="Arial" panose="020B0604020202020204" pitchFamily="34" charset="0"/>
-              </a:rPr>
-              <a:t>7 - Cliente passa o feedback </a:t>
-            </a:r>
-          </a:p>
-          <a:p>
-            <a:pPr algn="ctr"/>
-            <a:r>
-              <a:rPr lang="pt-BR" sz="800" dirty="0">
-                <a:latin typeface="Arial" panose="020B0604020202020204" pitchFamily="34" charset="0"/>
-                <a:cs typeface="Arial" panose="020B0604020202020204" pitchFamily="34" charset="0"/>
-              </a:rPr>
-              <a:t>sobre o serviço</a:t>
-            </a:r>
-          </a:p>
-          <a:p>
-            <a:pPr algn="ctr"/>
-            <a:r>
-              <a:rPr lang="pt-BR" sz="800" dirty="0">
-                <a:latin typeface="Arial" panose="020B0604020202020204" pitchFamily="34" charset="0"/>
-                <a:cs typeface="Arial" panose="020B0604020202020204" pitchFamily="34" charset="0"/>
-              </a:rPr>
-              <a:t>/&lt;&lt;</a:t>
-            </a:r>
-            <a:r>
-              <a:rPr lang="pt-BR" sz="800" dirty="0" err="1">
-                <a:latin typeface="Arial" panose="020B0604020202020204" pitchFamily="34" charset="0"/>
-                <a:cs typeface="Arial" panose="020B0604020202020204" pitchFamily="34" charset="0"/>
-              </a:rPr>
-              <a:t>DFD_Process</a:t>
-            </a:r>
-            <a:r>
-              <a:rPr lang="pt-BR" sz="800" dirty="0">
-                <a:latin typeface="Arial" panose="020B0604020202020204" pitchFamily="34" charset="0"/>
-                <a:cs typeface="Arial" panose="020B0604020202020204" pitchFamily="34" charset="0"/>
-              </a:rPr>
-              <a:t>&gt;&gt;</a:t>
-            </a:r>
-          </a:p>
-          <a:p>
-            <a:pPr algn="ctr"/>
-            <a:r>
-              <a:rPr lang="pt-BR" sz="800" dirty="0">
-                <a:latin typeface="Arial" panose="020B0604020202020204" pitchFamily="34" charset="0"/>
-                <a:cs typeface="Arial" panose="020B0604020202020204" pitchFamily="34" charset="0"/>
-              </a:rPr>
-              <a:t>Tratar feedback do cliente</a:t>
-            </a:r>
-            <a:endParaRPr lang="pt-BR" sz="1000" dirty="0">
-              <a:latin typeface="Arial" panose="020B0604020202020204" pitchFamily="34" charset="0"/>
-              <a:cs typeface="Arial" panose="020B0604020202020204" pitchFamily="34" charset="0"/>
-            </a:endParaRPr>
-          </a:p>
-        </p:txBody>
-      </p:sp>
-      <p:sp>
-        <p:nvSpPr>
-          <p:cNvPr id="89" name="Retângulo: Cantos Arredondados 88">
-            <a:extLst>
-              <a:ext uri="{FF2B5EF4-FFF2-40B4-BE49-F238E27FC236}">
-                <a16:creationId xmlns:a16="http://schemas.microsoft.com/office/drawing/2014/main" id="{3CCB7DD1-B8FF-47CF-A567-674D4DF60A55}"/>
-              </a:ext>
-            </a:extLst>
-          </p:cNvPr>
-          <p:cNvSpPr/>
-          <p:nvPr/>
-        </p:nvSpPr>
-        <p:spPr>
-          <a:xfrm>
-            <a:off x="7494106" y="5960366"/>
-            <a:ext cx="1122774" cy="514348"/>
-          </a:xfrm>
-          <a:prstGeom prst="roundRect">
-            <a:avLst/>
-          </a:prstGeom>
-        </p:spPr>
-        <p:style>
-          <a:lnRef idx="2">
-            <a:schemeClr val="dk1"/>
-          </a:lnRef>
-          <a:fillRef idx="1">
-            <a:schemeClr val="lt1"/>
-          </a:fillRef>
-          <a:effectRef idx="0">
-            <a:schemeClr val="dk1"/>
-          </a:effectRef>
-          <a:fontRef idx="minor">
-            <a:schemeClr val="dk1"/>
-          </a:fontRef>
-        </p:style>
-        <p:txBody>
-          <a:bodyPr rtlCol="0" anchor="ctr"/>
-          <a:lstStyle/>
-          <a:p>
-            <a:pPr algn="ctr"/>
-            <a:r>
-              <a:rPr lang="pt-BR" sz="1050" dirty="0"/>
-              <a:t>Finalização do</a:t>
-            </a:r>
-          </a:p>
-          <a:p>
-            <a:pPr algn="ctr"/>
-            <a:r>
-              <a:rPr lang="pt-BR" sz="1050" dirty="0"/>
-              <a:t>serviço</a:t>
-            </a:r>
-          </a:p>
-        </p:txBody>
-      </p:sp>
-      <p:cxnSp>
-        <p:nvCxnSpPr>
-          <p:cNvPr id="90" name="Conector de Seta Reta 89">
-            <a:extLst>
-              <a:ext uri="{FF2B5EF4-FFF2-40B4-BE49-F238E27FC236}">
-                <a16:creationId xmlns:a16="http://schemas.microsoft.com/office/drawing/2014/main" id="{C1414AA0-0E32-4C82-BB8C-5A675B265A9D}"/>
-              </a:ext>
-            </a:extLst>
-          </p:cNvPr>
-          <p:cNvCxnSpPr>
-            <a:cxnSpLocks/>
-            <a:stCxn id="85" idx="3"/>
-            <a:endCxn id="89" idx="1"/>
-          </p:cNvCxnSpPr>
-          <p:nvPr/>
-        </p:nvCxnSpPr>
-        <p:spPr>
-          <a:xfrm flipV="1">
-            <a:off x="5382736" y="6217540"/>
-            <a:ext cx="2111370" cy="11393"/>
-          </a:xfrm>
-          <a:prstGeom prst="straightConnector1">
-            <a:avLst/>
-          </a:prstGeom>
-          <a:ln>
-            <a:tailEnd type="triangle"/>
-          </a:ln>
-        </p:spPr>
-        <p:style>
-          <a:lnRef idx="1">
-            <a:schemeClr val="dk1"/>
-          </a:lnRef>
-          <a:fillRef idx="0">
-            <a:schemeClr val="dk1"/>
-          </a:fillRef>
-          <a:effectRef idx="0">
-            <a:schemeClr val="dk1"/>
-          </a:effectRef>
-          <a:fontRef idx="minor">
-            <a:schemeClr val="tx1"/>
-          </a:fontRef>
-        </p:style>
-      </p:cxnSp>
-      <p:sp>
-        <p:nvSpPr>
-          <p:cNvPr id="93" name="CaixaDeTexto 92">
-            <a:extLst>
-              <a:ext uri="{FF2B5EF4-FFF2-40B4-BE49-F238E27FC236}">
-                <a16:creationId xmlns:a16="http://schemas.microsoft.com/office/drawing/2014/main" id="{A64EEBEF-1DBA-427E-BF58-DFF3B87C0F28}"/>
-              </a:ext>
-            </a:extLst>
-          </p:cNvPr>
-          <p:cNvSpPr txBox="1"/>
-          <p:nvPr/>
-        </p:nvSpPr>
-        <p:spPr>
-          <a:xfrm>
-            <a:off x="5563497" y="5639049"/>
-            <a:ext cx="1840568" cy="584775"/>
-          </a:xfrm>
-          <a:prstGeom prst="rect">
-            <a:avLst/>
-          </a:prstGeom>
-          <a:noFill/>
-        </p:spPr>
-        <p:txBody>
-          <a:bodyPr wrap="none" rtlCol="0">
-            <a:spAutoFit/>
-          </a:bodyPr>
-          <a:lstStyle/>
-          <a:p>
-            <a:pPr algn="ctr"/>
-            <a:r>
-              <a:rPr lang="pt-BR" sz="800" dirty="0">
-                <a:latin typeface="Arial" panose="020B0604020202020204" pitchFamily="34" charset="0"/>
-                <a:cs typeface="Arial" panose="020B0604020202020204" pitchFamily="34" charset="0"/>
-              </a:rPr>
-              <a:t>8 - Corte avisa o término do serviço </a:t>
-            </a:r>
-          </a:p>
-          <a:p>
-            <a:pPr algn="ctr"/>
-            <a:r>
-              <a:rPr lang="pt-BR" sz="800" dirty="0">
-                <a:latin typeface="Arial" panose="020B0604020202020204" pitchFamily="34" charset="0"/>
-                <a:cs typeface="Arial" panose="020B0604020202020204" pitchFamily="34" charset="0"/>
-              </a:rPr>
-              <a:t>para a recepção</a:t>
-            </a:r>
-          </a:p>
-          <a:p>
-            <a:pPr algn="ctr"/>
-            <a:r>
-              <a:rPr lang="pt-BR" sz="800" dirty="0">
-                <a:latin typeface="Arial" panose="020B0604020202020204" pitchFamily="34" charset="0"/>
-                <a:cs typeface="Arial" panose="020B0604020202020204" pitchFamily="34" charset="0"/>
-              </a:rPr>
-              <a:t>/&lt;&lt;</a:t>
-            </a:r>
-            <a:r>
-              <a:rPr lang="pt-BR" sz="800" dirty="0" err="1">
-                <a:latin typeface="Arial" panose="020B0604020202020204" pitchFamily="34" charset="0"/>
-                <a:cs typeface="Arial" panose="020B0604020202020204" pitchFamily="34" charset="0"/>
-              </a:rPr>
-              <a:t>DFD_Process</a:t>
-            </a:r>
-            <a:r>
-              <a:rPr lang="pt-BR" sz="800" dirty="0">
-                <a:latin typeface="Arial" panose="020B0604020202020204" pitchFamily="34" charset="0"/>
-                <a:cs typeface="Arial" panose="020B0604020202020204" pitchFamily="34" charset="0"/>
-              </a:rPr>
-              <a:t>&gt;&gt;</a:t>
-            </a:r>
-          </a:p>
-          <a:p>
-            <a:pPr algn="ctr"/>
-            <a:r>
-              <a:rPr lang="pt-BR" sz="800" dirty="0">
-                <a:latin typeface="Arial" panose="020B0604020202020204" pitchFamily="34" charset="0"/>
-                <a:cs typeface="Arial" panose="020B0604020202020204" pitchFamily="34" charset="0"/>
-              </a:rPr>
-              <a:t>Preparar Fechamento Do Serviço</a:t>
-            </a:r>
-            <a:endParaRPr lang="pt-BR" sz="1000" dirty="0">
-              <a:latin typeface="Arial" panose="020B0604020202020204" pitchFamily="34" charset="0"/>
-              <a:cs typeface="Arial" panose="020B0604020202020204" pitchFamily="34" charset="0"/>
-            </a:endParaRPr>
-          </a:p>
-        </p:txBody>
-      </p:sp>
-      <p:cxnSp>
-        <p:nvCxnSpPr>
-          <p:cNvPr id="96" name="Conector de Seta Reta 95">
-            <a:extLst>
-              <a:ext uri="{FF2B5EF4-FFF2-40B4-BE49-F238E27FC236}">
-                <a16:creationId xmlns:a16="http://schemas.microsoft.com/office/drawing/2014/main" id="{95CFED29-A4CE-4CEC-B3F0-28BF0B22B923}"/>
-              </a:ext>
-            </a:extLst>
-          </p:cNvPr>
-          <p:cNvCxnSpPr>
-            <a:cxnSpLocks/>
-            <a:stCxn id="89" idx="3"/>
-            <a:endCxn id="105" idx="2"/>
-          </p:cNvCxnSpPr>
-          <p:nvPr/>
-        </p:nvCxnSpPr>
-        <p:spPr>
-          <a:xfrm>
-            <a:off x="8616880" y="6217540"/>
-            <a:ext cx="2241615" cy="0"/>
-          </a:xfrm>
-          <a:prstGeom prst="straightConnector1">
-            <a:avLst/>
-          </a:prstGeom>
-          <a:ln>
-            <a:tailEnd type="triangle"/>
-          </a:ln>
-        </p:spPr>
-        <p:style>
-          <a:lnRef idx="1">
-            <a:schemeClr val="dk1"/>
-          </a:lnRef>
-          <a:fillRef idx="0">
-            <a:schemeClr val="dk1"/>
-          </a:fillRef>
-          <a:effectRef idx="0">
-            <a:schemeClr val="dk1"/>
-          </a:effectRef>
-          <a:fontRef idx="minor">
-            <a:schemeClr val="tx1"/>
-          </a:fontRef>
-        </p:style>
-      </p:cxnSp>
-      <p:sp>
-        <p:nvSpPr>
-          <p:cNvPr id="100" name="CaixaDeTexto 99">
-            <a:extLst>
-              <a:ext uri="{FF2B5EF4-FFF2-40B4-BE49-F238E27FC236}">
-                <a16:creationId xmlns:a16="http://schemas.microsoft.com/office/drawing/2014/main" id="{C1FECC25-B4A7-4CA9-B420-3F70F8F3D694}"/>
-              </a:ext>
-            </a:extLst>
-          </p:cNvPr>
-          <p:cNvSpPr txBox="1"/>
-          <p:nvPr/>
-        </p:nvSpPr>
-        <p:spPr>
-          <a:xfrm>
-            <a:off x="8966263" y="5740326"/>
-            <a:ext cx="1628971" cy="461665"/>
-          </a:xfrm>
-          <a:prstGeom prst="rect">
-            <a:avLst/>
-          </a:prstGeom>
-          <a:noFill/>
-        </p:spPr>
-        <p:txBody>
-          <a:bodyPr wrap="none" rtlCol="0">
-            <a:spAutoFit/>
-          </a:bodyPr>
-          <a:lstStyle/>
-          <a:p>
-            <a:pPr algn="ctr"/>
-            <a:r>
-              <a:rPr lang="pt-BR" sz="800" dirty="0">
-                <a:latin typeface="Arial" panose="020B0604020202020204" pitchFamily="34" charset="0"/>
-                <a:cs typeface="Arial" panose="020B0604020202020204" pitchFamily="34" charset="0"/>
-              </a:rPr>
-              <a:t>9 - Cliente solicita valor a pagar</a:t>
-            </a:r>
-          </a:p>
-          <a:p>
-            <a:pPr algn="ctr"/>
-            <a:r>
-              <a:rPr lang="pt-BR" sz="800" dirty="0">
-                <a:latin typeface="Arial" panose="020B0604020202020204" pitchFamily="34" charset="0"/>
-                <a:cs typeface="Arial" panose="020B0604020202020204" pitchFamily="34" charset="0"/>
-              </a:rPr>
-              <a:t>/&lt;&lt;</a:t>
-            </a:r>
-            <a:r>
-              <a:rPr lang="pt-BR" sz="800" dirty="0" err="1">
-                <a:latin typeface="Arial" panose="020B0604020202020204" pitchFamily="34" charset="0"/>
-                <a:cs typeface="Arial" panose="020B0604020202020204" pitchFamily="34" charset="0"/>
-              </a:rPr>
-              <a:t>DFD_Process</a:t>
-            </a:r>
-            <a:r>
-              <a:rPr lang="pt-BR" sz="800" dirty="0">
-                <a:latin typeface="Arial" panose="020B0604020202020204" pitchFamily="34" charset="0"/>
-                <a:cs typeface="Arial" panose="020B0604020202020204" pitchFamily="34" charset="0"/>
-              </a:rPr>
-              <a:t>&gt;&gt;</a:t>
-            </a:r>
-          </a:p>
-          <a:p>
-            <a:pPr algn="ctr"/>
-            <a:r>
-              <a:rPr lang="pt-BR" sz="800" dirty="0">
-                <a:latin typeface="Arial" panose="020B0604020202020204" pitchFamily="34" charset="0"/>
-                <a:cs typeface="Arial" panose="020B0604020202020204" pitchFamily="34" charset="0"/>
-              </a:rPr>
-              <a:t>Informar Valor Total do Serviço</a:t>
-            </a:r>
-            <a:endParaRPr lang="pt-BR" sz="1000" dirty="0">
-              <a:latin typeface="Arial" panose="020B0604020202020204" pitchFamily="34" charset="0"/>
-              <a:cs typeface="Arial" panose="020B0604020202020204" pitchFamily="34" charset="0"/>
-            </a:endParaRPr>
-          </a:p>
-        </p:txBody>
-      </p:sp>
-      <p:sp>
-        <p:nvSpPr>
-          <p:cNvPr id="104" name="Fluxograma: Conector 103">
-            <a:extLst>
-              <a:ext uri="{FF2B5EF4-FFF2-40B4-BE49-F238E27FC236}">
-                <a16:creationId xmlns:a16="http://schemas.microsoft.com/office/drawing/2014/main" id="{8CFAEFC1-A98B-4633-9DF3-5EB5A2D5487F}"/>
-              </a:ext>
-            </a:extLst>
-          </p:cNvPr>
-          <p:cNvSpPr/>
-          <p:nvPr/>
-        </p:nvSpPr>
-        <p:spPr>
-          <a:xfrm>
-            <a:off x="10964652" y="6098267"/>
+            <a:off x="11271181" y="2578918"/>
             <a:ext cx="243491" cy="238546"/>
           </a:xfrm>
           <a:prstGeom prst="flowChartConnector">
@@ -4848,10 +4258,10 @@
       </p:sp>
       <p:sp>
         <p:nvSpPr>
-          <p:cNvPr id="105" name="Fluxograma: Conector 104">
-            <a:extLst>
-              <a:ext uri="{FF2B5EF4-FFF2-40B4-BE49-F238E27FC236}">
-                <a16:creationId xmlns:a16="http://schemas.microsoft.com/office/drawing/2014/main" id="{779BC73D-9033-4F7F-91CA-499A16BA4EC2}"/>
+          <p:cNvPr id="61" name="Fluxograma: Conector 60">
+            <a:extLst>
+              <a:ext uri="{FF2B5EF4-FFF2-40B4-BE49-F238E27FC236}">
+                <a16:creationId xmlns:a16="http://schemas.microsoft.com/office/drawing/2014/main" id="{E6579004-810A-42EC-82B2-C1EAAC05D723}"/>
               </a:ext>
             </a:extLst>
           </p:cNvPr>
@@ -4860,7 +4270,7 @@
         </p:nvSpPr>
         <p:spPr>
           <a:xfrm>
-            <a:off x="10858495" y="6000978"/>
+            <a:off x="11165024" y="2481629"/>
             <a:ext cx="455806" cy="433124"/>
           </a:xfrm>
           <a:prstGeom prst="flowChartConnector">
@@ -4893,10 +4303,10 @@
       </p:sp>
       <p:sp>
         <p:nvSpPr>
-          <p:cNvPr id="106" name="CaixaDeTexto 105">
-            <a:extLst>
-              <a:ext uri="{FF2B5EF4-FFF2-40B4-BE49-F238E27FC236}">
-                <a16:creationId xmlns:a16="http://schemas.microsoft.com/office/drawing/2014/main" id="{18168DE6-718F-414D-AFC0-A46B24AF929B}"/>
+          <p:cNvPr id="46" name="CaixaDeTexto 45">
+            <a:extLst>
+              <a:ext uri="{FF2B5EF4-FFF2-40B4-BE49-F238E27FC236}">
+                <a16:creationId xmlns:a16="http://schemas.microsoft.com/office/drawing/2014/main" id="{8D87E03D-C347-43A5-B5F9-CBBC0CC69815}"/>
               </a:ext>
             </a:extLst>
           </p:cNvPr>
@@ -4905,8 +4315,8 @@
         </p:nvSpPr>
         <p:spPr>
           <a:xfrm>
-            <a:off x="10362482" y="6486265"/>
-            <a:ext cx="1447832" cy="215444"/>
+            <a:off x="7316173" y="2269447"/>
+            <a:ext cx="2228495" cy="338554"/>
           </a:xfrm>
           <a:prstGeom prst="rect">
             <a:avLst/>
@@ -4925,7 +4335,31 @@
                 <a:latin typeface="Arial" panose="020B0604020202020204" pitchFamily="34" charset="0"/>
                 <a:cs typeface="Arial" panose="020B0604020202020204" pitchFamily="34" charset="0"/>
               </a:rPr>
-              <a:t>Finalização do atendimento</a:t>
+              <a:t>3 - Cliente cancela horário agendado</a:t>
+            </a:r>
+          </a:p>
+          <a:p>
+            <a:pPr algn="ctr"/>
+            <a:r>
+              <a:rPr lang="pt-BR" sz="800" dirty="0">
+                <a:latin typeface="Arial" panose="020B0604020202020204" pitchFamily="34" charset="0"/>
+                <a:cs typeface="Arial" panose="020B0604020202020204" pitchFamily="34" charset="0"/>
+              </a:rPr>
+              <a:t>/&lt;&lt;</a:t>
+            </a:r>
+            <a:r>
+              <a:rPr lang="pt-BR" sz="800" dirty="0" err="1">
+                <a:latin typeface="Arial" panose="020B0604020202020204" pitchFamily="34" charset="0"/>
+                <a:cs typeface="Arial" panose="020B0604020202020204" pitchFamily="34" charset="0"/>
+              </a:rPr>
+              <a:t>DFD_Process</a:t>
+            </a:r>
+            <a:r>
+              <a:rPr lang="pt-BR" sz="800" dirty="0">
+                <a:latin typeface="Arial" panose="020B0604020202020204" pitchFamily="34" charset="0"/>
+                <a:cs typeface="Arial" panose="020B0604020202020204" pitchFamily="34" charset="0"/>
+              </a:rPr>
+              <a:t>&gt;&gt;Pedido de cancelamento</a:t>
             </a:r>
             <a:endParaRPr lang="pt-BR" sz="1000" dirty="0">
               <a:latin typeface="Arial" panose="020B0604020202020204" pitchFamily="34" charset="0"/>
@@ -4936,10 +4370,10 @@
       </p:sp>
       <p:sp>
         <p:nvSpPr>
-          <p:cNvPr id="112" name="CaixaDeTexto 111">
-            <a:extLst>
-              <a:ext uri="{FF2B5EF4-FFF2-40B4-BE49-F238E27FC236}">
-                <a16:creationId xmlns:a16="http://schemas.microsoft.com/office/drawing/2014/main" id="{3DB70D48-1E94-44E0-8B6E-A50041782014}"/>
+          <p:cNvPr id="47" name="CaixaDeTexto 46">
+            <a:extLst>
+              <a:ext uri="{FF2B5EF4-FFF2-40B4-BE49-F238E27FC236}">
+                <a16:creationId xmlns:a16="http://schemas.microsoft.com/office/drawing/2014/main" id="{6DE5AC99-EE1C-4754-A043-7DA0F9EF698D}"/>
               </a:ext>
             </a:extLst>
           </p:cNvPr>
@@ -4948,8 +4382,8 @@
         </p:nvSpPr>
         <p:spPr>
           <a:xfrm>
-            <a:off x="4338453" y="1173026"/>
-            <a:ext cx="1226618" cy="261610"/>
+            <a:off x="10880826" y="2969340"/>
+            <a:ext cx="1027846" cy="215444"/>
           </a:xfrm>
           <a:prstGeom prst="rect">
             <a:avLst/>
@@ -4962,165 +4396,13 @@
           </a:bodyPr>
           <a:lstStyle/>
           <a:p>
-            <a:r>
-              <a:rPr lang="pt-BR" sz="1050" dirty="0"/>
-              <a:t>Serviço cancelável</a:t>
-            </a:r>
-          </a:p>
-        </p:txBody>
-      </p:sp>
-      <p:sp>
-        <p:nvSpPr>
-          <p:cNvPr id="113" name="CaixaDeTexto 112">
-            <a:extLst>
-              <a:ext uri="{FF2B5EF4-FFF2-40B4-BE49-F238E27FC236}">
-                <a16:creationId xmlns:a16="http://schemas.microsoft.com/office/drawing/2014/main" id="{9100C512-6E11-48A4-8773-F0EFCD00F560}"/>
-              </a:ext>
-            </a:extLst>
-          </p:cNvPr>
-          <p:cNvSpPr txBox="1"/>
-          <p:nvPr/>
-        </p:nvSpPr>
-        <p:spPr>
-          <a:xfrm>
-            <a:off x="7404065" y="165021"/>
-            <a:ext cx="4437240" cy="369332"/>
-          </a:xfrm>
-          <a:prstGeom prst="rect">
-            <a:avLst/>
-          </a:prstGeom>
-          <a:noFill/>
-        </p:spPr>
-        <p:txBody>
-          <a:bodyPr wrap="none" rtlCol="0">
-            <a:spAutoFit/>
-          </a:bodyPr>
-          <a:lstStyle/>
-          <a:p>
-            <a:r>
-              <a:rPr lang="pt-BR" dirty="0">
-                <a:solidFill>
-                  <a:srgbClr val="002060"/>
-                </a:solidFill>
-              </a:rPr>
-              <a:t>Ciclo de Vida do Depósito de Dados “agenda”.</a:t>
-            </a:r>
-          </a:p>
-        </p:txBody>
-      </p:sp>
-      <p:sp>
-        <p:nvSpPr>
-          <p:cNvPr id="116" name="Retângulo: Cantos Arredondados 115">
-            <a:extLst>
-              <a:ext uri="{FF2B5EF4-FFF2-40B4-BE49-F238E27FC236}">
-                <a16:creationId xmlns:a16="http://schemas.microsoft.com/office/drawing/2014/main" id="{7F172DC8-EBDD-4AD4-8371-7B24E11FBAB6}"/>
-              </a:ext>
-            </a:extLst>
-          </p:cNvPr>
-          <p:cNvSpPr/>
-          <p:nvPr/>
-        </p:nvSpPr>
-        <p:spPr>
-          <a:xfrm>
-            <a:off x="1637942" y="5971159"/>
-            <a:ext cx="1122774" cy="514348"/>
-          </a:xfrm>
-          <a:prstGeom prst="roundRect">
-            <a:avLst/>
-          </a:prstGeom>
-        </p:spPr>
-        <p:style>
-          <a:lnRef idx="2">
-            <a:schemeClr val="dk1"/>
-          </a:lnRef>
-          <a:fillRef idx="1">
-            <a:schemeClr val="lt1"/>
-          </a:fillRef>
-          <a:effectRef idx="0">
-            <a:schemeClr val="dk1"/>
-          </a:effectRef>
-          <a:fontRef idx="minor">
-            <a:schemeClr val="dk1"/>
-          </a:fontRef>
-        </p:style>
-        <p:txBody>
-          <a:bodyPr rtlCol="0" anchor="ctr"/>
-          <a:lstStyle/>
-          <a:p>
-            <a:pPr algn="ctr"/>
-            <a:r>
-              <a:rPr lang="pt-BR" sz="1000" dirty="0"/>
-              <a:t>Início</a:t>
-            </a:r>
-          </a:p>
-          <a:p>
-            <a:pPr algn="ctr"/>
-            <a:r>
-              <a:rPr lang="pt-BR" sz="1000" dirty="0"/>
-              <a:t>do serviço</a:t>
-            </a:r>
-          </a:p>
-        </p:txBody>
-      </p:sp>
-      <p:sp>
-        <p:nvSpPr>
-          <p:cNvPr id="121" name="CaixaDeTexto 120">
-            <a:extLst>
-              <a:ext uri="{FF2B5EF4-FFF2-40B4-BE49-F238E27FC236}">
-                <a16:creationId xmlns:a16="http://schemas.microsoft.com/office/drawing/2014/main" id="{BD9160AC-5CB0-4C18-8E11-5A469CB5007F}"/>
-              </a:ext>
-            </a:extLst>
-          </p:cNvPr>
-          <p:cNvSpPr txBox="1"/>
-          <p:nvPr/>
-        </p:nvSpPr>
-        <p:spPr>
-          <a:xfrm>
-            <a:off x="334044" y="5311117"/>
-            <a:ext cx="1840567" cy="338554"/>
-          </a:xfrm>
-          <a:prstGeom prst="rect">
-            <a:avLst/>
-          </a:prstGeom>
-          <a:noFill/>
-        </p:spPr>
-        <p:txBody>
-          <a:bodyPr wrap="none" rtlCol="0">
-            <a:spAutoFit/>
-          </a:bodyPr>
-          <a:lstStyle/>
-          <a:p>
-            <a:pPr algn="ctr"/>
-            <a:r>
-              <a:rPr lang="pt-BR" sz="800" dirty="0">
-                <a:latin typeface="Arial" panose="020B0604020202020204" pitchFamily="34" charset="0"/>
-                <a:cs typeface="Arial" panose="020B0604020202020204" pitchFamily="34" charset="0"/>
-              </a:rPr>
-              <a:t>6 - Cliente solicita suas preferências</a:t>
-            </a:r>
-          </a:p>
-          <a:p>
-            <a:pPr algn="ctr"/>
-            <a:r>
-              <a:rPr lang="pt-BR" sz="800" dirty="0">
-                <a:latin typeface="Arial" panose="020B0604020202020204" pitchFamily="34" charset="0"/>
-                <a:cs typeface="Arial" panose="020B0604020202020204" pitchFamily="34" charset="0"/>
-              </a:rPr>
-              <a:t>/&lt;&lt;</a:t>
-            </a:r>
-            <a:r>
-              <a:rPr lang="pt-BR" sz="800" dirty="0" err="1">
-                <a:latin typeface="Arial" panose="020B0604020202020204" pitchFamily="34" charset="0"/>
-                <a:cs typeface="Arial" panose="020B0604020202020204" pitchFamily="34" charset="0"/>
-              </a:rPr>
-              <a:t>DFD_Process</a:t>
-            </a:r>
-            <a:r>
-              <a:rPr lang="pt-BR" sz="800" dirty="0">
-                <a:latin typeface="Arial" panose="020B0604020202020204" pitchFamily="34" charset="0"/>
-                <a:cs typeface="Arial" panose="020B0604020202020204" pitchFamily="34" charset="0"/>
-              </a:rPr>
-              <a:t>&gt;&gt;Realizar Serviço</a:t>
+            <a:pPr algn="ctr"/>
+            <a:r>
+              <a:rPr lang="pt-BR" sz="800" dirty="0">
+                <a:latin typeface="Arial" panose="020B0604020202020204" pitchFamily="34" charset="0"/>
+                <a:cs typeface="Arial" panose="020B0604020202020204" pitchFamily="34" charset="0"/>
+              </a:rPr>
+              <a:t>Serviço cancelado</a:t>
             </a:r>
             <a:endParaRPr lang="pt-BR" sz="1000" dirty="0">
               <a:latin typeface="Arial" panose="020B0604020202020204" pitchFamily="34" charset="0"/>
@@ -5131,24 +4413,24 @@
       </p:sp>
       <p:cxnSp>
         <p:nvCxnSpPr>
-          <p:cNvPr id="122" name="Conector de Seta Reta 121">
-            <a:extLst>
-              <a:ext uri="{FF2B5EF4-FFF2-40B4-BE49-F238E27FC236}">
-                <a16:creationId xmlns:a16="http://schemas.microsoft.com/office/drawing/2014/main" id="{107D1306-A5F8-4DA4-9886-1B5492CDF141}"/>
+          <p:cNvPr id="49" name="Conector de Seta Reta 48">
+            <a:extLst>
+              <a:ext uri="{FF2B5EF4-FFF2-40B4-BE49-F238E27FC236}">
+                <a16:creationId xmlns:a16="http://schemas.microsoft.com/office/drawing/2014/main" id="{75881D80-1FE9-4FA7-A18D-02DAD9BAEFD2}"/>
               </a:ext>
             </a:extLst>
           </p:cNvPr>
           <p:cNvCxnSpPr>
             <a:cxnSpLocks/>
-            <a:stCxn id="116" idx="3"/>
-            <a:endCxn id="85" idx="1"/>
+            <a:stCxn id="51" idx="1"/>
+            <a:endCxn id="55" idx="3"/>
           </p:cNvCxnSpPr>
           <p:nvPr/>
         </p:nvCxnSpPr>
         <p:spPr>
-          <a:xfrm>
-            <a:off x="2760716" y="6228333"/>
-            <a:ext cx="1499246" cy="600"/>
+          <a:xfrm flipH="1">
+            <a:off x="2633198" y="3905035"/>
+            <a:ext cx="2725511" cy="1664"/>
           </a:xfrm>
           <a:prstGeom prst="straightConnector1">
             <a:avLst/>
@@ -5172,10 +4454,3445 @@
           </a:fontRef>
         </p:style>
       </p:cxnSp>
+      <p:sp>
+        <p:nvSpPr>
+          <p:cNvPr id="51" name="Retângulo: Cantos Arredondados 50">
+            <a:extLst>
+              <a:ext uri="{FF2B5EF4-FFF2-40B4-BE49-F238E27FC236}">
+                <a16:creationId xmlns:a16="http://schemas.microsoft.com/office/drawing/2014/main" id="{8977D6F2-67C4-4CC3-9A07-D0CCB3650B64}"/>
+              </a:ext>
+            </a:extLst>
+          </p:cNvPr>
+          <p:cNvSpPr/>
+          <p:nvPr/>
+        </p:nvSpPr>
+        <p:spPr>
+          <a:xfrm>
+            <a:off x="5358709" y="3647861"/>
+            <a:ext cx="1122774" cy="514348"/>
+          </a:xfrm>
+          <a:prstGeom prst="roundRect">
+            <a:avLst/>
+          </a:prstGeom>
+        </p:spPr>
+        <p:style>
+          <a:lnRef idx="2">
+            <a:schemeClr val="dk1"/>
+          </a:lnRef>
+          <a:fillRef idx="1">
+            <a:schemeClr val="lt1"/>
+          </a:fillRef>
+          <a:effectRef idx="0">
+            <a:schemeClr val="dk1"/>
+          </a:effectRef>
+          <a:fontRef idx="minor">
+            <a:schemeClr val="dk1"/>
+          </a:fontRef>
+        </p:style>
+        <p:txBody>
+          <a:bodyPr rtlCol="0" anchor="ctr"/>
+          <a:lstStyle/>
+          <a:p>
+            <a:pPr algn="ctr"/>
+            <a:r>
+              <a:rPr lang="pt-BR" sz="1050" dirty="0"/>
+              <a:t>Setor de Corte</a:t>
+            </a:r>
+          </a:p>
+          <a:p>
+            <a:pPr algn="ctr"/>
+            <a:r>
+              <a:rPr lang="pt-BR" sz="1050" dirty="0"/>
+              <a:t>avisado</a:t>
+            </a:r>
+          </a:p>
+        </p:txBody>
+      </p:sp>
+      <p:sp>
+        <p:nvSpPr>
+          <p:cNvPr id="54" name="CaixaDeTexto 53">
+            <a:extLst>
+              <a:ext uri="{FF2B5EF4-FFF2-40B4-BE49-F238E27FC236}">
+                <a16:creationId xmlns:a16="http://schemas.microsoft.com/office/drawing/2014/main" id="{67C0DFF7-D1AA-47A9-88D3-4764255A9703}"/>
+              </a:ext>
+            </a:extLst>
+          </p:cNvPr>
+          <p:cNvSpPr txBox="1"/>
+          <p:nvPr/>
+        </p:nvSpPr>
+        <p:spPr>
+          <a:xfrm>
+            <a:off x="6193193" y="3126529"/>
+            <a:ext cx="1789271" cy="646331"/>
+          </a:xfrm>
+          <a:prstGeom prst="rect">
+            <a:avLst/>
+          </a:prstGeom>
+          <a:noFill/>
+        </p:spPr>
+        <p:txBody>
+          <a:bodyPr wrap="none" rtlCol="0">
+            <a:spAutoFit/>
+          </a:bodyPr>
+          <a:lstStyle/>
+          <a:p>
+            <a:pPr algn="ctr"/>
+            <a:r>
+              <a:rPr lang="pt-BR" sz="800" dirty="0">
+                <a:latin typeface="Arial" panose="020B0604020202020204" pitchFamily="34" charset="0"/>
+                <a:cs typeface="Arial" panose="020B0604020202020204" pitchFamily="34" charset="0"/>
+              </a:rPr>
+              <a:t>4 - Corte recebe aviso de </a:t>
+            </a:r>
+          </a:p>
+          <a:p>
+            <a:pPr algn="ctr"/>
+            <a:r>
+              <a:rPr lang="pt-BR" sz="800" dirty="0">
+                <a:latin typeface="Arial" panose="020B0604020202020204" pitchFamily="34" charset="0"/>
+                <a:cs typeface="Arial" panose="020B0604020202020204" pitchFamily="34" charset="0"/>
+              </a:rPr>
+              <a:t>cliente aguardando</a:t>
+            </a:r>
+          </a:p>
+          <a:p>
+            <a:pPr algn="ctr">
+              <a:lnSpc>
+                <a:spcPct val="150000"/>
+              </a:lnSpc>
+            </a:pPr>
+            <a:r>
+              <a:rPr lang="pt-BR" sz="800" dirty="0">
+                <a:latin typeface="Arial" panose="020B0604020202020204" pitchFamily="34" charset="0"/>
+                <a:cs typeface="Arial" panose="020B0604020202020204" pitchFamily="34" charset="0"/>
+              </a:rPr>
+              <a:t>/&lt;&lt;</a:t>
+            </a:r>
+            <a:r>
+              <a:rPr lang="pt-BR" sz="800" dirty="0" err="1">
+                <a:latin typeface="Arial" panose="020B0604020202020204" pitchFamily="34" charset="0"/>
+                <a:cs typeface="Arial" panose="020B0604020202020204" pitchFamily="34" charset="0"/>
+              </a:rPr>
+              <a:t>DFD_Process</a:t>
+            </a:r>
+            <a:r>
+              <a:rPr lang="pt-BR" sz="800" dirty="0">
+                <a:latin typeface="Arial" panose="020B0604020202020204" pitchFamily="34" charset="0"/>
+                <a:cs typeface="Arial" panose="020B0604020202020204" pitchFamily="34" charset="0"/>
+              </a:rPr>
+              <a:t>&gt;&gt;Receber Aviso </a:t>
+            </a:r>
+          </a:p>
+          <a:p>
+            <a:pPr algn="ctr"/>
+            <a:r>
+              <a:rPr lang="pt-BR" sz="800" dirty="0">
+                <a:latin typeface="Arial" panose="020B0604020202020204" pitchFamily="34" charset="0"/>
+                <a:cs typeface="Arial" panose="020B0604020202020204" pitchFamily="34" charset="0"/>
+              </a:rPr>
+              <a:t>de Cliente aguardando</a:t>
+            </a:r>
+            <a:endParaRPr lang="pt-BR" sz="1000" dirty="0">
+              <a:latin typeface="Arial" panose="020B0604020202020204" pitchFamily="34" charset="0"/>
+              <a:cs typeface="Arial" panose="020B0604020202020204" pitchFamily="34" charset="0"/>
+            </a:endParaRPr>
+          </a:p>
+        </p:txBody>
+      </p:sp>
+      <p:sp>
+        <p:nvSpPr>
+          <p:cNvPr id="55" name="Retângulo: Cantos Arredondados 54">
+            <a:extLst>
+              <a:ext uri="{FF2B5EF4-FFF2-40B4-BE49-F238E27FC236}">
+                <a16:creationId xmlns:a16="http://schemas.microsoft.com/office/drawing/2014/main" id="{B8334847-DA93-47D8-A08F-4205D9403D02}"/>
+              </a:ext>
+            </a:extLst>
+          </p:cNvPr>
+          <p:cNvSpPr/>
+          <p:nvPr/>
+        </p:nvSpPr>
+        <p:spPr>
+          <a:xfrm>
+            <a:off x="1510424" y="3649525"/>
+            <a:ext cx="1122774" cy="514348"/>
+          </a:xfrm>
+          <a:prstGeom prst="roundRect">
+            <a:avLst/>
+          </a:prstGeom>
+        </p:spPr>
+        <p:style>
+          <a:lnRef idx="2">
+            <a:schemeClr val="dk1"/>
+          </a:lnRef>
+          <a:fillRef idx="1">
+            <a:schemeClr val="lt1"/>
+          </a:fillRef>
+          <a:effectRef idx="0">
+            <a:schemeClr val="dk1"/>
+          </a:effectRef>
+          <a:fontRef idx="minor">
+            <a:schemeClr val="dk1"/>
+          </a:fontRef>
+        </p:style>
+        <p:txBody>
+          <a:bodyPr rtlCol="0" anchor="ctr"/>
+          <a:lstStyle/>
+          <a:p>
+            <a:pPr algn="ctr"/>
+            <a:r>
+              <a:rPr lang="pt-BR" sz="1000" dirty="0"/>
+              <a:t>Início de atendimento</a:t>
+            </a:r>
+          </a:p>
+        </p:txBody>
+      </p:sp>
+      <p:sp>
+        <p:nvSpPr>
+          <p:cNvPr id="65" name="CaixaDeTexto 64">
+            <a:extLst>
+              <a:ext uri="{FF2B5EF4-FFF2-40B4-BE49-F238E27FC236}">
+                <a16:creationId xmlns:a16="http://schemas.microsoft.com/office/drawing/2014/main" id="{4C8461B6-7475-417D-9134-F95460E73A37}"/>
+              </a:ext>
+            </a:extLst>
+          </p:cNvPr>
+          <p:cNvSpPr txBox="1"/>
+          <p:nvPr/>
+        </p:nvSpPr>
+        <p:spPr>
+          <a:xfrm>
+            <a:off x="3165301" y="3253340"/>
+            <a:ext cx="1834155" cy="584775"/>
+          </a:xfrm>
+          <a:prstGeom prst="rect">
+            <a:avLst/>
+          </a:prstGeom>
+          <a:noFill/>
+        </p:spPr>
+        <p:txBody>
+          <a:bodyPr wrap="none" rtlCol="0">
+            <a:spAutoFit/>
+          </a:bodyPr>
+          <a:lstStyle/>
+          <a:p>
+            <a:pPr algn="ctr"/>
+            <a:r>
+              <a:rPr lang="pt-BR" sz="800" dirty="0">
+                <a:latin typeface="Arial" panose="020B0604020202020204" pitchFamily="34" charset="0"/>
+                <a:cs typeface="Arial" panose="020B0604020202020204" pitchFamily="34" charset="0"/>
+              </a:rPr>
+              <a:t>5 - Corte convida cliente </a:t>
+            </a:r>
+          </a:p>
+          <a:p>
+            <a:pPr algn="ctr"/>
+            <a:r>
+              <a:rPr lang="pt-BR" sz="800" dirty="0">
+                <a:latin typeface="Arial" panose="020B0604020202020204" pitchFamily="34" charset="0"/>
+                <a:cs typeface="Arial" panose="020B0604020202020204" pitchFamily="34" charset="0"/>
+              </a:rPr>
+              <a:t>para atendimento</a:t>
+            </a:r>
+          </a:p>
+          <a:p>
+            <a:pPr algn="ctr"/>
+            <a:r>
+              <a:rPr lang="pt-BR" sz="800" dirty="0">
+                <a:latin typeface="Arial" panose="020B0604020202020204" pitchFamily="34" charset="0"/>
+                <a:cs typeface="Arial" panose="020B0604020202020204" pitchFamily="34" charset="0"/>
+              </a:rPr>
+              <a:t>/&lt;&lt;</a:t>
+            </a:r>
+            <a:r>
+              <a:rPr lang="pt-BR" sz="800" dirty="0" err="1">
+                <a:latin typeface="Arial" panose="020B0604020202020204" pitchFamily="34" charset="0"/>
+                <a:cs typeface="Arial" panose="020B0604020202020204" pitchFamily="34" charset="0"/>
+              </a:rPr>
+              <a:t>DFD_Process</a:t>
+            </a:r>
+            <a:r>
+              <a:rPr lang="pt-BR" sz="800" dirty="0">
+                <a:latin typeface="Arial" panose="020B0604020202020204" pitchFamily="34" charset="0"/>
+                <a:cs typeface="Arial" panose="020B0604020202020204" pitchFamily="34" charset="0"/>
+              </a:rPr>
+              <a:t>&gt;&gt;Chamar Cliente </a:t>
+            </a:r>
+          </a:p>
+          <a:p>
+            <a:pPr algn="ctr"/>
+            <a:r>
+              <a:rPr lang="pt-BR" sz="800" dirty="0">
+                <a:latin typeface="Arial" panose="020B0604020202020204" pitchFamily="34" charset="0"/>
+                <a:cs typeface="Arial" panose="020B0604020202020204" pitchFamily="34" charset="0"/>
+              </a:rPr>
+              <a:t>Para Realização Do Serviço</a:t>
+            </a:r>
+            <a:endParaRPr lang="pt-BR" sz="1000" dirty="0">
+              <a:latin typeface="Arial" panose="020B0604020202020204" pitchFamily="34" charset="0"/>
+              <a:cs typeface="Arial" panose="020B0604020202020204" pitchFamily="34" charset="0"/>
+            </a:endParaRPr>
+          </a:p>
+        </p:txBody>
+      </p:sp>
+      <p:sp>
+        <p:nvSpPr>
+          <p:cNvPr id="69" name="Retângulo: Cantos Arredondados 68">
+            <a:extLst>
+              <a:ext uri="{FF2B5EF4-FFF2-40B4-BE49-F238E27FC236}">
+                <a16:creationId xmlns:a16="http://schemas.microsoft.com/office/drawing/2014/main" id="{DA7ACD8C-63A1-4340-8389-D6CA3D606B44}"/>
+              </a:ext>
+            </a:extLst>
+          </p:cNvPr>
+          <p:cNvSpPr/>
+          <p:nvPr/>
+        </p:nvSpPr>
+        <p:spPr>
+          <a:xfrm>
+            <a:off x="1510424" y="5305228"/>
+            <a:ext cx="1122774" cy="730550"/>
+          </a:xfrm>
+          <a:prstGeom prst="roundRect">
+            <a:avLst/>
+          </a:prstGeom>
+        </p:spPr>
+        <p:style>
+          <a:lnRef idx="2">
+            <a:schemeClr val="dk1"/>
+          </a:lnRef>
+          <a:fillRef idx="1">
+            <a:schemeClr val="lt1"/>
+          </a:fillRef>
+          <a:effectRef idx="0">
+            <a:schemeClr val="dk1"/>
+          </a:effectRef>
+          <a:fontRef idx="minor">
+            <a:schemeClr val="dk1"/>
+          </a:fontRef>
+        </p:style>
+        <p:txBody>
+          <a:bodyPr rtlCol="0" anchor="ctr"/>
+          <a:lstStyle/>
+          <a:p>
+            <a:pPr algn="ctr"/>
+            <a:r>
+              <a:rPr lang="pt-BR" sz="1000" dirty="0"/>
+              <a:t>Setor de corte recebe as preferências</a:t>
+            </a:r>
+          </a:p>
+        </p:txBody>
+      </p:sp>
+      <p:cxnSp>
+        <p:nvCxnSpPr>
+          <p:cNvPr id="71" name="Conector de Seta Reta 70">
+            <a:extLst>
+              <a:ext uri="{FF2B5EF4-FFF2-40B4-BE49-F238E27FC236}">
+                <a16:creationId xmlns:a16="http://schemas.microsoft.com/office/drawing/2014/main" id="{3738B8A5-0FD9-4818-9634-971B38B7762E}"/>
+              </a:ext>
+            </a:extLst>
+          </p:cNvPr>
+          <p:cNvCxnSpPr>
+            <a:cxnSpLocks/>
+            <a:stCxn id="55" idx="2"/>
+            <a:endCxn id="69" idx="0"/>
+          </p:cNvCxnSpPr>
+          <p:nvPr/>
+        </p:nvCxnSpPr>
+        <p:spPr>
+          <a:xfrm>
+            <a:off x="2071811" y="4163873"/>
+            <a:ext cx="0" cy="1141355"/>
+          </a:xfrm>
+          <a:prstGeom prst="straightConnector1">
+            <a:avLst/>
+          </a:prstGeom>
+          <a:ln>
+            <a:tailEnd type="triangle"/>
+          </a:ln>
+        </p:spPr>
+        <p:style>
+          <a:lnRef idx="1">
+            <a:schemeClr val="dk1"/>
+          </a:lnRef>
+          <a:fillRef idx="0">
+            <a:schemeClr val="dk1"/>
+          </a:fillRef>
+          <a:effectRef idx="0">
+            <a:schemeClr val="dk1"/>
+          </a:effectRef>
+          <a:fontRef idx="minor">
+            <a:schemeClr val="tx1"/>
+          </a:fontRef>
+        </p:style>
+      </p:cxnSp>
+      <p:sp>
+        <p:nvSpPr>
+          <p:cNvPr id="75" name="CaixaDeTexto 74">
+            <a:extLst>
+              <a:ext uri="{FF2B5EF4-FFF2-40B4-BE49-F238E27FC236}">
+                <a16:creationId xmlns:a16="http://schemas.microsoft.com/office/drawing/2014/main" id="{B367C333-11C5-44AF-9ABB-6876F56BE0DF}"/>
+              </a:ext>
+            </a:extLst>
+          </p:cNvPr>
+          <p:cNvSpPr txBox="1"/>
+          <p:nvPr/>
+        </p:nvSpPr>
+        <p:spPr>
+          <a:xfrm>
+            <a:off x="2065956" y="4371533"/>
+            <a:ext cx="1840568" cy="461665"/>
+          </a:xfrm>
+          <a:prstGeom prst="rect">
+            <a:avLst/>
+          </a:prstGeom>
+          <a:noFill/>
+        </p:spPr>
+        <p:txBody>
+          <a:bodyPr wrap="none" rtlCol="0">
+            <a:spAutoFit/>
+          </a:bodyPr>
+          <a:lstStyle/>
+          <a:p>
+            <a:pPr algn="ctr"/>
+            <a:r>
+              <a:rPr lang="pt-BR" sz="800" dirty="0">
+                <a:latin typeface="Arial" panose="020B0604020202020204" pitchFamily="34" charset="0"/>
+                <a:cs typeface="Arial" panose="020B0604020202020204" pitchFamily="34" charset="0"/>
+              </a:rPr>
+              <a:t>6 - Cliente solicita suas preferências</a:t>
+            </a:r>
+          </a:p>
+          <a:p>
+            <a:pPr algn="ctr"/>
+            <a:r>
+              <a:rPr lang="pt-BR" sz="800" dirty="0">
+                <a:latin typeface="Arial" panose="020B0604020202020204" pitchFamily="34" charset="0"/>
+                <a:cs typeface="Arial" panose="020B0604020202020204" pitchFamily="34" charset="0"/>
+              </a:rPr>
+              <a:t>/&lt;&lt;</a:t>
+            </a:r>
+            <a:r>
+              <a:rPr lang="pt-BR" sz="800" dirty="0" err="1">
+                <a:latin typeface="Arial" panose="020B0604020202020204" pitchFamily="34" charset="0"/>
+                <a:cs typeface="Arial" panose="020B0604020202020204" pitchFamily="34" charset="0"/>
+              </a:rPr>
+              <a:t>DFD_Process</a:t>
+            </a:r>
+            <a:r>
+              <a:rPr lang="pt-BR" sz="800" dirty="0">
+                <a:latin typeface="Arial" panose="020B0604020202020204" pitchFamily="34" charset="0"/>
+                <a:cs typeface="Arial" panose="020B0604020202020204" pitchFamily="34" charset="0"/>
+              </a:rPr>
+              <a:t>&gt;&gt;</a:t>
+            </a:r>
+          </a:p>
+          <a:p>
+            <a:pPr algn="ctr"/>
+            <a:r>
+              <a:rPr lang="pt-BR" sz="800" dirty="0">
+                <a:latin typeface="Arial" panose="020B0604020202020204" pitchFamily="34" charset="0"/>
+                <a:cs typeface="Arial" panose="020B0604020202020204" pitchFamily="34" charset="0"/>
+              </a:rPr>
+              <a:t>Realizar Serviço</a:t>
+            </a:r>
+            <a:endParaRPr lang="pt-BR" sz="1000" dirty="0">
+              <a:latin typeface="Arial" panose="020B0604020202020204" pitchFamily="34" charset="0"/>
+              <a:cs typeface="Arial" panose="020B0604020202020204" pitchFamily="34" charset="0"/>
+            </a:endParaRPr>
+          </a:p>
+        </p:txBody>
+      </p:sp>
+      <p:cxnSp>
+        <p:nvCxnSpPr>
+          <p:cNvPr id="77" name="Conector de Seta Reta 76">
+            <a:extLst>
+              <a:ext uri="{FF2B5EF4-FFF2-40B4-BE49-F238E27FC236}">
+                <a16:creationId xmlns:a16="http://schemas.microsoft.com/office/drawing/2014/main" id="{86905AC1-2922-43C0-A4FA-60C9A853A582}"/>
+              </a:ext>
+            </a:extLst>
+          </p:cNvPr>
+          <p:cNvCxnSpPr>
+            <a:cxnSpLocks/>
+            <a:stCxn id="69" idx="3"/>
+            <a:endCxn id="82" idx="1"/>
+          </p:cNvCxnSpPr>
+          <p:nvPr/>
+        </p:nvCxnSpPr>
+        <p:spPr>
+          <a:xfrm>
+            <a:off x="2633198" y="5670503"/>
+            <a:ext cx="2597851" cy="2176"/>
+          </a:xfrm>
+          <a:prstGeom prst="straightConnector1">
+            <a:avLst/>
+          </a:prstGeom>
+          <a:ln>
+            <a:tailEnd type="triangle"/>
+          </a:ln>
+        </p:spPr>
+        <p:style>
+          <a:lnRef idx="1">
+            <a:schemeClr val="dk1"/>
+          </a:lnRef>
+          <a:fillRef idx="0">
+            <a:schemeClr val="dk1"/>
+          </a:fillRef>
+          <a:effectRef idx="0">
+            <a:schemeClr val="dk1"/>
+          </a:effectRef>
+          <a:fontRef idx="minor">
+            <a:schemeClr val="tx1"/>
+          </a:fontRef>
+        </p:style>
+      </p:cxnSp>
+      <p:sp>
+        <p:nvSpPr>
+          <p:cNvPr id="81" name="CaixaDeTexto 80">
+            <a:extLst>
+              <a:ext uri="{FF2B5EF4-FFF2-40B4-BE49-F238E27FC236}">
+                <a16:creationId xmlns:a16="http://schemas.microsoft.com/office/drawing/2014/main" id="{7500C041-23FF-424F-9B38-511427E4C6AA}"/>
+              </a:ext>
+            </a:extLst>
+          </p:cNvPr>
+          <p:cNvSpPr txBox="1"/>
+          <p:nvPr/>
+        </p:nvSpPr>
+        <p:spPr>
+          <a:xfrm>
+            <a:off x="3212548" y="5085728"/>
+            <a:ext cx="1523174" cy="584775"/>
+          </a:xfrm>
+          <a:prstGeom prst="rect">
+            <a:avLst/>
+          </a:prstGeom>
+          <a:noFill/>
+        </p:spPr>
+        <p:txBody>
+          <a:bodyPr wrap="none" rtlCol="0">
+            <a:spAutoFit/>
+          </a:bodyPr>
+          <a:lstStyle/>
+          <a:p>
+            <a:pPr algn="ctr"/>
+            <a:r>
+              <a:rPr lang="pt-BR" sz="800" dirty="0">
+                <a:latin typeface="Arial" panose="020B0604020202020204" pitchFamily="34" charset="0"/>
+                <a:cs typeface="Arial" panose="020B0604020202020204" pitchFamily="34" charset="0"/>
+              </a:rPr>
+              <a:t>7 - Cliente passa o feedback </a:t>
+            </a:r>
+          </a:p>
+          <a:p>
+            <a:pPr algn="ctr"/>
+            <a:r>
+              <a:rPr lang="pt-BR" sz="800" dirty="0">
+                <a:latin typeface="Arial" panose="020B0604020202020204" pitchFamily="34" charset="0"/>
+                <a:cs typeface="Arial" panose="020B0604020202020204" pitchFamily="34" charset="0"/>
+              </a:rPr>
+              <a:t>sobre o serviço</a:t>
+            </a:r>
+          </a:p>
+          <a:p>
+            <a:pPr algn="ctr"/>
+            <a:r>
+              <a:rPr lang="pt-BR" sz="800" dirty="0">
+                <a:latin typeface="Arial" panose="020B0604020202020204" pitchFamily="34" charset="0"/>
+                <a:cs typeface="Arial" panose="020B0604020202020204" pitchFamily="34" charset="0"/>
+              </a:rPr>
+              <a:t>/&lt;&lt;</a:t>
+            </a:r>
+            <a:r>
+              <a:rPr lang="pt-BR" sz="800" dirty="0" err="1">
+                <a:latin typeface="Arial" panose="020B0604020202020204" pitchFamily="34" charset="0"/>
+                <a:cs typeface="Arial" panose="020B0604020202020204" pitchFamily="34" charset="0"/>
+              </a:rPr>
+              <a:t>DFD_Process</a:t>
+            </a:r>
+            <a:r>
+              <a:rPr lang="pt-BR" sz="800" dirty="0">
+                <a:latin typeface="Arial" panose="020B0604020202020204" pitchFamily="34" charset="0"/>
+                <a:cs typeface="Arial" panose="020B0604020202020204" pitchFamily="34" charset="0"/>
+              </a:rPr>
+              <a:t>&gt;&gt;</a:t>
+            </a:r>
+          </a:p>
+          <a:p>
+            <a:pPr algn="ctr"/>
+            <a:r>
+              <a:rPr lang="pt-BR" sz="800" dirty="0">
+                <a:latin typeface="Arial" panose="020B0604020202020204" pitchFamily="34" charset="0"/>
+                <a:cs typeface="Arial" panose="020B0604020202020204" pitchFamily="34" charset="0"/>
+              </a:rPr>
+              <a:t>Tratar feedback do cliente</a:t>
+            </a:r>
+            <a:endParaRPr lang="pt-BR" sz="1000" dirty="0">
+              <a:latin typeface="Arial" panose="020B0604020202020204" pitchFamily="34" charset="0"/>
+              <a:cs typeface="Arial" panose="020B0604020202020204" pitchFamily="34" charset="0"/>
+            </a:endParaRPr>
+          </a:p>
+        </p:txBody>
+      </p:sp>
+      <p:sp>
+        <p:nvSpPr>
+          <p:cNvPr id="82" name="Retângulo: Cantos Arredondados 81">
+            <a:extLst>
+              <a:ext uri="{FF2B5EF4-FFF2-40B4-BE49-F238E27FC236}">
+                <a16:creationId xmlns:a16="http://schemas.microsoft.com/office/drawing/2014/main" id="{3D02BA55-B18C-466F-BDED-4AB7DB88ECC8}"/>
+              </a:ext>
+            </a:extLst>
+          </p:cNvPr>
+          <p:cNvSpPr/>
+          <p:nvPr/>
+        </p:nvSpPr>
+        <p:spPr>
+          <a:xfrm>
+            <a:off x="5231049" y="5415505"/>
+            <a:ext cx="1122774" cy="514348"/>
+          </a:xfrm>
+          <a:prstGeom prst="roundRect">
+            <a:avLst/>
+          </a:prstGeom>
+        </p:spPr>
+        <p:style>
+          <a:lnRef idx="2">
+            <a:schemeClr val="dk1"/>
+          </a:lnRef>
+          <a:fillRef idx="1">
+            <a:schemeClr val="lt1"/>
+          </a:fillRef>
+          <a:effectRef idx="0">
+            <a:schemeClr val="dk1"/>
+          </a:effectRef>
+          <a:fontRef idx="minor">
+            <a:schemeClr val="dk1"/>
+          </a:fontRef>
+        </p:style>
+        <p:txBody>
+          <a:bodyPr rtlCol="0" anchor="ctr"/>
+          <a:lstStyle/>
+          <a:p>
+            <a:pPr algn="ctr"/>
+            <a:r>
+              <a:rPr lang="pt-BR" sz="1000" dirty="0"/>
+              <a:t>Feedback do </a:t>
+            </a:r>
+          </a:p>
+          <a:p>
+            <a:pPr algn="ctr"/>
+            <a:r>
+              <a:rPr lang="pt-BR" sz="1000" dirty="0"/>
+              <a:t>cliente</a:t>
+            </a:r>
+          </a:p>
+        </p:txBody>
+      </p:sp>
+      <p:sp>
+        <p:nvSpPr>
+          <p:cNvPr id="87" name="Retângulo: Cantos Arredondados 86">
+            <a:extLst>
+              <a:ext uri="{FF2B5EF4-FFF2-40B4-BE49-F238E27FC236}">
+                <a16:creationId xmlns:a16="http://schemas.microsoft.com/office/drawing/2014/main" id="{A9CA84C2-EBD1-4861-A04C-F72039D0E311}"/>
+              </a:ext>
+            </a:extLst>
+          </p:cNvPr>
+          <p:cNvSpPr/>
+          <p:nvPr/>
+        </p:nvSpPr>
+        <p:spPr>
+          <a:xfrm>
+            <a:off x="8422495" y="5415505"/>
+            <a:ext cx="1122774" cy="514348"/>
+          </a:xfrm>
+          <a:prstGeom prst="roundRect">
+            <a:avLst/>
+          </a:prstGeom>
+        </p:spPr>
+        <p:style>
+          <a:lnRef idx="2">
+            <a:schemeClr val="dk1"/>
+          </a:lnRef>
+          <a:fillRef idx="1">
+            <a:schemeClr val="lt1"/>
+          </a:fillRef>
+          <a:effectRef idx="0">
+            <a:schemeClr val="dk1"/>
+          </a:effectRef>
+          <a:fontRef idx="minor">
+            <a:schemeClr val="dk1"/>
+          </a:fontRef>
+        </p:style>
+        <p:txBody>
+          <a:bodyPr rtlCol="0" anchor="ctr"/>
+          <a:lstStyle/>
+          <a:p>
+            <a:pPr algn="ctr"/>
+            <a:r>
+              <a:rPr lang="pt-BR" sz="1050" dirty="0"/>
+              <a:t>Finalização do</a:t>
+            </a:r>
+          </a:p>
+          <a:p>
+            <a:pPr algn="ctr"/>
+            <a:r>
+              <a:rPr lang="pt-BR" sz="1050" dirty="0"/>
+              <a:t>atendimento</a:t>
+            </a:r>
+          </a:p>
+        </p:txBody>
+      </p:sp>
+      <p:sp>
+        <p:nvSpPr>
+          <p:cNvPr id="91" name="CaixaDeTexto 90">
+            <a:extLst>
+              <a:ext uri="{FF2B5EF4-FFF2-40B4-BE49-F238E27FC236}">
+                <a16:creationId xmlns:a16="http://schemas.microsoft.com/office/drawing/2014/main" id="{25735491-F1F6-49EE-B166-8FD1F6C81EA4}"/>
+              </a:ext>
+            </a:extLst>
+          </p:cNvPr>
+          <p:cNvSpPr txBox="1"/>
+          <p:nvPr/>
+        </p:nvSpPr>
+        <p:spPr>
+          <a:xfrm>
+            <a:off x="6429877" y="5085727"/>
+            <a:ext cx="1840568" cy="584775"/>
+          </a:xfrm>
+          <a:prstGeom prst="rect">
+            <a:avLst/>
+          </a:prstGeom>
+          <a:noFill/>
+        </p:spPr>
+        <p:txBody>
+          <a:bodyPr wrap="none" rtlCol="0">
+            <a:spAutoFit/>
+          </a:bodyPr>
+          <a:lstStyle/>
+          <a:p>
+            <a:pPr algn="ctr"/>
+            <a:r>
+              <a:rPr lang="pt-BR" sz="800" dirty="0">
+                <a:latin typeface="Arial" panose="020B0604020202020204" pitchFamily="34" charset="0"/>
+                <a:cs typeface="Arial" panose="020B0604020202020204" pitchFamily="34" charset="0"/>
+              </a:rPr>
+              <a:t>8 - Corte avisa o término do serviço </a:t>
+            </a:r>
+          </a:p>
+          <a:p>
+            <a:pPr algn="ctr"/>
+            <a:r>
+              <a:rPr lang="pt-BR" sz="800" dirty="0">
+                <a:latin typeface="Arial" panose="020B0604020202020204" pitchFamily="34" charset="0"/>
+                <a:cs typeface="Arial" panose="020B0604020202020204" pitchFamily="34" charset="0"/>
+              </a:rPr>
+              <a:t>para a recepção</a:t>
+            </a:r>
+          </a:p>
+          <a:p>
+            <a:pPr algn="ctr"/>
+            <a:r>
+              <a:rPr lang="pt-BR" sz="800" dirty="0">
+                <a:latin typeface="Arial" panose="020B0604020202020204" pitchFamily="34" charset="0"/>
+                <a:cs typeface="Arial" panose="020B0604020202020204" pitchFamily="34" charset="0"/>
+              </a:rPr>
+              <a:t>/&lt;&lt;</a:t>
+            </a:r>
+            <a:r>
+              <a:rPr lang="pt-BR" sz="800" dirty="0" err="1">
+                <a:latin typeface="Arial" panose="020B0604020202020204" pitchFamily="34" charset="0"/>
+                <a:cs typeface="Arial" panose="020B0604020202020204" pitchFamily="34" charset="0"/>
+              </a:rPr>
+              <a:t>DFD_Process</a:t>
+            </a:r>
+            <a:r>
+              <a:rPr lang="pt-BR" sz="800" dirty="0">
+                <a:latin typeface="Arial" panose="020B0604020202020204" pitchFamily="34" charset="0"/>
+                <a:cs typeface="Arial" panose="020B0604020202020204" pitchFamily="34" charset="0"/>
+              </a:rPr>
+              <a:t>&gt;&gt;</a:t>
+            </a:r>
+          </a:p>
+          <a:p>
+            <a:pPr algn="ctr"/>
+            <a:r>
+              <a:rPr lang="pt-BR" sz="800" dirty="0">
+                <a:latin typeface="Arial" panose="020B0604020202020204" pitchFamily="34" charset="0"/>
+                <a:cs typeface="Arial" panose="020B0604020202020204" pitchFamily="34" charset="0"/>
+              </a:rPr>
+              <a:t>Preparar Fechamento Do Serviço</a:t>
+            </a:r>
+            <a:endParaRPr lang="pt-BR" sz="1000" dirty="0">
+              <a:latin typeface="Arial" panose="020B0604020202020204" pitchFamily="34" charset="0"/>
+              <a:cs typeface="Arial" panose="020B0604020202020204" pitchFamily="34" charset="0"/>
+            </a:endParaRPr>
+          </a:p>
+        </p:txBody>
+      </p:sp>
+      <p:cxnSp>
+        <p:nvCxnSpPr>
+          <p:cNvPr id="92" name="Conector de Seta Reta 91">
+            <a:extLst>
+              <a:ext uri="{FF2B5EF4-FFF2-40B4-BE49-F238E27FC236}">
+                <a16:creationId xmlns:a16="http://schemas.microsoft.com/office/drawing/2014/main" id="{C996CB10-6733-4026-B61D-3BE8C24F92E5}"/>
+              </a:ext>
+            </a:extLst>
+          </p:cNvPr>
+          <p:cNvCxnSpPr>
+            <a:cxnSpLocks/>
+            <a:stCxn id="82" idx="3"/>
+            <a:endCxn id="87" idx="1"/>
+          </p:cNvCxnSpPr>
+          <p:nvPr/>
+        </p:nvCxnSpPr>
+        <p:spPr>
+          <a:xfrm>
+            <a:off x="6353823" y="5672679"/>
+            <a:ext cx="2068672" cy="0"/>
+          </a:xfrm>
+          <a:prstGeom prst="straightConnector1">
+            <a:avLst/>
+          </a:prstGeom>
+          <a:ln>
+            <a:tailEnd type="triangle"/>
+          </a:ln>
+        </p:spPr>
+        <p:style>
+          <a:lnRef idx="1">
+            <a:schemeClr val="dk1"/>
+          </a:lnRef>
+          <a:fillRef idx="0">
+            <a:schemeClr val="dk1"/>
+          </a:fillRef>
+          <a:effectRef idx="0">
+            <a:schemeClr val="dk1"/>
+          </a:effectRef>
+          <a:fontRef idx="minor">
+            <a:schemeClr val="tx1"/>
+          </a:fontRef>
+        </p:style>
+      </p:cxnSp>
+      <p:cxnSp>
+        <p:nvCxnSpPr>
+          <p:cNvPr id="76" name="Conector: Angulado 75">
+            <a:extLst>
+              <a:ext uri="{FF2B5EF4-FFF2-40B4-BE49-F238E27FC236}">
+                <a16:creationId xmlns:a16="http://schemas.microsoft.com/office/drawing/2014/main" id="{9D39487C-7509-4B4D-86B3-7375E2F58BF8}"/>
+              </a:ext>
+            </a:extLst>
+          </p:cNvPr>
+          <p:cNvCxnSpPr>
+            <a:cxnSpLocks/>
+            <a:stCxn id="82" idx="2"/>
+            <a:endCxn id="55" idx="1"/>
+          </p:cNvCxnSpPr>
+          <p:nvPr/>
+        </p:nvCxnSpPr>
+        <p:spPr>
+          <a:xfrm rot="5400000" flipH="1">
+            <a:off x="2639853" y="2777270"/>
+            <a:ext cx="2023154" cy="4282012"/>
+          </a:xfrm>
+          <a:prstGeom prst="bentConnector4">
+            <a:avLst>
+              <a:gd name="adj1" fmla="val -32861"/>
+              <a:gd name="adj2" fmla="val 105339"/>
+            </a:avLst>
+          </a:prstGeom>
+          <a:ln>
+            <a:tailEnd type="triangle"/>
+          </a:ln>
+        </p:spPr>
+        <p:style>
+          <a:lnRef idx="1">
+            <a:schemeClr val="dk1"/>
+          </a:lnRef>
+          <a:fillRef idx="0">
+            <a:schemeClr val="dk1"/>
+          </a:fillRef>
+          <a:effectRef idx="0">
+            <a:schemeClr val="dk1"/>
+          </a:effectRef>
+          <a:fontRef idx="minor">
+            <a:schemeClr val="tx1"/>
+          </a:fontRef>
+        </p:style>
+      </p:cxnSp>
+      <p:sp>
+        <p:nvSpPr>
+          <p:cNvPr id="102" name="CaixaDeTexto 101">
+            <a:extLst>
+              <a:ext uri="{FF2B5EF4-FFF2-40B4-BE49-F238E27FC236}">
+                <a16:creationId xmlns:a16="http://schemas.microsoft.com/office/drawing/2014/main" id="{4E80D508-8198-46DA-845C-5FDBCE5C486A}"/>
+              </a:ext>
+            </a:extLst>
+          </p:cNvPr>
+          <p:cNvSpPr txBox="1"/>
+          <p:nvPr/>
+        </p:nvSpPr>
+        <p:spPr>
+          <a:xfrm>
+            <a:off x="2366807" y="6314103"/>
+            <a:ext cx="2203546" cy="215444"/>
+          </a:xfrm>
+          <a:prstGeom prst="rect">
+            <a:avLst/>
+          </a:prstGeom>
+          <a:noFill/>
+        </p:spPr>
+        <p:txBody>
+          <a:bodyPr wrap="square" rtlCol="0">
+            <a:spAutoFit/>
+          </a:bodyPr>
+          <a:lstStyle/>
+          <a:p>
+            <a:pPr algn="ctr"/>
+            <a:r>
+              <a:rPr lang="pt-BR" sz="800" dirty="0">
+                <a:latin typeface="Arial" panose="020B0604020202020204" pitchFamily="34" charset="0"/>
+                <a:cs typeface="Arial" panose="020B0604020202020204" pitchFamily="34" charset="0"/>
+              </a:rPr>
+              <a:t>[solicitação de ajuste]</a:t>
+            </a:r>
+            <a:endParaRPr lang="pt-BR" sz="1000" dirty="0">
+              <a:latin typeface="Arial" panose="020B0604020202020204" pitchFamily="34" charset="0"/>
+              <a:cs typeface="Arial" panose="020B0604020202020204" pitchFamily="34" charset="0"/>
+            </a:endParaRPr>
+          </a:p>
+        </p:txBody>
+      </p:sp>
+      <p:sp>
+        <p:nvSpPr>
+          <p:cNvPr id="107" name="CaixaDeTexto 106">
+            <a:extLst>
+              <a:ext uri="{FF2B5EF4-FFF2-40B4-BE49-F238E27FC236}">
+                <a16:creationId xmlns:a16="http://schemas.microsoft.com/office/drawing/2014/main" id="{5CF2BDCB-FF68-418F-AA4D-CB40530102F1}"/>
+              </a:ext>
+            </a:extLst>
+          </p:cNvPr>
+          <p:cNvSpPr txBox="1"/>
+          <p:nvPr/>
+        </p:nvSpPr>
+        <p:spPr>
+          <a:xfrm>
+            <a:off x="9589675" y="5113066"/>
+            <a:ext cx="1628971" cy="461665"/>
+          </a:xfrm>
+          <a:prstGeom prst="rect">
+            <a:avLst/>
+          </a:prstGeom>
+          <a:noFill/>
+        </p:spPr>
+        <p:txBody>
+          <a:bodyPr wrap="none" rtlCol="0">
+            <a:spAutoFit/>
+          </a:bodyPr>
+          <a:lstStyle/>
+          <a:p>
+            <a:pPr algn="ctr"/>
+            <a:r>
+              <a:rPr lang="pt-BR" sz="800" dirty="0">
+                <a:latin typeface="Arial" panose="020B0604020202020204" pitchFamily="34" charset="0"/>
+                <a:cs typeface="Arial" panose="020B0604020202020204" pitchFamily="34" charset="0"/>
+              </a:rPr>
+              <a:t>9 - Cliente solicita valor a pagar</a:t>
+            </a:r>
+          </a:p>
+          <a:p>
+            <a:pPr algn="ctr"/>
+            <a:r>
+              <a:rPr lang="pt-BR" sz="800" dirty="0">
+                <a:latin typeface="Arial" panose="020B0604020202020204" pitchFamily="34" charset="0"/>
+                <a:cs typeface="Arial" panose="020B0604020202020204" pitchFamily="34" charset="0"/>
+              </a:rPr>
+              <a:t>/&lt;&lt;</a:t>
+            </a:r>
+            <a:r>
+              <a:rPr lang="pt-BR" sz="800" dirty="0" err="1">
+                <a:latin typeface="Arial" panose="020B0604020202020204" pitchFamily="34" charset="0"/>
+                <a:cs typeface="Arial" panose="020B0604020202020204" pitchFamily="34" charset="0"/>
+              </a:rPr>
+              <a:t>DFD_Process</a:t>
+            </a:r>
+            <a:r>
+              <a:rPr lang="pt-BR" sz="800" dirty="0">
+                <a:latin typeface="Arial" panose="020B0604020202020204" pitchFamily="34" charset="0"/>
+                <a:cs typeface="Arial" panose="020B0604020202020204" pitchFamily="34" charset="0"/>
+              </a:rPr>
+              <a:t>&gt;&gt;</a:t>
+            </a:r>
+          </a:p>
+          <a:p>
+            <a:pPr algn="ctr"/>
+            <a:r>
+              <a:rPr lang="pt-BR" sz="800" dirty="0">
+                <a:latin typeface="Arial" panose="020B0604020202020204" pitchFamily="34" charset="0"/>
+                <a:cs typeface="Arial" panose="020B0604020202020204" pitchFamily="34" charset="0"/>
+              </a:rPr>
+              <a:t>Informar Valor Total do Serviço</a:t>
+            </a:r>
+            <a:endParaRPr lang="pt-BR" sz="1000" dirty="0">
+              <a:latin typeface="Arial" panose="020B0604020202020204" pitchFamily="34" charset="0"/>
+              <a:cs typeface="Arial" panose="020B0604020202020204" pitchFamily="34" charset="0"/>
+            </a:endParaRPr>
+          </a:p>
+        </p:txBody>
+      </p:sp>
+      <p:sp>
+        <p:nvSpPr>
+          <p:cNvPr id="108" name="Fluxograma: Conector 107">
+            <a:extLst>
+              <a:ext uri="{FF2B5EF4-FFF2-40B4-BE49-F238E27FC236}">
+                <a16:creationId xmlns:a16="http://schemas.microsoft.com/office/drawing/2014/main" id="{79F2D575-21C5-406B-979D-EB90D5BF514A}"/>
+              </a:ext>
+            </a:extLst>
+          </p:cNvPr>
+          <p:cNvSpPr/>
+          <p:nvPr/>
+        </p:nvSpPr>
+        <p:spPr>
+          <a:xfrm>
+            <a:off x="11492195" y="5541175"/>
+            <a:ext cx="243491" cy="238546"/>
+          </a:xfrm>
+          <a:prstGeom prst="flowChartConnector">
+            <a:avLst/>
+          </a:prstGeom>
+        </p:spPr>
+        <p:style>
+          <a:lnRef idx="2">
+            <a:schemeClr val="dk1">
+              <a:shade val="50000"/>
+            </a:schemeClr>
+          </a:lnRef>
+          <a:fillRef idx="1">
+            <a:schemeClr val="dk1"/>
+          </a:fillRef>
+          <a:effectRef idx="0">
+            <a:schemeClr val="dk1"/>
+          </a:effectRef>
+          <a:fontRef idx="minor">
+            <a:schemeClr val="lt1"/>
+          </a:fontRef>
+        </p:style>
+        <p:txBody>
+          <a:bodyPr rtlCol="0" anchor="ctr"/>
+          <a:lstStyle/>
+          <a:p>
+            <a:pPr algn="ctr"/>
+            <a:endParaRPr lang="pt-BR"/>
+          </a:p>
+        </p:txBody>
+      </p:sp>
+      <p:sp>
+        <p:nvSpPr>
+          <p:cNvPr id="109" name="Fluxograma: Conector 108">
+            <a:extLst>
+              <a:ext uri="{FF2B5EF4-FFF2-40B4-BE49-F238E27FC236}">
+                <a16:creationId xmlns:a16="http://schemas.microsoft.com/office/drawing/2014/main" id="{892A1571-CF92-4C88-A91C-7B4B01806E2D}"/>
+              </a:ext>
+            </a:extLst>
+          </p:cNvPr>
+          <p:cNvSpPr/>
+          <p:nvPr/>
+        </p:nvSpPr>
+        <p:spPr>
+          <a:xfrm>
+            <a:off x="11386038" y="5453940"/>
+            <a:ext cx="455806" cy="433124"/>
+          </a:xfrm>
+          <a:prstGeom prst="flowChartConnector">
+            <a:avLst/>
+          </a:prstGeom>
+          <a:noFill/>
+        </p:spPr>
+        <p:style>
+          <a:lnRef idx="2">
+            <a:schemeClr val="dk1"/>
+          </a:lnRef>
+          <a:fillRef idx="1">
+            <a:schemeClr val="lt1"/>
+          </a:fillRef>
+          <a:effectRef idx="0">
+            <a:schemeClr val="dk1"/>
+          </a:effectRef>
+          <a:fontRef idx="minor">
+            <a:schemeClr val="dk1"/>
+          </a:fontRef>
+        </p:style>
+        <p:txBody>
+          <a:bodyPr rtlCol="0" anchor="ctr"/>
+          <a:lstStyle/>
+          <a:p>
+            <a:pPr algn="ctr"/>
+            <a:endParaRPr lang="pt-BR"/>
+          </a:p>
+        </p:txBody>
+      </p:sp>
+      <p:sp>
+        <p:nvSpPr>
+          <p:cNvPr id="110" name="CaixaDeTexto 109">
+            <a:extLst>
+              <a:ext uri="{FF2B5EF4-FFF2-40B4-BE49-F238E27FC236}">
+                <a16:creationId xmlns:a16="http://schemas.microsoft.com/office/drawing/2014/main" id="{D3A276BB-D5D3-484F-B551-3940D5D72597}"/>
+              </a:ext>
+            </a:extLst>
+          </p:cNvPr>
+          <p:cNvSpPr txBox="1"/>
+          <p:nvPr/>
+        </p:nvSpPr>
+        <p:spPr>
+          <a:xfrm>
+            <a:off x="11176701" y="5900057"/>
+            <a:ext cx="878766" cy="338554"/>
+          </a:xfrm>
+          <a:prstGeom prst="rect">
+            <a:avLst/>
+          </a:prstGeom>
+          <a:noFill/>
+        </p:spPr>
+        <p:txBody>
+          <a:bodyPr wrap="none" rtlCol="0">
+            <a:spAutoFit/>
+          </a:bodyPr>
+          <a:lstStyle/>
+          <a:p>
+            <a:pPr algn="ctr"/>
+            <a:r>
+              <a:rPr lang="pt-BR" sz="800" dirty="0">
+                <a:latin typeface="Arial" panose="020B0604020202020204" pitchFamily="34" charset="0"/>
+                <a:cs typeface="Arial" panose="020B0604020202020204" pitchFamily="34" charset="0"/>
+              </a:rPr>
+              <a:t>Finalização do </a:t>
+            </a:r>
+          </a:p>
+          <a:p>
+            <a:pPr algn="ctr"/>
+            <a:r>
+              <a:rPr lang="pt-BR" sz="800" dirty="0">
+                <a:latin typeface="Arial" panose="020B0604020202020204" pitchFamily="34" charset="0"/>
+                <a:cs typeface="Arial" panose="020B0604020202020204" pitchFamily="34" charset="0"/>
+              </a:rPr>
+              <a:t>atendimento</a:t>
+            </a:r>
+            <a:endParaRPr lang="pt-BR" sz="1000" dirty="0">
+              <a:latin typeface="Arial" panose="020B0604020202020204" pitchFamily="34" charset="0"/>
+              <a:cs typeface="Arial" panose="020B0604020202020204" pitchFamily="34" charset="0"/>
+            </a:endParaRPr>
+          </a:p>
+        </p:txBody>
+      </p:sp>
+      <p:cxnSp>
+        <p:nvCxnSpPr>
+          <p:cNvPr id="111" name="Conector de Seta Reta 110">
+            <a:extLst>
+              <a:ext uri="{FF2B5EF4-FFF2-40B4-BE49-F238E27FC236}">
+                <a16:creationId xmlns:a16="http://schemas.microsoft.com/office/drawing/2014/main" id="{ECD7D36B-E0CA-4BA1-B292-D714B31A8D65}"/>
+              </a:ext>
+            </a:extLst>
+          </p:cNvPr>
+          <p:cNvCxnSpPr>
+            <a:cxnSpLocks/>
+            <a:stCxn id="87" idx="3"/>
+            <a:endCxn id="109" idx="2"/>
+          </p:cNvCxnSpPr>
+          <p:nvPr/>
+        </p:nvCxnSpPr>
+        <p:spPr>
+          <a:xfrm flipV="1">
+            <a:off x="9545269" y="5670502"/>
+            <a:ext cx="1840769" cy="2177"/>
+          </a:xfrm>
+          <a:prstGeom prst="straightConnector1">
+            <a:avLst/>
+          </a:prstGeom>
+          <a:ln>
+            <a:tailEnd type="triangle"/>
+          </a:ln>
+        </p:spPr>
+        <p:style>
+          <a:lnRef idx="1">
+            <a:schemeClr val="dk1"/>
+          </a:lnRef>
+          <a:fillRef idx="0">
+            <a:schemeClr val="dk1"/>
+          </a:fillRef>
+          <a:effectRef idx="0">
+            <a:schemeClr val="dk1"/>
+          </a:effectRef>
+          <a:fontRef idx="minor">
+            <a:schemeClr val="tx1"/>
+          </a:fontRef>
+        </p:style>
+      </p:cxnSp>
+      <p:sp>
+        <p:nvSpPr>
+          <p:cNvPr id="128" name="CaixaDeTexto 127">
+            <a:extLst>
+              <a:ext uri="{FF2B5EF4-FFF2-40B4-BE49-F238E27FC236}">
+                <a16:creationId xmlns:a16="http://schemas.microsoft.com/office/drawing/2014/main" id="{6828FF48-0F54-4084-B86B-831DAD2EEABB}"/>
+              </a:ext>
+            </a:extLst>
+          </p:cNvPr>
+          <p:cNvSpPr txBox="1"/>
+          <p:nvPr/>
+        </p:nvSpPr>
+        <p:spPr>
+          <a:xfrm>
+            <a:off x="5944743" y="2042014"/>
+            <a:ext cx="1056701" cy="215444"/>
+          </a:xfrm>
+          <a:prstGeom prst="rect">
+            <a:avLst/>
+          </a:prstGeom>
+          <a:noFill/>
+        </p:spPr>
+        <p:txBody>
+          <a:bodyPr wrap="none" rtlCol="0">
+            <a:spAutoFit/>
+          </a:bodyPr>
+          <a:lstStyle/>
+          <a:p>
+            <a:pPr algn="ctr"/>
+            <a:r>
+              <a:rPr lang="pt-BR" sz="800" dirty="0">
+                <a:latin typeface="Arial" panose="020B0604020202020204" pitchFamily="34" charset="0"/>
+                <a:cs typeface="Arial" panose="020B0604020202020204" pitchFamily="34" charset="0"/>
+              </a:rPr>
+              <a:t>[cliente em espera]</a:t>
+            </a:r>
+            <a:endParaRPr lang="pt-BR" sz="1000" dirty="0">
+              <a:latin typeface="Arial" panose="020B0604020202020204" pitchFamily="34" charset="0"/>
+              <a:cs typeface="Arial" panose="020B0604020202020204" pitchFamily="34" charset="0"/>
+            </a:endParaRPr>
+          </a:p>
+        </p:txBody>
+      </p:sp>
     </p:spTree>
     <p:extLst>
       <p:ext uri="{BB962C8B-B14F-4D97-AF65-F5344CB8AC3E}">
         <p14:creationId xmlns:p14="http://schemas.microsoft.com/office/powerpoint/2010/main" val="1444601931"/>
+      </p:ext>
+    </p:extLst>
+  </p:cSld>
+  <p:clrMapOvr>
+    <a:masterClrMapping/>
+  </p:clrMapOvr>
+</p:sld>
+</file>
+
+<file path=ppt/slides/slide2.xml><?xml version="1.0" encoding="utf-8"?>
+<p:sld xmlns:a="http://schemas.openxmlformats.org/drawingml/2006/main" xmlns:r="http://schemas.openxmlformats.org/officeDocument/2006/relationships" xmlns:p="http://schemas.openxmlformats.org/presentationml/2006/main">
+  <p:cSld>
+    <p:spTree>
+      <p:nvGrpSpPr>
+        <p:cNvPr id="1" name=""/>
+        <p:cNvGrpSpPr/>
+        <p:nvPr/>
+      </p:nvGrpSpPr>
+      <p:grpSpPr>
+        <a:xfrm>
+          <a:off x="0" y="0"/>
+          <a:ext cx="0" cy="0"/>
+          <a:chOff x="0" y="0"/>
+          <a:chExt cx="0" cy="0"/>
+        </a:xfrm>
+      </p:grpSpPr>
+      <p:sp>
+        <p:nvSpPr>
+          <p:cNvPr id="4" name="Retângulo: Cantos Arredondados 3">
+            <a:extLst>
+              <a:ext uri="{FF2B5EF4-FFF2-40B4-BE49-F238E27FC236}">
+                <a16:creationId xmlns:a16="http://schemas.microsoft.com/office/drawing/2014/main" id="{8720E785-3519-4794-8501-032CDF1DDAF9}"/>
+              </a:ext>
+            </a:extLst>
+          </p:cNvPr>
+          <p:cNvSpPr/>
+          <p:nvPr/>
+        </p:nvSpPr>
+        <p:spPr>
+          <a:xfrm>
+            <a:off x="1346807" y="1006444"/>
+            <a:ext cx="8254767" cy="981763"/>
+          </a:xfrm>
+          <a:prstGeom prst="roundRect">
+            <a:avLst/>
+          </a:prstGeom>
+          <a:noFill/>
+        </p:spPr>
+        <p:style>
+          <a:lnRef idx="2">
+            <a:schemeClr val="dk1"/>
+          </a:lnRef>
+          <a:fillRef idx="1">
+            <a:schemeClr val="lt1"/>
+          </a:fillRef>
+          <a:effectRef idx="0">
+            <a:schemeClr val="dk1"/>
+          </a:effectRef>
+          <a:fontRef idx="minor">
+            <a:schemeClr val="dk1"/>
+          </a:fontRef>
+        </p:style>
+        <p:txBody>
+          <a:bodyPr rtlCol="0" anchor="ctr"/>
+          <a:lstStyle/>
+          <a:p>
+            <a:pPr algn="ctr"/>
+            <a:endParaRPr lang="pt-BR" dirty="0"/>
+          </a:p>
+        </p:txBody>
+      </p:sp>
+      <p:sp>
+        <p:nvSpPr>
+          <p:cNvPr id="5" name="Fluxograma: Conector 4">
+            <a:extLst>
+              <a:ext uri="{FF2B5EF4-FFF2-40B4-BE49-F238E27FC236}">
+                <a16:creationId xmlns:a16="http://schemas.microsoft.com/office/drawing/2014/main" id="{60762BE5-FAA8-44C3-B1D4-0097939FF901}"/>
+              </a:ext>
+            </a:extLst>
+          </p:cNvPr>
+          <p:cNvSpPr/>
+          <p:nvPr/>
+        </p:nvSpPr>
+        <p:spPr>
+          <a:xfrm>
+            <a:off x="1901613" y="58937"/>
+            <a:ext cx="385894" cy="369115"/>
+          </a:xfrm>
+          <a:prstGeom prst="flowChartConnector">
+            <a:avLst/>
+          </a:prstGeom>
+        </p:spPr>
+        <p:style>
+          <a:lnRef idx="2">
+            <a:schemeClr val="dk1">
+              <a:shade val="50000"/>
+            </a:schemeClr>
+          </a:lnRef>
+          <a:fillRef idx="1">
+            <a:schemeClr val="dk1"/>
+          </a:fillRef>
+          <a:effectRef idx="0">
+            <a:schemeClr val="dk1"/>
+          </a:effectRef>
+          <a:fontRef idx="minor">
+            <a:schemeClr val="lt1"/>
+          </a:fontRef>
+        </p:style>
+        <p:txBody>
+          <a:bodyPr rtlCol="0" anchor="ctr"/>
+          <a:lstStyle/>
+          <a:p>
+            <a:pPr algn="ctr"/>
+            <a:endParaRPr lang="pt-BR"/>
+          </a:p>
+        </p:txBody>
+      </p:sp>
+      <p:sp>
+        <p:nvSpPr>
+          <p:cNvPr id="6" name="CaixaDeTexto 5">
+            <a:extLst>
+              <a:ext uri="{FF2B5EF4-FFF2-40B4-BE49-F238E27FC236}">
+                <a16:creationId xmlns:a16="http://schemas.microsoft.com/office/drawing/2014/main" id="{9AD60828-0603-47FC-AE26-CF5A2AB58D08}"/>
+              </a:ext>
+            </a:extLst>
+          </p:cNvPr>
+          <p:cNvSpPr txBox="1"/>
+          <p:nvPr/>
+        </p:nvSpPr>
+        <p:spPr>
+          <a:xfrm>
+            <a:off x="1757790" y="476023"/>
+            <a:ext cx="1846980" cy="461665"/>
+          </a:xfrm>
+          <a:prstGeom prst="rect">
+            <a:avLst/>
+          </a:prstGeom>
+          <a:solidFill>
+            <a:schemeClr val="bg1"/>
+          </a:solidFill>
+        </p:spPr>
+        <p:txBody>
+          <a:bodyPr wrap="none" rtlCol="0">
+            <a:spAutoFit/>
+          </a:bodyPr>
+          <a:lstStyle/>
+          <a:p>
+            <a:pPr algn="ctr"/>
+            <a:r>
+              <a:rPr lang="pt-BR" sz="800" dirty="0">
+                <a:latin typeface="Arial" panose="020B0604020202020204" pitchFamily="34" charset="0"/>
+                <a:cs typeface="Arial" panose="020B0604020202020204" pitchFamily="34" charset="0"/>
+              </a:rPr>
+              <a:t>1 - Cliente solicita </a:t>
+            </a:r>
+          </a:p>
+          <a:p>
+            <a:pPr algn="ctr"/>
+            <a:r>
+              <a:rPr lang="pt-BR" sz="800" dirty="0">
+                <a:latin typeface="Arial" panose="020B0604020202020204" pitchFamily="34" charset="0"/>
+                <a:cs typeface="Arial" panose="020B0604020202020204" pitchFamily="34" charset="0"/>
+              </a:rPr>
+              <a:t>Agendamento</a:t>
+            </a:r>
+          </a:p>
+          <a:p>
+            <a:pPr algn="ctr"/>
+            <a:r>
+              <a:rPr lang="pt-BR" sz="800" dirty="0">
+                <a:latin typeface="Arial" panose="020B0604020202020204" pitchFamily="34" charset="0"/>
+                <a:cs typeface="Arial" panose="020B0604020202020204" pitchFamily="34" charset="0"/>
+              </a:rPr>
+              <a:t>/&lt;&lt;</a:t>
+            </a:r>
+            <a:r>
+              <a:rPr lang="pt-BR" sz="800" dirty="0" err="1">
+                <a:latin typeface="Arial" panose="020B0604020202020204" pitchFamily="34" charset="0"/>
+                <a:cs typeface="Arial" panose="020B0604020202020204" pitchFamily="34" charset="0"/>
+              </a:rPr>
+              <a:t>DFD_Process</a:t>
+            </a:r>
+            <a:r>
+              <a:rPr lang="pt-BR" sz="800" dirty="0">
+                <a:latin typeface="Arial" panose="020B0604020202020204" pitchFamily="34" charset="0"/>
+                <a:cs typeface="Arial" panose="020B0604020202020204" pitchFamily="34" charset="0"/>
+              </a:rPr>
+              <a:t>&gt;&gt;Agendar Horário</a:t>
+            </a:r>
+            <a:endParaRPr lang="pt-BR" sz="1000" dirty="0">
+              <a:latin typeface="Arial" panose="020B0604020202020204" pitchFamily="34" charset="0"/>
+              <a:cs typeface="Arial" panose="020B0604020202020204" pitchFamily="34" charset="0"/>
+            </a:endParaRPr>
+          </a:p>
+        </p:txBody>
+      </p:sp>
+      <p:cxnSp>
+        <p:nvCxnSpPr>
+          <p:cNvPr id="7" name="Conector de Seta Reta 6">
+            <a:extLst>
+              <a:ext uri="{FF2B5EF4-FFF2-40B4-BE49-F238E27FC236}">
+                <a16:creationId xmlns:a16="http://schemas.microsoft.com/office/drawing/2014/main" id="{D265C770-500E-4660-9CA4-BC614702CC51}"/>
+              </a:ext>
+            </a:extLst>
+          </p:cNvPr>
+          <p:cNvCxnSpPr>
+            <a:cxnSpLocks/>
+            <a:stCxn id="5" idx="4"/>
+            <a:endCxn id="8" idx="0"/>
+          </p:cNvCxnSpPr>
+          <p:nvPr/>
+        </p:nvCxnSpPr>
+        <p:spPr>
+          <a:xfrm>
+            <a:off x="2094560" y="428052"/>
+            <a:ext cx="0" cy="816080"/>
+          </a:xfrm>
+          <a:prstGeom prst="straightConnector1">
+            <a:avLst/>
+          </a:prstGeom>
+          <a:ln>
+            <a:tailEnd type="triangle"/>
+          </a:ln>
+        </p:spPr>
+        <p:style>
+          <a:lnRef idx="1">
+            <a:schemeClr val="dk1"/>
+          </a:lnRef>
+          <a:fillRef idx="0">
+            <a:schemeClr val="dk1"/>
+          </a:fillRef>
+          <a:effectRef idx="0">
+            <a:schemeClr val="dk1"/>
+          </a:effectRef>
+          <a:fontRef idx="minor">
+            <a:schemeClr val="tx1"/>
+          </a:fontRef>
+        </p:style>
+      </p:cxnSp>
+      <p:sp>
+        <p:nvSpPr>
+          <p:cNvPr id="8" name="Retângulo: Cantos Arredondados 7">
+            <a:extLst>
+              <a:ext uri="{FF2B5EF4-FFF2-40B4-BE49-F238E27FC236}">
+                <a16:creationId xmlns:a16="http://schemas.microsoft.com/office/drawing/2014/main" id="{C25D8FE3-3A01-4FD1-92A8-EA12A2BFABBE}"/>
+              </a:ext>
+            </a:extLst>
+          </p:cNvPr>
+          <p:cNvSpPr/>
+          <p:nvPr/>
+        </p:nvSpPr>
+        <p:spPr>
+          <a:xfrm>
+            <a:off x="1533173" y="1244132"/>
+            <a:ext cx="1122774" cy="514348"/>
+          </a:xfrm>
+          <a:prstGeom prst="roundRect">
+            <a:avLst/>
+          </a:prstGeom>
+        </p:spPr>
+        <p:style>
+          <a:lnRef idx="2">
+            <a:schemeClr val="dk1"/>
+          </a:lnRef>
+          <a:fillRef idx="1">
+            <a:schemeClr val="lt1"/>
+          </a:fillRef>
+          <a:effectRef idx="0">
+            <a:schemeClr val="dk1"/>
+          </a:effectRef>
+          <a:fontRef idx="minor">
+            <a:schemeClr val="dk1"/>
+          </a:fontRef>
+        </p:style>
+        <p:txBody>
+          <a:bodyPr rtlCol="0" anchor="ctr"/>
+          <a:lstStyle/>
+          <a:p>
+            <a:pPr algn="ctr"/>
+            <a:r>
+              <a:rPr lang="pt-BR" sz="1050" dirty="0"/>
+              <a:t>Agendamento</a:t>
+            </a:r>
+          </a:p>
+          <a:p>
+            <a:pPr algn="ctr"/>
+            <a:r>
+              <a:rPr lang="pt-BR" sz="1050" dirty="0"/>
+              <a:t>realizado</a:t>
+            </a:r>
+            <a:endParaRPr lang="pt-BR" sz="1400" dirty="0"/>
+          </a:p>
+        </p:txBody>
+      </p:sp>
+      <p:sp>
+        <p:nvSpPr>
+          <p:cNvPr id="19" name="Retângulo: Cantos Arredondados 18">
+            <a:extLst>
+              <a:ext uri="{FF2B5EF4-FFF2-40B4-BE49-F238E27FC236}">
+                <a16:creationId xmlns:a16="http://schemas.microsoft.com/office/drawing/2014/main" id="{498F3909-331D-4303-9F53-8DA93F4DBEB9}"/>
+              </a:ext>
+            </a:extLst>
+          </p:cNvPr>
+          <p:cNvSpPr/>
+          <p:nvPr/>
+        </p:nvSpPr>
+        <p:spPr>
+          <a:xfrm>
+            <a:off x="5364169" y="2529598"/>
+            <a:ext cx="1122774" cy="514348"/>
+          </a:xfrm>
+          <a:prstGeom prst="roundRect">
+            <a:avLst/>
+          </a:prstGeom>
+        </p:spPr>
+        <p:style>
+          <a:lnRef idx="2">
+            <a:schemeClr val="dk1"/>
+          </a:lnRef>
+          <a:fillRef idx="1">
+            <a:schemeClr val="lt1"/>
+          </a:fillRef>
+          <a:effectRef idx="0">
+            <a:schemeClr val="dk1"/>
+          </a:effectRef>
+          <a:fontRef idx="minor">
+            <a:schemeClr val="dk1"/>
+          </a:fontRef>
+        </p:style>
+        <p:txBody>
+          <a:bodyPr rtlCol="0" anchor="ctr"/>
+          <a:lstStyle/>
+          <a:p>
+            <a:pPr algn="ctr"/>
+            <a:r>
+              <a:rPr lang="pt-BR" sz="1050" dirty="0"/>
+              <a:t>Cliente</a:t>
+            </a:r>
+          </a:p>
+          <a:p>
+            <a:pPr algn="ctr"/>
+            <a:r>
+              <a:rPr lang="pt-BR" sz="1050" dirty="0"/>
+              <a:t>aguardando</a:t>
+            </a:r>
+          </a:p>
+        </p:txBody>
+      </p:sp>
+      <p:sp>
+        <p:nvSpPr>
+          <p:cNvPr id="20" name="CaixaDeTexto 19">
+            <a:extLst>
+              <a:ext uri="{FF2B5EF4-FFF2-40B4-BE49-F238E27FC236}">
+                <a16:creationId xmlns:a16="http://schemas.microsoft.com/office/drawing/2014/main" id="{6848E0DB-95CB-4C58-9CDC-B9192724CA2B}"/>
+              </a:ext>
+            </a:extLst>
+          </p:cNvPr>
+          <p:cNvSpPr txBox="1"/>
+          <p:nvPr/>
+        </p:nvSpPr>
+        <p:spPr>
+          <a:xfrm>
+            <a:off x="3799536" y="2111069"/>
+            <a:ext cx="2018501" cy="338554"/>
+          </a:xfrm>
+          <a:prstGeom prst="rect">
+            <a:avLst/>
+          </a:prstGeom>
+          <a:noFill/>
+        </p:spPr>
+        <p:txBody>
+          <a:bodyPr wrap="none" rtlCol="0">
+            <a:spAutoFit/>
+          </a:bodyPr>
+          <a:lstStyle/>
+          <a:p>
+            <a:pPr algn="ctr"/>
+            <a:r>
+              <a:rPr lang="pt-BR" sz="800" dirty="0">
+                <a:latin typeface="Arial" panose="020B0604020202020204" pitchFamily="34" charset="0"/>
+                <a:cs typeface="Arial" panose="020B0604020202020204" pitchFamily="34" charset="0"/>
+              </a:rPr>
+              <a:t>2 - Cliente avisa a sua chegada</a:t>
+            </a:r>
+          </a:p>
+          <a:p>
+            <a:pPr algn="ctr"/>
+            <a:r>
+              <a:rPr lang="pt-BR" sz="800" dirty="0">
+                <a:latin typeface="Arial" panose="020B0604020202020204" pitchFamily="34" charset="0"/>
+                <a:cs typeface="Arial" panose="020B0604020202020204" pitchFamily="34" charset="0"/>
+              </a:rPr>
+              <a:t>/&lt;&lt;</a:t>
+            </a:r>
+            <a:r>
+              <a:rPr lang="pt-BR" sz="800" dirty="0" err="1">
+                <a:latin typeface="Arial" panose="020B0604020202020204" pitchFamily="34" charset="0"/>
+                <a:cs typeface="Arial" panose="020B0604020202020204" pitchFamily="34" charset="0"/>
+              </a:rPr>
+              <a:t>DFD_Process</a:t>
+            </a:r>
+            <a:r>
+              <a:rPr lang="pt-BR" sz="800" dirty="0">
+                <a:latin typeface="Arial" panose="020B0604020202020204" pitchFamily="34" charset="0"/>
+                <a:cs typeface="Arial" panose="020B0604020202020204" pitchFamily="34" charset="0"/>
+              </a:rPr>
+              <a:t>&gt;&gt;Recepcionar Cliente</a:t>
+            </a:r>
+            <a:endParaRPr lang="pt-BR" sz="1000" dirty="0">
+              <a:latin typeface="Arial" panose="020B0604020202020204" pitchFamily="34" charset="0"/>
+              <a:cs typeface="Arial" panose="020B0604020202020204" pitchFamily="34" charset="0"/>
+            </a:endParaRPr>
+          </a:p>
+        </p:txBody>
+      </p:sp>
+      <p:sp>
+        <p:nvSpPr>
+          <p:cNvPr id="112" name="CaixaDeTexto 111">
+            <a:extLst>
+              <a:ext uri="{FF2B5EF4-FFF2-40B4-BE49-F238E27FC236}">
+                <a16:creationId xmlns:a16="http://schemas.microsoft.com/office/drawing/2014/main" id="{3DB70D48-1E94-44E0-8B6E-A50041782014}"/>
+              </a:ext>
+            </a:extLst>
+          </p:cNvPr>
+          <p:cNvSpPr txBox="1"/>
+          <p:nvPr/>
+        </p:nvSpPr>
+        <p:spPr>
+          <a:xfrm>
+            <a:off x="7858120" y="982522"/>
+            <a:ext cx="1226618" cy="261610"/>
+          </a:xfrm>
+          <a:prstGeom prst="rect">
+            <a:avLst/>
+          </a:prstGeom>
+          <a:noFill/>
+        </p:spPr>
+        <p:txBody>
+          <a:bodyPr wrap="none" rtlCol="0">
+            <a:spAutoFit/>
+          </a:bodyPr>
+          <a:lstStyle/>
+          <a:p>
+            <a:r>
+              <a:rPr lang="pt-BR" sz="1050" dirty="0"/>
+              <a:t>Serviço cancelável</a:t>
+            </a:r>
+          </a:p>
+        </p:txBody>
+      </p:sp>
+      <p:sp>
+        <p:nvSpPr>
+          <p:cNvPr id="113" name="CaixaDeTexto 112">
+            <a:extLst>
+              <a:ext uri="{FF2B5EF4-FFF2-40B4-BE49-F238E27FC236}">
+                <a16:creationId xmlns:a16="http://schemas.microsoft.com/office/drawing/2014/main" id="{9100C512-6E11-48A4-8773-F0EFCD00F560}"/>
+              </a:ext>
+            </a:extLst>
+          </p:cNvPr>
+          <p:cNvSpPr txBox="1"/>
+          <p:nvPr/>
+        </p:nvSpPr>
+        <p:spPr>
+          <a:xfrm>
+            <a:off x="7045227" y="168971"/>
+            <a:ext cx="5092163" cy="369332"/>
+          </a:xfrm>
+          <a:prstGeom prst="rect">
+            <a:avLst/>
+          </a:prstGeom>
+          <a:noFill/>
+        </p:spPr>
+        <p:txBody>
+          <a:bodyPr wrap="none" rtlCol="0">
+            <a:spAutoFit/>
+          </a:bodyPr>
+          <a:lstStyle/>
+          <a:p>
+            <a:r>
+              <a:rPr lang="pt-BR" dirty="0">
+                <a:solidFill>
+                  <a:srgbClr val="002060"/>
+                </a:solidFill>
+              </a:rPr>
+              <a:t>Ciclo de Vida do Depósito de Dados “agendamento”.</a:t>
+            </a:r>
+          </a:p>
+        </p:txBody>
+      </p:sp>
+      <p:cxnSp>
+        <p:nvCxnSpPr>
+          <p:cNvPr id="44" name="Conector de Seta Reta 43">
+            <a:extLst>
+              <a:ext uri="{FF2B5EF4-FFF2-40B4-BE49-F238E27FC236}">
+                <a16:creationId xmlns:a16="http://schemas.microsoft.com/office/drawing/2014/main" id="{729CED72-4D48-4C26-AD47-81B4A955D3FD}"/>
+              </a:ext>
+            </a:extLst>
+          </p:cNvPr>
+          <p:cNvCxnSpPr>
+            <a:cxnSpLocks/>
+            <a:stCxn id="19" idx="2"/>
+          </p:cNvCxnSpPr>
+          <p:nvPr/>
+        </p:nvCxnSpPr>
+        <p:spPr>
+          <a:xfrm>
+            <a:off x="5925556" y="3043946"/>
+            <a:ext cx="0" cy="516062"/>
+          </a:xfrm>
+          <a:prstGeom prst="straightConnector1">
+            <a:avLst/>
+          </a:prstGeom>
+          <a:ln>
+            <a:tailEnd type="triangle"/>
+          </a:ln>
+        </p:spPr>
+        <p:style>
+          <a:lnRef idx="1">
+            <a:schemeClr val="dk1"/>
+          </a:lnRef>
+          <a:fillRef idx="0">
+            <a:schemeClr val="dk1"/>
+          </a:fillRef>
+          <a:effectRef idx="0">
+            <a:schemeClr val="dk1"/>
+          </a:effectRef>
+          <a:fontRef idx="minor">
+            <a:schemeClr val="tx1"/>
+          </a:fontRef>
+        </p:style>
+      </p:cxnSp>
+      <p:cxnSp>
+        <p:nvCxnSpPr>
+          <p:cNvPr id="49" name="Conector de Seta Reta 48">
+            <a:extLst>
+              <a:ext uri="{FF2B5EF4-FFF2-40B4-BE49-F238E27FC236}">
+                <a16:creationId xmlns:a16="http://schemas.microsoft.com/office/drawing/2014/main" id="{75881D80-1FE9-4FA7-A18D-02DAD9BAEFD2}"/>
+              </a:ext>
+            </a:extLst>
+          </p:cNvPr>
+          <p:cNvCxnSpPr>
+            <a:cxnSpLocks/>
+            <a:endCxn id="51" idx="3"/>
+          </p:cNvCxnSpPr>
+          <p:nvPr/>
+        </p:nvCxnSpPr>
+        <p:spPr>
+          <a:xfrm flipH="1">
+            <a:off x="2626613" y="3817182"/>
+            <a:ext cx="2737556" cy="1554"/>
+          </a:xfrm>
+          <a:prstGeom prst="straightConnector1">
+            <a:avLst/>
+          </a:prstGeom>
+          <a:ln>
+            <a:tailEnd type="triangle"/>
+          </a:ln>
+        </p:spPr>
+        <p:style>
+          <a:lnRef idx="1">
+            <a:schemeClr val="dk1"/>
+          </a:lnRef>
+          <a:fillRef idx="0">
+            <a:schemeClr val="dk1"/>
+          </a:fillRef>
+          <a:effectRef idx="0">
+            <a:schemeClr val="dk1"/>
+          </a:effectRef>
+          <a:fontRef idx="minor">
+            <a:schemeClr val="tx1"/>
+          </a:fontRef>
+        </p:style>
+      </p:cxnSp>
+      <p:sp>
+        <p:nvSpPr>
+          <p:cNvPr id="51" name="Retângulo: Cantos Arredondados 50">
+            <a:extLst>
+              <a:ext uri="{FF2B5EF4-FFF2-40B4-BE49-F238E27FC236}">
+                <a16:creationId xmlns:a16="http://schemas.microsoft.com/office/drawing/2014/main" id="{8977D6F2-67C4-4CC3-9A07-D0CCB3650B64}"/>
+              </a:ext>
+            </a:extLst>
+          </p:cNvPr>
+          <p:cNvSpPr/>
+          <p:nvPr/>
+        </p:nvSpPr>
+        <p:spPr>
+          <a:xfrm>
+            <a:off x="1503839" y="3561562"/>
+            <a:ext cx="1122774" cy="514348"/>
+          </a:xfrm>
+          <a:prstGeom prst="roundRect">
+            <a:avLst/>
+          </a:prstGeom>
+        </p:spPr>
+        <p:style>
+          <a:lnRef idx="2">
+            <a:schemeClr val="dk1"/>
+          </a:lnRef>
+          <a:fillRef idx="1">
+            <a:schemeClr val="lt1"/>
+          </a:fillRef>
+          <a:effectRef idx="0">
+            <a:schemeClr val="dk1"/>
+          </a:effectRef>
+          <a:fontRef idx="minor">
+            <a:schemeClr val="dk1"/>
+          </a:fontRef>
+        </p:style>
+        <p:txBody>
+          <a:bodyPr rtlCol="0" anchor="ctr"/>
+          <a:lstStyle/>
+          <a:p>
+            <a:pPr algn="ctr"/>
+            <a:r>
+              <a:rPr lang="pt-BR" sz="1050" dirty="0"/>
+              <a:t>Setor de Corte</a:t>
+            </a:r>
+          </a:p>
+          <a:p>
+            <a:pPr algn="ctr"/>
+            <a:r>
+              <a:rPr lang="pt-BR" sz="1050" dirty="0"/>
+              <a:t>Recebeu aviso</a:t>
+            </a:r>
+            <a:endParaRPr lang="pt-BR" sz="1200" dirty="0"/>
+          </a:p>
+        </p:txBody>
+      </p:sp>
+      <p:sp>
+        <p:nvSpPr>
+          <p:cNvPr id="54" name="CaixaDeTexto 53">
+            <a:extLst>
+              <a:ext uri="{FF2B5EF4-FFF2-40B4-BE49-F238E27FC236}">
+                <a16:creationId xmlns:a16="http://schemas.microsoft.com/office/drawing/2014/main" id="{67C0DFF7-D1AA-47A9-88D3-4764255A9703}"/>
+              </a:ext>
+            </a:extLst>
+          </p:cNvPr>
+          <p:cNvSpPr txBox="1"/>
+          <p:nvPr/>
+        </p:nvSpPr>
+        <p:spPr>
+          <a:xfrm>
+            <a:off x="3091434" y="3191822"/>
+            <a:ext cx="1789271" cy="646331"/>
+          </a:xfrm>
+          <a:prstGeom prst="rect">
+            <a:avLst/>
+          </a:prstGeom>
+          <a:noFill/>
+        </p:spPr>
+        <p:txBody>
+          <a:bodyPr wrap="none" rtlCol="0">
+            <a:spAutoFit/>
+          </a:bodyPr>
+          <a:lstStyle/>
+          <a:p>
+            <a:pPr algn="ctr"/>
+            <a:r>
+              <a:rPr lang="pt-BR" sz="800" dirty="0">
+                <a:latin typeface="Arial" panose="020B0604020202020204" pitchFamily="34" charset="0"/>
+                <a:cs typeface="Arial" panose="020B0604020202020204" pitchFamily="34" charset="0"/>
+              </a:rPr>
+              <a:t>4 - Corte recebe aviso de </a:t>
+            </a:r>
+          </a:p>
+          <a:p>
+            <a:pPr algn="ctr"/>
+            <a:r>
+              <a:rPr lang="pt-BR" sz="800" dirty="0">
+                <a:latin typeface="Arial" panose="020B0604020202020204" pitchFamily="34" charset="0"/>
+                <a:cs typeface="Arial" panose="020B0604020202020204" pitchFamily="34" charset="0"/>
+              </a:rPr>
+              <a:t>cliente aguardando</a:t>
+            </a:r>
+          </a:p>
+          <a:p>
+            <a:pPr algn="ctr">
+              <a:lnSpc>
+                <a:spcPct val="150000"/>
+              </a:lnSpc>
+            </a:pPr>
+            <a:r>
+              <a:rPr lang="pt-BR" sz="800" dirty="0">
+                <a:latin typeface="Arial" panose="020B0604020202020204" pitchFamily="34" charset="0"/>
+                <a:cs typeface="Arial" panose="020B0604020202020204" pitchFamily="34" charset="0"/>
+              </a:rPr>
+              <a:t>/&lt;&lt;</a:t>
+            </a:r>
+            <a:r>
+              <a:rPr lang="pt-BR" sz="800" dirty="0" err="1">
+                <a:latin typeface="Arial" panose="020B0604020202020204" pitchFamily="34" charset="0"/>
+                <a:cs typeface="Arial" panose="020B0604020202020204" pitchFamily="34" charset="0"/>
+              </a:rPr>
+              <a:t>DFD_Process</a:t>
+            </a:r>
+            <a:r>
+              <a:rPr lang="pt-BR" sz="800" dirty="0">
+                <a:latin typeface="Arial" panose="020B0604020202020204" pitchFamily="34" charset="0"/>
+                <a:cs typeface="Arial" panose="020B0604020202020204" pitchFamily="34" charset="0"/>
+              </a:rPr>
+              <a:t>&gt;&gt;Receber Aviso </a:t>
+            </a:r>
+          </a:p>
+          <a:p>
+            <a:pPr algn="ctr"/>
+            <a:r>
+              <a:rPr lang="pt-BR" sz="800" dirty="0">
+                <a:latin typeface="Arial" panose="020B0604020202020204" pitchFamily="34" charset="0"/>
+                <a:cs typeface="Arial" panose="020B0604020202020204" pitchFamily="34" charset="0"/>
+              </a:rPr>
+              <a:t>de Cliente aguardando</a:t>
+            </a:r>
+            <a:endParaRPr lang="pt-BR" sz="1000" dirty="0">
+              <a:latin typeface="Arial" panose="020B0604020202020204" pitchFamily="34" charset="0"/>
+              <a:cs typeface="Arial" panose="020B0604020202020204" pitchFamily="34" charset="0"/>
+            </a:endParaRPr>
+          </a:p>
+        </p:txBody>
+      </p:sp>
+      <p:sp>
+        <p:nvSpPr>
+          <p:cNvPr id="55" name="Retângulo: Cantos Arredondados 54">
+            <a:extLst>
+              <a:ext uri="{FF2B5EF4-FFF2-40B4-BE49-F238E27FC236}">
+                <a16:creationId xmlns:a16="http://schemas.microsoft.com/office/drawing/2014/main" id="{B8334847-DA93-47D8-A08F-4205D9403D02}"/>
+              </a:ext>
+            </a:extLst>
+          </p:cNvPr>
+          <p:cNvSpPr/>
+          <p:nvPr/>
+        </p:nvSpPr>
+        <p:spPr>
+          <a:xfrm>
+            <a:off x="1503839" y="4793181"/>
+            <a:ext cx="1122774" cy="514348"/>
+          </a:xfrm>
+          <a:prstGeom prst="roundRect">
+            <a:avLst/>
+          </a:prstGeom>
+        </p:spPr>
+        <p:style>
+          <a:lnRef idx="2">
+            <a:schemeClr val="dk1"/>
+          </a:lnRef>
+          <a:fillRef idx="1">
+            <a:schemeClr val="lt1"/>
+          </a:fillRef>
+          <a:effectRef idx="0">
+            <a:schemeClr val="dk1"/>
+          </a:effectRef>
+          <a:fontRef idx="minor">
+            <a:schemeClr val="dk1"/>
+          </a:fontRef>
+        </p:style>
+        <p:txBody>
+          <a:bodyPr rtlCol="0" anchor="ctr"/>
+          <a:lstStyle/>
+          <a:p>
+            <a:pPr algn="ctr"/>
+            <a:r>
+              <a:rPr lang="pt-BR" sz="1000" dirty="0"/>
+              <a:t>Início de atendimento</a:t>
+            </a:r>
+          </a:p>
+        </p:txBody>
+      </p:sp>
+      <p:cxnSp>
+        <p:nvCxnSpPr>
+          <p:cNvPr id="58" name="Conector de Seta Reta 57">
+            <a:extLst>
+              <a:ext uri="{FF2B5EF4-FFF2-40B4-BE49-F238E27FC236}">
+                <a16:creationId xmlns:a16="http://schemas.microsoft.com/office/drawing/2014/main" id="{7A5C0EE4-67F7-46D0-830C-76B6CBFC15D7}"/>
+              </a:ext>
+            </a:extLst>
+          </p:cNvPr>
+          <p:cNvCxnSpPr>
+            <a:cxnSpLocks/>
+            <a:stCxn id="51" idx="2"/>
+            <a:endCxn id="55" idx="0"/>
+          </p:cNvCxnSpPr>
+          <p:nvPr/>
+        </p:nvCxnSpPr>
+        <p:spPr>
+          <a:xfrm>
+            <a:off x="2065226" y="4075910"/>
+            <a:ext cx="0" cy="717271"/>
+          </a:xfrm>
+          <a:prstGeom prst="straightConnector1">
+            <a:avLst/>
+          </a:prstGeom>
+          <a:ln>
+            <a:tailEnd type="triangle"/>
+          </a:ln>
+        </p:spPr>
+        <p:style>
+          <a:lnRef idx="1">
+            <a:schemeClr val="dk1"/>
+          </a:lnRef>
+          <a:fillRef idx="0">
+            <a:schemeClr val="dk1"/>
+          </a:fillRef>
+          <a:effectRef idx="0">
+            <a:schemeClr val="dk1"/>
+          </a:effectRef>
+          <a:fontRef idx="minor">
+            <a:schemeClr val="tx1"/>
+          </a:fontRef>
+        </p:style>
+      </p:cxnSp>
+      <p:sp>
+        <p:nvSpPr>
+          <p:cNvPr id="65" name="CaixaDeTexto 64">
+            <a:extLst>
+              <a:ext uri="{FF2B5EF4-FFF2-40B4-BE49-F238E27FC236}">
+                <a16:creationId xmlns:a16="http://schemas.microsoft.com/office/drawing/2014/main" id="{4C8461B6-7475-417D-9134-F95460E73A37}"/>
+              </a:ext>
+            </a:extLst>
+          </p:cNvPr>
+          <p:cNvSpPr txBox="1"/>
+          <p:nvPr/>
+        </p:nvSpPr>
+        <p:spPr>
+          <a:xfrm>
+            <a:off x="0" y="4104417"/>
+            <a:ext cx="1834155" cy="584775"/>
+          </a:xfrm>
+          <a:prstGeom prst="rect">
+            <a:avLst/>
+          </a:prstGeom>
+          <a:noFill/>
+        </p:spPr>
+        <p:txBody>
+          <a:bodyPr wrap="none" rtlCol="0">
+            <a:spAutoFit/>
+          </a:bodyPr>
+          <a:lstStyle/>
+          <a:p>
+            <a:pPr algn="ctr"/>
+            <a:r>
+              <a:rPr lang="pt-BR" sz="800" dirty="0">
+                <a:latin typeface="Arial" panose="020B0604020202020204" pitchFamily="34" charset="0"/>
+                <a:cs typeface="Arial" panose="020B0604020202020204" pitchFamily="34" charset="0"/>
+              </a:rPr>
+              <a:t>5 - Corte convida cliente </a:t>
+            </a:r>
+          </a:p>
+          <a:p>
+            <a:pPr algn="ctr"/>
+            <a:r>
+              <a:rPr lang="pt-BR" sz="800" dirty="0">
+                <a:latin typeface="Arial" panose="020B0604020202020204" pitchFamily="34" charset="0"/>
+                <a:cs typeface="Arial" panose="020B0604020202020204" pitchFamily="34" charset="0"/>
+              </a:rPr>
+              <a:t>para atendimento</a:t>
+            </a:r>
+          </a:p>
+          <a:p>
+            <a:pPr algn="ctr"/>
+            <a:r>
+              <a:rPr lang="pt-BR" sz="800" dirty="0">
+                <a:latin typeface="Arial" panose="020B0604020202020204" pitchFamily="34" charset="0"/>
+                <a:cs typeface="Arial" panose="020B0604020202020204" pitchFamily="34" charset="0"/>
+              </a:rPr>
+              <a:t>/&lt;&lt;</a:t>
+            </a:r>
+            <a:r>
+              <a:rPr lang="pt-BR" sz="800" dirty="0" err="1">
+                <a:latin typeface="Arial" panose="020B0604020202020204" pitchFamily="34" charset="0"/>
+                <a:cs typeface="Arial" panose="020B0604020202020204" pitchFamily="34" charset="0"/>
+              </a:rPr>
+              <a:t>DFD_Process</a:t>
+            </a:r>
+            <a:r>
+              <a:rPr lang="pt-BR" sz="800" dirty="0">
+                <a:latin typeface="Arial" panose="020B0604020202020204" pitchFamily="34" charset="0"/>
+                <a:cs typeface="Arial" panose="020B0604020202020204" pitchFamily="34" charset="0"/>
+              </a:rPr>
+              <a:t>&gt;&gt;Chamar Cliente </a:t>
+            </a:r>
+          </a:p>
+          <a:p>
+            <a:pPr algn="ctr"/>
+            <a:r>
+              <a:rPr lang="pt-BR" sz="800" dirty="0">
+                <a:latin typeface="Arial" panose="020B0604020202020204" pitchFamily="34" charset="0"/>
+                <a:cs typeface="Arial" panose="020B0604020202020204" pitchFamily="34" charset="0"/>
+              </a:rPr>
+              <a:t>Para Realização Do Serviço</a:t>
+            </a:r>
+            <a:endParaRPr lang="pt-BR" sz="1000" dirty="0">
+              <a:latin typeface="Arial" panose="020B0604020202020204" pitchFamily="34" charset="0"/>
+              <a:cs typeface="Arial" panose="020B0604020202020204" pitchFamily="34" charset="0"/>
+            </a:endParaRPr>
+          </a:p>
+        </p:txBody>
+      </p:sp>
+      <p:sp>
+        <p:nvSpPr>
+          <p:cNvPr id="69" name="Retângulo: Cantos Arredondados 68">
+            <a:extLst>
+              <a:ext uri="{FF2B5EF4-FFF2-40B4-BE49-F238E27FC236}">
+                <a16:creationId xmlns:a16="http://schemas.microsoft.com/office/drawing/2014/main" id="{DA7ACD8C-63A1-4340-8389-D6CA3D606B44}"/>
+              </a:ext>
+            </a:extLst>
+          </p:cNvPr>
+          <p:cNvSpPr/>
+          <p:nvPr/>
+        </p:nvSpPr>
+        <p:spPr>
+          <a:xfrm>
+            <a:off x="1502732" y="5992773"/>
+            <a:ext cx="1122774" cy="730550"/>
+          </a:xfrm>
+          <a:prstGeom prst="roundRect">
+            <a:avLst/>
+          </a:prstGeom>
+        </p:spPr>
+        <p:style>
+          <a:lnRef idx="2">
+            <a:schemeClr val="dk1"/>
+          </a:lnRef>
+          <a:fillRef idx="1">
+            <a:schemeClr val="lt1"/>
+          </a:fillRef>
+          <a:effectRef idx="0">
+            <a:schemeClr val="dk1"/>
+          </a:effectRef>
+          <a:fontRef idx="minor">
+            <a:schemeClr val="dk1"/>
+          </a:fontRef>
+        </p:style>
+        <p:txBody>
+          <a:bodyPr rtlCol="0" anchor="ctr"/>
+          <a:lstStyle/>
+          <a:p>
+            <a:pPr algn="ctr"/>
+            <a:r>
+              <a:rPr lang="pt-BR" sz="1000" dirty="0"/>
+              <a:t>Setor de corte recebe as preferencias do cliente</a:t>
+            </a:r>
+          </a:p>
+        </p:txBody>
+      </p:sp>
+      <p:cxnSp>
+        <p:nvCxnSpPr>
+          <p:cNvPr id="71" name="Conector de Seta Reta 70">
+            <a:extLst>
+              <a:ext uri="{FF2B5EF4-FFF2-40B4-BE49-F238E27FC236}">
+                <a16:creationId xmlns:a16="http://schemas.microsoft.com/office/drawing/2014/main" id="{3738B8A5-0FD9-4818-9634-971B38B7762E}"/>
+              </a:ext>
+            </a:extLst>
+          </p:cNvPr>
+          <p:cNvCxnSpPr>
+            <a:cxnSpLocks/>
+            <a:stCxn id="55" idx="2"/>
+            <a:endCxn id="69" idx="0"/>
+          </p:cNvCxnSpPr>
+          <p:nvPr/>
+        </p:nvCxnSpPr>
+        <p:spPr>
+          <a:xfrm flipH="1">
+            <a:off x="2064119" y="5307529"/>
+            <a:ext cx="1107" cy="685244"/>
+          </a:xfrm>
+          <a:prstGeom prst="straightConnector1">
+            <a:avLst/>
+          </a:prstGeom>
+          <a:ln>
+            <a:tailEnd type="triangle"/>
+          </a:ln>
+        </p:spPr>
+        <p:style>
+          <a:lnRef idx="1">
+            <a:schemeClr val="dk1"/>
+          </a:lnRef>
+          <a:fillRef idx="0">
+            <a:schemeClr val="dk1"/>
+          </a:fillRef>
+          <a:effectRef idx="0">
+            <a:schemeClr val="dk1"/>
+          </a:effectRef>
+          <a:fontRef idx="minor">
+            <a:schemeClr val="tx1"/>
+          </a:fontRef>
+        </p:style>
+      </p:cxnSp>
+      <p:sp>
+        <p:nvSpPr>
+          <p:cNvPr id="75" name="CaixaDeTexto 74">
+            <a:extLst>
+              <a:ext uri="{FF2B5EF4-FFF2-40B4-BE49-F238E27FC236}">
+                <a16:creationId xmlns:a16="http://schemas.microsoft.com/office/drawing/2014/main" id="{B367C333-11C5-44AF-9ABB-6876F56BE0DF}"/>
+              </a:ext>
+            </a:extLst>
+          </p:cNvPr>
+          <p:cNvSpPr txBox="1"/>
+          <p:nvPr/>
+        </p:nvSpPr>
+        <p:spPr>
+          <a:xfrm>
+            <a:off x="94743" y="5408824"/>
+            <a:ext cx="1840568" cy="461665"/>
+          </a:xfrm>
+          <a:prstGeom prst="rect">
+            <a:avLst/>
+          </a:prstGeom>
+          <a:noFill/>
+        </p:spPr>
+        <p:txBody>
+          <a:bodyPr wrap="none" rtlCol="0">
+            <a:spAutoFit/>
+          </a:bodyPr>
+          <a:lstStyle/>
+          <a:p>
+            <a:pPr algn="ctr"/>
+            <a:r>
+              <a:rPr lang="pt-BR" sz="800" dirty="0">
+                <a:latin typeface="Arial" panose="020B0604020202020204" pitchFamily="34" charset="0"/>
+                <a:cs typeface="Arial" panose="020B0604020202020204" pitchFamily="34" charset="0"/>
+              </a:rPr>
+              <a:t>6 - Cliente solicita suas preferências</a:t>
+            </a:r>
+          </a:p>
+          <a:p>
+            <a:pPr algn="ctr"/>
+            <a:r>
+              <a:rPr lang="pt-BR" sz="800" dirty="0">
+                <a:latin typeface="Arial" panose="020B0604020202020204" pitchFamily="34" charset="0"/>
+                <a:cs typeface="Arial" panose="020B0604020202020204" pitchFamily="34" charset="0"/>
+              </a:rPr>
+              <a:t>/&lt;&lt;</a:t>
+            </a:r>
+            <a:r>
+              <a:rPr lang="pt-BR" sz="800" dirty="0" err="1">
+                <a:latin typeface="Arial" panose="020B0604020202020204" pitchFamily="34" charset="0"/>
+                <a:cs typeface="Arial" panose="020B0604020202020204" pitchFamily="34" charset="0"/>
+              </a:rPr>
+              <a:t>DFD_Process</a:t>
+            </a:r>
+            <a:r>
+              <a:rPr lang="pt-BR" sz="800" dirty="0">
+                <a:latin typeface="Arial" panose="020B0604020202020204" pitchFamily="34" charset="0"/>
+                <a:cs typeface="Arial" panose="020B0604020202020204" pitchFamily="34" charset="0"/>
+              </a:rPr>
+              <a:t>&gt;&gt;</a:t>
+            </a:r>
+          </a:p>
+          <a:p>
+            <a:pPr algn="ctr"/>
+            <a:r>
+              <a:rPr lang="pt-BR" sz="800" dirty="0">
+                <a:latin typeface="Arial" panose="020B0604020202020204" pitchFamily="34" charset="0"/>
+                <a:cs typeface="Arial" panose="020B0604020202020204" pitchFamily="34" charset="0"/>
+              </a:rPr>
+              <a:t>Realizar Serviço</a:t>
+            </a:r>
+            <a:endParaRPr lang="pt-BR" sz="1000" dirty="0">
+              <a:latin typeface="Arial" panose="020B0604020202020204" pitchFamily="34" charset="0"/>
+              <a:cs typeface="Arial" panose="020B0604020202020204" pitchFamily="34" charset="0"/>
+            </a:endParaRPr>
+          </a:p>
+        </p:txBody>
+      </p:sp>
+      <p:cxnSp>
+        <p:nvCxnSpPr>
+          <p:cNvPr id="77" name="Conector de Seta Reta 76">
+            <a:extLst>
+              <a:ext uri="{FF2B5EF4-FFF2-40B4-BE49-F238E27FC236}">
+                <a16:creationId xmlns:a16="http://schemas.microsoft.com/office/drawing/2014/main" id="{86905AC1-2922-43C0-A4FA-60C9A853A582}"/>
+              </a:ext>
+            </a:extLst>
+          </p:cNvPr>
+          <p:cNvCxnSpPr>
+            <a:cxnSpLocks/>
+            <a:stCxn id="69" idx="3"/>
+            <a:endCxn id="82" idx="1"/>
+          </p:cNvCxnSpPr>
+          <p:nvPr/>
+        </p:nvCxnSpPr>
+        <p:spPr>
+          <a:xfrm>
+            <a:off x="2625506" y="6358048"/>
+            <a:ext cx="2605543" cy="1245"/>
+          </a:xfrm>
+          <a:prstGeom prst="straightConnector1">
+            <a:avLst/>
+          </a:prstGeom>
+          <a:ln>
+            <a:tailEnd type="triangle"/>
+          </a:ln>
+        </p:spPr>
+        <p:style>
+          <a:lnRef idx="1">
+            <a:schemeClr val="dk1"/>
+          </a:lnRef>
+          <a:fillRef idx="0">
+            <a:schemeClr val="dk1"/>
+          </a:fillRef>
+          <a:effectRef idx="0">
+            <a:schemeClr val="dk1"/>
+          </a:effectRef>
+          <a:fontRef idx="minor">
+            <a:schemeClr val="tx1"/>
+          </a:fontRef>
+        </p:style>
+      </p:cxnSp>
+      <p:sp>
+        <p:nvSpPr>
+          <p:cNvPr id="81" name="CaixaDeTexto 80">
+            <a:extLst>
+              <a:ext uri="{FF2B5EF4-FFF2-40B4-BE49-F238E27FC236}">
+                <a16:creationId xmlns:a16="http://schemas.microsoft.com/office/drawing/2014/main" id="{7500C041-23FF-424F-9B38-511427E4C6AA}"/>
+              </a:ext>
+            </a:extLst>
+          </p:cNvPr>
+          <p:cNvSpPr txBox="1"/>
+          <p:nvPr/>
+        </p:nvSpPr>
+        <p:spPr>
+          <a:xfrm>
+            <a:off x="3212548" y="5738786"/>
+            <a:ext cx="1523174" cy="584775"/>
+          </a:xfrm>
+          <a:prstGeom prst="rect">
+            <a:avLst/>
+          </a:prstGeom>
+          <a:noFill/>
+        </p:spPr>
+        <p:txBody>
+          <a:bodyPr wrap="none" rtlCol="0">
+            <a:spAutoFit/>
+          </a:bodyPr>
+          <a:lstStyle/>
+          <a:p>
+            <a:pPr algn="ctr"/>
+            <a:r>
+              <a:rPr lang="pt-BR" sz="800" dirty="0">
+                <a:latin typeface="Arial" panose="020B0604020202020204" pitchFamily="34" charset="0"/>
+                <a:cs typeface="Arial" panose="020B0604020202020204" pitchFamily="34" charset="0"/>
+              </a:rPr>
+              <a:t>7 - Cliente passa o feedback </a:t>
+            </a:r>
+          </a:p>
+          <a:p>
+            <a:pPr algn="ctr"/>
+            <a:r>
+              <a:rPr lang="pt-BR" sz="800" dirty="0">
+                <a:latin typeface="Arial" panose="020B0604020202020204" pitchFamily="34" charset="0"/>
+                <a:cs typeface="Arial" panose="020B0604020202020204" pitchFamily="34" charset="0"/>
+              </a:rPr>
+              <a:t>sobre o serviço</a:t>
+            </a:r>
+          </a:p>
+          <a:p>
+            <a:pPr algn="ctr"/>
+            <a:r>
+              <a:rPr lang="pt-BR" sz="800" dirty="0">
+                <a:latin typeface="Arial" panose="020B0604020202020204" pitchFamily="34" charset="0"/>
+                <a:cs typeface="Arial" panose="020B0604020202020204" pitchFamily="34" charset="0"/>
+              </a:rPr>
+              <a:t>/&lt;&lt;</a:t>
+            </a:r>
+            <a:r>
+              <a:rPr lang="pt-BR" sz="800" dirty="0" err="1">
+                <a:latin typeface="Arial" panose="020B0604020202020204" pitchFamily="34" charset="0"/>
+                <a:cs typeface="Arial" panose="020B0604020202020204" pitchFamily="34" charset="0"/>
+              </a:rPr>
+              <a:t>DFD_Process</a:t>
+            </a:r>
+            <a:r>
+              <a:rPr lang="pt-BR" sz="800" dirty="0">
+                <a:latin typeface="Arial" panose="020B0604020202020204" pitchFamily="34" charset="0"/>
+                <a:cs typeface="Arial" panose="020B0604020202020204" pitchFamily="34" charset="0"/>
+              </a:rPr>
+              <a:t>&gt;&gt;</a:t>
+            </a:r>
+          </a:p>
+          <a:p>
+            <a:pPr algn="ctr"/>
+            <a:r>
+              <a:rPr lang="pt-BR" sz="800" dirty="0">
+                <a:latin typeface="Arial" panose="020B0604020202020204" pitchFamily="34" charset="0"/>
+                <a:cs typeface="Arial" panose="020B0604020202020204" pitchFamily="34" charset="0"/>
+              </a:rPr>
+              <a:t>Tratar feedback do cliente</a:t>
+            </a:r>
+            <a:endParaRPr lang="pt-BR" sz="1000" dirty="0">
+              <a:latin typeface="Arial" panose="020B0604020202020204" pitchFamily="34" charset="0"/>
+              <a:cs typeface="Arial" panose="020B0604020202020204" pitchFamily="34" charset="0"/>
+            </a:endParaRPr>
+          </a:p>
+        </p:txBody>
+      </p:sp>
+      <p:sp>
+        <p:nvSpPr>
+          <p:cNvPr id="82" name="Retângulo: Cantos Arredondados 81">
+            <a:extLst>
+              <a:ext uri="{FF2B5EF4-FFF2-40B4-BE49-F238E27FC236}">
+                <a16:creationId xmlns:a16="http://schemas.microsoft.com/office/drawing/2014/main" id="{3D02BA55-B18C-466F-BDED-4AB7DB88ECC8}"/>
+              </a:ext>
+            </a:extLst>
+          </p:cNvPr>
+          <p:cNvSpPr/>
+          <p:nvPr/>
+        </p:nvSpPr>
+        <p:spPr>
+          <a:xfrm>
+            <a:off x="5231049" y="6102119"/>
+            <a:ext cx="1122774" cy="514348"/>
+          </a:xfrm>
+          <a:prstGeom prst="roundRect">
+            <a:avLst/>
+          </a:prstGeom>
+        </p:spPr>
+        <p:style>
+          <a:lnRef idx="2">
+            <a:schemeClr val="dk1"/>
+          </a:lnRef>
+          <a:fillRef idx="1">
+            <a:schemeClr val="lt1"/>
+          </a:fillRef>
+          <a:effectRef idx="0">
+            <a:schemeClr val="dk1"/>
+          </a:effectRef>
+          <a:fontRef idx="minor">
+            <a:schemeClr val="dk1"/>
+          </a:fontRef>
+        </p:style>
+        <p:txBody>
+          <a:bodyPr rtlCol="0" anchor="ctr"/>
+          <a:lstStyle/>
+          <a:p>
+            <a:pPr algn="ctr"/>
+            <a:r>
+              <a:rPr lang="pt-BR" sz="1000" dirty="0"/>
+              <a:t>Feedback do </a:t>
+            </a:r>
+          </a:p>
+          <a:p>
+            <a:pPr algn="ctr"/>
+            <a:r>
+              <a:rPr lang="pt-BR" sz="1000" dirty="0"/>
+              <a:t>cliente</a:t>
+            </a:r>
+          </a:p>
+        </p:txBody>
+      </p:sp>
+      <p:sp>
+        <p:nvSpPr>
+          <p:cNvPr id="87" name="Retângulo: Cantos Arredondados 86">
+            <a:extLst>
+              <a:ext uri="{FF2B5EF4-FFF2-40B4-BE49-F238E27FC236}">
+                <a16:creationId xmlns:a16="http://schemas.microsoft.com/office/drawing/2014/main" id="{A9CA84C2-EBD1-4861-A04C-F72039D0E311}"/>
+              </a:ext>
+            </a:extLst>
+          </p:cNvPr>
+          <p:cNvSpPr/>
+          <p:nvPr/>
+        </p:nvSpPr>
+        <p:spPr>
+          <a:xfrm>
+            <a:off x="8423630" y="6096988"/>
+            <a:ext cx="1122774" cy="514348"/>
+          </a:xfrm>
+          <a:prstGeom prst="roundRect">
+            <a:avLst/>
+          </a:prstGeom>
+        </p:spPr>
+        <p:style>
+          <a:lnRef idx="2">
+            <a:schemeClr val="dk1"/>
+          </a:lnRef>
+          <a:fillRef idx="1">
+            <a:schemeClr val="lt1"/>
+          </a:fillRef>
+          <a:effectRef idx="0">
+            <a:schemeClr val="dk1"/>
+          </a:effectRef>
+          <a:fontRef idx="minor">
+            <a:schemeClr val="dk1"/>
+          </a:fontRef>
+        </p:style>
+        <p:txBody>
+          <a:bodyPr rtlCol="0" anchor="ctr"/>
+          <a:lstStyle/>
+          <a:p>
+            <a:pPr algn="ctr"/>
+            <a:r>
+              <a:rPr lang="pt-BR" sz="1050" dirty="0"/>
+              <a:t>Finalização do</a:t>
+            </a:r>
+          </a:p>
+          <a:p>
+            <a:pPr algn="ctr"/>
+            <a:r>
+              <a:rPr lang="pt-BR" sz="1050" dirty="0"/>
+              <a:t>serviço</a:t>
+            </a:r>
+          </a:p>
+        </p:txBody>
+      </p:sp>
+      <p:sp>
+        <p:nvSpPr>
+          <p:cNvPr id="91" name="CaixaDeTexto 90">
+            <a:extLst>
+              <a:ext uri="{FF2B5EF4-FFF2-40B4-BE49-F238E27FC236}">
+                <a16:creationId xmlns:a16="http://schemas.microsoft.com/office/drawing/2014/main" id="{25735491-F1F6-49EE-B166-8FD1F6C81EA4}"/>
+              </a:ext>
+            </a:extLst>
+          </p:cNvPr>
+          <p:cNvSpPr txBox="1"/>
+          <p:nvPr/>
+        </p:nvSpPr>
+        <p:spPr>
+          <a:xfrm>
+            <a:off x="6486943" y="5773273"/>
+            <a:ext cx="1840568" cy="584775"/>
+          </a:xfrm>
+          <a:prstGeom prst="rect">
+            <a:avLst/>
+          </a:prstGeom>
+          <a:noFill/>
+        </p:spPr>
+        <p:txBody>
+          <a:bodyPr wrap="none" rtlCol="0">
+            <a:spAutoFit/>
+          </a:bodyPr>
+          <a:lstStyle/>
+          <a:p>
+            <a:pPr algn="ctr"/>
+            <a:r>
+              <a:rPr lang="pt-BR" sz="800" dirty="0">
+                <a:latin typeface="Arial" panose="020B0604020202020204" pitchFamily="34" charset="0"/>
+                <a:cs typeface="Arial" panose="020B0604020202020204" pitchFamily="34" charset="0"/>
+              </a:rPr>
+              <a:t>8 - Corte avisa o término do serviço </a:t>
+            </a:r>
+          </a:p>
+          <a:p>
+            <a:pPr algn="ctr"/>
+            <a:r>
+              <a:rPr lang="pt-BR" sz="800" dirty="0">
+                <a:latin typeface="Arial" panose="020B0604020202020204" pitchFamily="34" charset="0"/>
+                <a:cs typeface="Arial" panose="020B0604020202020204" pitchFamily="34" charset="0"/>
+              </a:rPr>
+              <a:t>para a recepção</a:t>
+            </a:r>
+          </a:p>
+          <a:p>
+            <a:pPr algn="ctr"/>
+            <a:r>
+              <a:rPr lang="pt-BR" sz="800" dirty="0">
+                <a:latin typeface="Arial" panose="020B0604020202020204" pitchFamily="34" charset="0"/>
+                <a:cs typeface="Arial" panose="020B0604020202020204" pitchFamily="34" charset="0"/>
+              </a:rPr>
+              <a:t>/&lt;&lt;</a:t>
+            </a:r>
+            <a:r>
+              <a:rPr lang="pt-BR" sz="800" dirty="0" err="1">
+                <a:latin typeface="Arial" panose="020B0604020202020204" pitchFamily="34" charset="0"/>
+                <a:cs typeface="Arial" panose="020B0604020202020204" pitchFamily="34" charset="0"/>
+              </a:rPr>
+              <a:t>DFD_Process</a:t>
+            </a:r>
+            <a:r>
+              <a:rPr lang="pt-BR" sz="800" dirty="0">
+                <a:latin typeface="Arial" panose="020B0604020202020204" pitchFamily="34" charset="0"/>
+                <a:cs typeface="Arial" panose="020B0604020202020204" pitchFamily="34" charset="0"/>
+              </a:rPr>
+              <a:t>&gt;&gt;</a:t>
+            </a:r>
+          </a:p>
+          <a:p>
+            <a:pPr algn="ctr"/>
+            <a:r>
+              <a:rPr lang="pt-BR" sz="800" dirty="0">
+                <a:latin typeface="Arial" panose="020B0604020202020204" pitchFamily="34" charset="0"/>
+                <a:cs typeface="Arial" panose="020B0604020202020204" pitchFamily="34" charset="0"/>
+              </a:rPr>
+              <a:t>Preparar Fechamento Do Serviço</a:t>
+            </a:r>
+            <a:endParaRPr lang="pt-BR" sz="1000" dirty="0">
+              <a:latin typeface="Arial" panose="020B0604020202020204" pitchFamily="34" charset="0"/>
+              <a:cs typeface="Arial" panose="020B0604020202020204" pitchFamily="34" charset="0"/>
+            </a:endParaRPr>
+          </a:p>
+        </p:txBody>
+      </p:sp>
+      <p:cxnSp>
+        <p:nvCxnSpPr>
+          <p:cNvPr id="92" name="Conector de Seta Reta 91">
+            <a:extLst>
+              <a:ext uri="{FF2B5EF4-FFF2-40B4-BE49-F238E27FC236}">
+                <a16:creationId xmlns:a16="http://schemas.microsoft.com/office/drawing/2014/main" id="{C996CB10-6733-4026-B61D-3BE8C24F92E5}"/>
+              </a:ext>
+            </a:extLst>
+          </p:cNvPr>
+          <p:cNvCxnSpPr>
+            <a:cxnSpLocks/>
+            <a:stCxn id="82" idx="3"/>
+            <a:endCxn id="87" idx="1"/>
+          </p:cNvCxnSpPr>
+          <p:nvPr/>
+        </p:nvCxnSpPr>
+        <p:spPr>
+          <a:xfrm flipV="1">
+            <a:off x="6353823" y="6354162"/>
+            <a:ext cx="2069807" cy="5131"/>
+          </a:xfrm>
+          <a:prstGeom prst="straightConnector1">
+            <a:avLst/>
+          </a:prstGeom>
+          <a:ln>
+            <a:tailEnd type="triangle"/>
+          </a:ln>
+        </p:spPr>
+        <p:style>
+          <a:lnRef idx="1">
+            <a:schemeClr val="dk1"/>
+          </a:lnRef>
+          <a:fillRef idx="0">
+            <a:schemeClr val="dk1"/>
+          </a:fillRef>
+          <a:effectRef idx="0">
+            <a:schemeClr val="dk1"/>
+          </a:effectRef>
+          <a:fontRef idx="minor">
+            <a:schemeClr val="tx1"/>
+          </a:fontRef>
+        </p:style>
+      </p:cxnSp>
+      <p:cxnSp>
+        <p:nvCxnSpPr>
+          <p:cNvPr id="76" name="Conector: Angulado 75">
+            <a:extLst>
+              <a:ext uri="{FF2B5EF4-FFF2-40B4-BE49-F238E27FC236}">
+                <a16:creationId xmlns:a16="http://schemas.microsoft.com/office/drawing/2014/main" id="{9D39487C-7509-4B4D-86B3-7375E2F58BF8}"/>
+              </a:ext>
+            </a:extLst>
+          </p:cNvPr>
+          <p:cNvCxnSpPr>
+            <a:cxnSpLocks/>
+            <a:stCxn id="87" idx="0"/>
+            <a:endCxn id="55" idx="3"/>
+          </p:cNvCxnSpPr>
+          <p:nvPr/>
+        </p:nvCxnSpPr>
+        <p:spPr>
+          <a:xfrm rot="16200000" flipV="1">
+            <a:off x="5282499" y="2394470"/>
+            <a:ext cx="1046633" cy="6358404"/>
+          </a:xfrm>
+          <a:prstGeom prst="bentConnector2">
+            <a:avLst/>
+          </a:prstGeom>
+          <a:ln>
+            <a:tailEnd type="triangle"/>
+          </a:ln>
+        </p:spPr>
+        <p:style>
+          <a:lnRef idx="1">
+            <a:schemeClr val="dk1"/>
+          </a:lnRef>
+          <a:fillRef idx="0">
+            <a:schemeClr val="dk1"/>
+          </a:fillRef>
+          <a:effectRef idx="0">
+            <a:schemeClr val="dk1"/>
+          </a:effectRef>
+          <a:fontRef idx="minor">
+            <a:schemeClr val="tx1"/>
+          </a:fontRef>
+        </p:style>
+      </p:cxnSp>
+      <p:sp>
+        <p:nvSpPr>
+          <p:cNvPr id="102" name="CaixaDeTexto 101">
+            <a:extLst>
+              <a:ext uri="{FF2B5EF4-FFF2-40B4-BE49-F238E27FC236}">
+                <a16:creationId xmlns:a16="http://schemas.microsoft.com/office/drawing/2014/main" id="{4E80D508-8198-46DA-845C-5FDBCE5C486A}"/>
+              </a:ext>
+            </a:extLst>
+          </p:cNvPr>
+          <p:cNvSpPr txBox="1"/>
+          <p:nvPr/>
+        </p:nvSpPr>
+        <p:spPr>
+          <a:xfrm>
+            <a:off x="4690663" y="4667653"/>
+            <a:ext cx="2203546" cy="338554"/>
+          </a:xfrm>
+          <a:prstGeom prst="rect">
+            <a:avLst/>
+          </a:prstGeom>
+          <a:noFill/>
+        </p:spPr>
+        <p:txBody>
+          <a:bodyPr wrap="square" rtlCol="0">
+            <a:spAutoFit/>
+          </a:bodyPr>
+          <a:lstStyle/>
+          <a:p>
+            <a:pPr algn="ctr"/>
+            <a:r>
+              <a:rPr lang="pt-BR" sz="800" dirty="0">
+                <a:latin typeface="Arial" panose="020B0604020202020204" pitchFamily="34" charset="0"/>
+                <a:cs typeface="Arial" panose="020B0604020202020204" pitchFamily="34" charset="0"/>
+              </a:rPr>
+              <a:t>6 - Cliente solicita suas preferências</a:t>
+            </a:r>
+          </a:p>
+          <a:p>
+            <a:pPr algn="ctr"/>
+            <a:r>
+              <a:rPr lang="pt-BR" sz="800" dirty="0">
+                <a:latin typeface="Arial" panose="020B0604020202020204" pitchFamily="34" charset="0"/>
+                <a:cs typeface="Arial" panose="020B0604020202020204" pitchFamily="34" charset="0"/>
+              </a:rPr>
+              <a:t>/&lt;&lt;</a:t>
+            </a:r>
+            <a:r>
+              <a:rPr lang="pt-BR" sz="800" dirty="0" err="1">
+                <a:latin typeface="Arial" panose="020B0604020202020204" pitchFamily="34" charset="0"/>
+                <a:cs typeface="Arial" panose="020B0604020202020204" pitchFamily="34" charset="0"/>
+              </a:rPr>
+              <a:t>DFD_Process</a:t>
+            </a:r>
+            <a:r>
+              <a:rPr lang="pt-BR" sz="800" dirty="0">
+                <a:latin typeface="Arial" panose="020B0604020202020204" pitchFamily="34" charset="0"/>
+                <a:cs typeface="Arial" panose="020B0604020202020204" pitchFamily="34" charset="0"/>
+              </a:rPr>
+              <a:t>&gt;&gt;Realizar Serviço</a:t>
+            </a:r>
+            <a:endParaRPr lang="pt-BR" sz="1000" dirty="0">
+              <a:latin typeface="Arial" panose="020B0604020202020204" pitchFamily="34" charset="0"/>
+              <a:cs typeface="Arial" panose="020B0604020202020204" pitchFamily="34" charset="0"/>
+            </a:endParaRPr>
+          </a:p>
+        </p:txBody>
+      </p:sp>
+      <p:sp>
+        <p:nvSpPr>
+          <p:cNvPr id="107" name="CaixaDeTexto 106">
+            <a:extLst>
+              <a:ext uri="{FF2B5EF4-FFF2-40B4-BE49-F238E27FC236}">
+                <a16:creationId xmlns:a16="http://schemas.microsoft.com/office/drawing/2014/main" id="{5CF2BDCB-FF68-418F-AA4D-CB40530102F1}"/>
+              </a:ext>
+            </a:extLst>
+          </p:cNvPr>
+          <p:cNvSpPr txBox="1"/>
+          <p:nvPr/>
+        </p:nvSpPr>
+        <p:spPr>
+          <a:xfrm>
+            <a:off x="9601574" y="5797012"/>
+            <a:ext cx="1628971" cy="461665"/>
+          </a:xfrm>
+          <a:prstGeom prst="rect">
+            <a:avLst/>
+          </a:prstGeom>
+          <a:noFill/>
+        </p:spPr>
+        <p:txBody>
+          <a:bodyPr wrap="none" rtlCol="0">
+            <a:spAutoFit/>
+          </a:bodyPr>
+          <a:lstStyle/>
+          <a:p>
+            <a:pPr algn="ctr"/>
+            <a:r>
+              <a:rPr lang="pt-BR" sz="800" dirty="0">
+                <a:latin typeface="Arial" panose="020B0604020202020204" pitchFamily="34" charset="0"/>
+                <a:cs typeface="Arial" panose="020B0604020202020204" pitchFamily="34" charset="0"/>
+              </a:rPr>
+              <a:t>9 - Cliente solicita valor a pagar</a:t>
+            </a:r>
+          </a:p>
+          <a:p>
+            <a:pPr algn="ctr"/>
+            <a:r>
+              <a:rPr lang="pt-BR" sz="800" dirty="0">
+                <a:latin typeface="Arial" panose="020B0604020202020204" pitchFamily="34" charset="0"/>
+                <a:cs typeface="Arial" panose="020B0604020202020204" pitchFamily="34" charset="0"/>
+              </a:rPr>
+              <a:t>/&lt;&lt;</a:t>
+            </a:r>
+            <a:r>
+              <a:rPr lang="pt-BR" sz="800" dirty="0" err="1">
+                <a:latin typeface="Arial" panose="020B0604020202020204" pitchFamily="34" charset="0"/>
+                <a:cs typeface="Arial" panose="020B0604020202020204" pitchFamily="34" charset="0"/>
+              </a:rPr>
+              <a:t>DFD_Process</a:t>
+            </a:r>
+            <a:r>
+              <a:rPr lang="pt-BR" sz="800" dirty="0">
+                <a:latin typeface="Arial" panose="020B0604020202020204" pitchFamily="34" charset="0"/>
+                <a:cs typeface="Arial" panose="020B0604020202020204" pitchFamily="34" charset="0"/>
+              </a:rPr>
+              <a:t>&gt;&gt;</a:t>
+            </a:r>
+          </a:p>
+          <a:p>
+            <a:pPr algn="ctr"/>
+            <a:r>
+              <a:rPr lang="pt-BR" sz="800" dirty="0">
+                <a:latin typeface="Arial" panose="020B0604020202020204" pitchFamily="34" charset="0"/>
+                <a:cs typeface="Arial" panose="020B0604020202020204" pitchFamily="34" charset="0"/>
+              </a:rPr>
+              <a:t>Informar Valor Total do Serviço</a:t>
+            </a:r>
+            <a:endParaRPr lang="pt-BR" sz="1000" dirty="0">
+              <a:latin typeface="Arial" panose="020B0604020202020204" pitchFamily="34" charset="0"/>
+              <a:cs typeface="Arial" panose="020B0604020202020204" pitchFamily="34" charset="0"/>
+            </a:endParaRPr>
+          </a:p>
+        </p:txBody>
+      </p:sp>
+      <p:sp>
+        <p:nvSpPr>
+          <p:cNvPr id="108" name="Fluxograma: Conector 107">
+            <a:extLst>
+              <a:ext uri="{FF2B5EF4-FFF2-40B4-BE49-F238E27FC236}">
+                <a16:creationId xmlns:a16="http://schemas.microsoft.com/office/drawing/2014/main" id="{79F2D575-21C5-406B-979D-EB90D5BF514A}"/>
+              </a:ext>
+            </a:extLst>
+          </p:cNvPr>
+          <p:cNvSpPr/>
+          <p:nvPr/>
+        </p:nvSpPr>
+        <p:spPr>
+          <a:xfrm>
+            <a:off x="11497452" y="6163369"/>
+            <a:ext cx="243491" cy="238546"/>
+          </a:xfrm>
+          <a:prstGeom prst="flowChartConnector">
+            <a:avLst/>
+          </a:prstGeom>
+        </p:spPr>
+        <p:style>
+          <a:lnRef idx="2">
+            <a:schemeClr val="dk1">
+              <a:shade val="50000"/>
+            </a:schemeClr>
+          </a:lnRef>
+          <a:fillRef idx="1">
+            <a:schemeClr val="dk1"/>
+          </a:fillRef>
+          <a:effectRef idx="0">
+            <a:schemeClr val="dk1"/>
+          </a:effectRef>
+          <a:fontRef idx="minor">
+            <a:schemeClr val="lt1"/>
+          </a:fontRef>
+        </p:style>
+        <p:txBody>
+          <a:bodyPr rtlCol="0" anchor="ctr"/>
+          <a:lstStyle/>
+          <a:p>
+            <a:pPr algn="ctr"/>
+            <a:endParaRPr lang="pt-BR"/>
+          </a:p>
+        </p:txBody>
+      </p:sp>
+      <p:sp>
+        <p:nvSpPr>
+          <p:cNvPr id="109" name="Fluxograma: Conector 108">
+            <a:extLst>
+              <a:ext uri="{FF2B5EF4-FFF2-40B4-BE49-F238E27FC236}">
+                <a16:creationId xmlns:a16="http://schemas.microsoft.com/office/drawing/2014/main" id="{892A1571-CF92-4C88-A91C-7B4B01806E2D}"/>
+              </a:ext>
+            </a:extLst>
+          </p:cNvPr>
+          <p:cNvSpPr/>
+          <p:nvPr/>
+        </p:nvSpPr>
+        <p:spPr>
+          <a:xfrm>
+            <a:off x="11391295" y="6066080"/>
+            <a:ext cx="455806" cy="433124"/>
+          </a:xfrm>
+          <a:prstGeom prst="flowChartConnector">
+            <a:avLst/>
+          </a:prstGeom>
+          <a:noFill/>
+        </p:spPr>
+        <p:style>
+          <a:lnRef idx="2">
+            <a:schemeClr val="dk1"/>
+          </a:lnRef>
+          <a:fillRef idx="1">
+            <a:schemeClr val="lt1"/>
+          </a:fillRef>
+          <a:effectRef idx="0">
+            <a:schemeClr val="dk1"/>
+          </a:effectRef>
+          <a:fontRef idx="minor">
+            <a:schemeClr val="dk1"/>
+          </a:fontRef>
+        </p:style>
+        <p:txBody>
+          <a:bodyPr rtlCol="0" anchor="ctr"/>
+          <a:lstStyle/>
+          <a:p>
+            <a:pPr algn="ctr"/>
+            <a:endParaRPr lang="pt-BR"/>
+          </a:p>
+        </p:txBody>
+      </p:sp>
+      <p:sp>
+        <p:nvSpPr>
+          <p:cNvPr id="110" name="CaixaDeTexto 109">
+            <a:extLst>
+              <a:ext uri="{FF2B5EF4-FFF2-40B4-BE49-F238E27FC236}">
+                <a16:creationId xmlns:a16="http://schemas.microsoft.com/office/drawing/2014/main" id="{D3A276BB-D5D3-484F-B551-3940D5D72597}"/>
+              </a:ext>
+            </a:extLst>
+          </p:cNvPr>
+          <p:cNvSpPr txBox="1"/>
+          <p:nvPr/>
+        </p:nvSpPr>
+        <p:spPr>
+          <a:xfrm>
+            <a:off x="11176828" y="6497400"/>
+            <a:ext cx="878766" cy="338554"/>
+          </a:xfrm>
+          <a:prstGeom prst="rect">
+            <a:avLst/>
+          </a:prstGeom>
+          <a:noFill/>
+        </p:spPr>
+        <p:txBody>
+          <a:bodyPr wrap="none" rtlCol="0">
+            <a:spAutoFit/>
+          </a:bodyPr>
+          <a:lstStyle/>
+          <a:p>
+            <a:pPr algn="ctr"/>
+            <a:r>
+              <a:rPr lang="pt-BR" sz="800" dirty="0">
+                <a:latin typeface="Arial" panose="020B0604020202020204" pitchFamily="34" charset="0"/>
+                <a:cs typeface="Arial" panose="020B0604020202020204" pitchFamily="34" charset="0"/>
+              </a:rPr>
+              <a:t>Finalização do </a:t>
+            </a:r>
+          </a:p>
+          <a:p>
+            <a:pPr algn="ctr"/>
+            <a:r>
+              <a:rPr lang="pt-BR" sz="800" dirty="0">
+                <a:latin typeface="Arial" panose="020B0604020202020204" pitchFamily="34" charset="0"/>
+                <a:cs typeface="Arial" panose="020B0604020202020204" pitchFamily="34" charset="0"/>
+              </a:rPr>
+              <a:t>atendimento</a:t>
+            </a:r>
+            <a:endParaRPr lang="pt-BR" sz="1000" dirty="0">
+              <a:latin typeface="Arial" panose="020B0604020202020204" pitchFamily="34" charset="0"/>
+              <a:cs typeface="Arial" panose="020B0604020202020204" pitchFamily="34" charset="0"/>
+            </a:endParaRPr>
+          </a:p>
+        </p:txBody>
+      </p:sp>
+      <p:cxnSp>
+        <p:nvCxnSpPr>
+          <p:cNvPr id="111" name="Conector de Seta Reta 110">
+            <a:extLst>
+              <a:ext uri="{FF2B5EF4-FFF2-40B4-BE49-F238E27FC236}">
+                <a16:creationId xmlns:a16="http://schemas.microsoft.com/office/drawing/2014/main" id="{ECD7D36B-E0CA-4BA1-B292-D714B31A8D65}"/>
+              </a:ext>
+            </a:extLst>
+          </p:cNvPr>
+          <p:cNvCxnSpPr>
+            <a:cxnSpLocks/>
+            <a:stCxn id="87" idx="3"/>
+          </p:cNvCxnSpPr>
+          <p:nvPr/>
+        </p:nvCxnSpPr>
+        <p:spPr>
+          <a:xfrm>
+            <a:off x="9546404" y="6354162"/>
+            <a:ext cx="1684141" cy="0"/>
+          </a:xfrm>
+          <a:prstGeom prst="straightConnector1">
+            <a:avLst/>
+          </a:prstGeom>
+          <a:ln>
+            <a:tailEnd type="triangle"/>
+          </a:ln>
+        </p:spPr>
+        <p:style>
+          <a:lnRef idx="1">
+            <a:schemeClr val="dk1"/>
+          </a:lnRef>
+          <a:fillRef idx="0">
+            <a:schemeClr val="dk1"/>
+          </a:fillRef>
+          <a:effectRef idx="0">
+            <a:schemeClr val="dk1"/>
+          </a:effectRef>
+          <a:fontRef idx="minor">
+            <a:schemeClr val="tx1"/>
+          </a:fontRef>
+        </p:style>
+      </p:cxnSp>
+      <p:sp>
+        <p:nvSpPr>
+          <p:cNvPr id="50" name="Fluxograma: Decisão 49">
+            <a:extLst>
+              <a:ext uri="{FF2B5EF4-FFF2-40B4-BE49-F238E27FC236}">
+                <a16:creationId xmlns:a16="http://schemas.microsoft.com/office/drawing/2014/main" id="{C3200F14-5636-47CA-BBB0-3B31CD5540F4}"/>
+              </a:ext>
+            </a:extLst>
+          </p:cNvPr>
+          <p:cNvSpPr/>
+          <p:nvPr/>
+        </p:nvSpPr>
+        <p:spPr>
+          <a:xfrm>
+            <a:off x="5736182" y="1295815"/>
+            <a:ext cx="370617" cy="423912"/>
+          </a:xfrm>
+          <a:prstGeom prst="flowChartDecision">
+            <a:avLst/>
+          </a:prstGeom>
+          <a:ln/>
+        </p:spPr>
+        <p:style>
+          <a:lnRef idx="2">
+            <a:schemeClr val="dk1"/>
+          </a:lnRef>
+          <a:fillRef idx="1">
+            <a:schemeClr val="lt1"/>
+          </a:fillRef>
+          <a:effectRef idx="0">
+            <a:schemeClr val="dk1"/>
+          </a:effectRef>
+          <a:fontRef idx="minor">
+            <a:schemeClr val="dk1"/>
+          </a:fontRef>
+        </p:style>
+        <p:txBody>
+          <a:bodyPr rtlCol="0" anchor="ctr"/>
+          <a:lstStyle/>
+          <a:p>
+            <a:pPr algn="ctr"/>
+            <a:endParaRPr lang="pt-BR" dirty="0"/>
+          </a:p>
+        </p:txBody>
+      </p:sp>
+      <p:cxnSp>
+        <p:nvCxnSpPr>
+          <p:cNvPr id="52" name="Conector de Seta Reta 51">
+            <a:extLst>
+              <a:ext uri="{FF2B5EF4-FFF2-40B4-BE49-F238E27FC236}">
+                <a16:creationId xmlns:a16="http://schemas.microsoft.com/office/drawing/2014/main" id="{2DA68C2B-93FB-428B-BE0B-86D2640D5FB6}"/>
+              </a:ext>
+            </a:extLst>
+          </p:cNvPr>
+          <p:cNvCxnSpPr>
+            <a:cxnSpLocks/>
+            <a:stCxn id="8" idx="3"/>
+            <a:endCxn id="50" idx="1"/>
+          </p:cNvCxnSpPr>
+          <p:nvPr/>
+        </p:nvCxnSpPr>
+        <p:spPr>
+          <a:xfrm>
+            <a:off x="2655947" y="1501306"/>
+            <a:ext cx="3080235" cy="6465"/>
+          </a:xfrm>
+          <a:prstGeom prst="straightConnector1">
+            <a:avLst/>
+          </a:prstGeom>
+          <a:ln>
+            <a:tailEnd type="triangle"/>
+          </a:ln>
+        </p:spPr>
+        <p:style>
+          <a:lnRef idx="1">
+            <a:schemeClr val="dk1"/>
+          </a:lnRef>
+          <a:fillRef idx="0">
+            <a:schemeClr val="dk1"/>
+          </a:fillRef>
+          <a:effectRef idx="0">
+            <a:schemeClr val="dk1"/>
+          </a:effectRef>
+          <a:fontRef idx="minor">
+            <a:schemeClr val="tx1"/>
+          </a:fontRef>
+        </p:style>
+      </p:cxnSp>
+      <p:cxnSp>
+        <p:nvCxnSpPr>
+          <p:cNvPr id="53" name="Conector de Seta Reta 52">
+            <a:extLst>
+              <a:ext uri="{FF2B5EF4-FFF2-40B4-BE49-F238E27FC236}">
+                <a16:creationId xmlns:a16="http://schemas.microsoft.com/office/drawing/2014/main" id="{FE8E5B25-6D75-440F-8AB0-473657BA6227}"/>
+              </a:ext>
+            </a:extLst>
+          </p:cNvPr>
+          <p:cNvCxnSpPr>
+            <a:cxnSpLocks/>
+            <a:stCxn id="50" idx="2"/>
+            <a:endCxn id="19" idx="0"/>
+          </p:cNvCxnSpPr>
+          <p:nvPr/>
+        </p:nvCxnSpPr>
+        <p:spPr>
+          <a:xfrm>
+            <a:off x="5921491" y="1719727"/>
+            <a:ext cx="4065" cy="809871"/>
+          </a:xfrm>
+          <a:prstGeom prst="straightConnector1">
+            <a:avLst/>
+          </a:prstGeom>
+          <a:ln>
+            <a:tailEnd type="triangle"/>
+          </a:ln>
+        </p:spPr>
+        <p:style>
+          <a:lnRef idx="1">
+            <a:schemeClr val="dk1"/>
+          </a:lnRef>
+          <a:fillRef idx="0">
+            <a:schemeClr val="dk1"/>
+          </a:fillRef>
+          <a:effectRef idx="0">
+            <a:schemeClr val="dk1"/>
+          </a:effectRef>
+          <a:fontRef idx="minor">
+            <a:schemeClr val="tx1"/>
+          </a:fontRef>
+        </p:style>
+      </p:cxnSp>
+      <p:sp>
+        <p:nvSpPr>
+          <p:cNvPr id="88" name="Fluxograma: Conector 87">
+            <a:extLst>
+              <a:ext uri="{FF2B5EF4-FFF2-40B4-BE49-F238E27FC236}">
+                <a16:creationId xmlns:a16="http://schemas.microsoft.com/office/drawing/2014/main" id="{2A4A0A70-D21D-4E18-9A6F-BE884F267DBF}"/>
+              </a:ext>
+            </a:extLst>
+          </p:cNvPr>
+          <p:cNvSpPr/>
+          <p:nvPr/>
+        </p:nvSpPr>
+        <p:spPr>
+          <a:xfrm>
+            <a:off x="10713292" y="1422645"/>
+            <a:ext cx="243491" cy="238546"/>
+          </a:xfrm>
+          <a:prstGeom prst="flowChartConnector">
+            <a:avLst/>
+          </a:prstGeom>
+        </p:spPr>
+        <p:style>
+          <a:lnRef idx="2">
+            <a:schemeClr val="dk1">
+              <a:shade val="50000"/>
+            </a:schemeClr>
+          </a:lnRef>
+          <a:fillRef idx="1">
+            <a:schemeClr val="dk1"/>
+          </a:fillRef>
+          <a:effectRef idx="0">
+            <a:schemeClr val="dk1"/>
+          </a:effectRef>
+          <a:fontRef idx="minor">
+            <a:schemeClr val="lt1"/>
+          </a:fontRef>
+        </p:style>
+        <p:txBody>
+          <a:bodyPr rtlCol="0" anchor="ctr"/>
+          <a:lstStyle/>
+          <a:p>
+            <a:pPr algn="ctr"/>
+            <a:endParaRPr lang="pt-BR"/>
+          </a:p>
+        </p:txBody>
+      </p:sp>
+      <p:sp>
+        <p:nvSpPr>
+          <p:cNvPr id="89" name="Fluxograma: Conector 88">
+            <a:extLst>
+              <a:ext uri="{FF2B5EF4-FFF2-40B4-BE49-F238E27FC236}">
+                <a16:creationId xmlns:a16="http://schemas.microsoft.com/office/drawing/2014/main" id="{F78F6EE7-5783-4AA4-9F36-959E96B7C82F}"/>
+              </a:ext>
+            </a:extLst>
+          </p:cNvPr>
+          <p:cNvSpPr/>
+          <p:nvPr/>
+        </p:nvSpPr>
+        <p:spPr>
+          <a:xfrm>
+            <a:off x="10607135" y="1325356"/>
+            <a:ext cx="455806" cy="433124"/>
+          </a:xfrm>
+          <a:prstGeom prst="flowChartConnector">
+            <a:avLst/>
+          </a:prstGeom>
+          <a:noFill/>
+        </p:spPr>
+        <p:style>
+          <a:lnRef idx="2">
+            <a:schemeClr val="dk1"/>
+          </a:lnRef>
+          <a:fillRef idx="1">
+            <a:schemeClr val="lt1"/>
+          </a:fillRef>
+          <a:effectRef idx="0">
+            <a:schemeClr val="dk1"/>
+          </a:effectRef>
+          <a:fontRef idx="minor">
+            <a:schemeClr val="dk1"/>
+          </a:fontRef>
+        </p:style>
+        <p:txBody>
+          <a:bodyPr rtlCol="0" anchor="ctr"/>
+          <a:lstStyle/>
+          <a:p>
+            <a:pPr algn="ctr"/>
+            <a:endParaRPr lang="pt-BR"/>
+          </a:p>
+        </p:txBody>
+      </p:sp>
+      <p:sp>
+        <p:nvSpPr>
+          <p:cNvPr id="90" name="CaixaDeTexto 89">
+            <a:extLst>
+              <a:ext uri="{FF2B5EF4-FFF2-40B4-BE49-F238E27FC236}">
+                <a16:creationId xmlns:a16="http://schemas.microsoft.com/office/drawing/2014/main" id="{B7286FDA-54DF-4BAC-8173-B20885911DAD}"/>
+              </a:ext>
+            </a:extLst>
+          </p:cNvPr>
+          <p:cNvSpPr txBox="1"/>
+          <p:nvPr/>
+        </p:nvSpPr>
+        <p:spPr>
+          <a:xfrm>
+            <a:off x="6826342" y="1575353"/>
+            <a:ext cx="2228495" cy="338554"/>
+          </a:xfrm>
+          <a:prstGeom prst="rect">
+            <a:avLst/>
+          </a:prstGeom>
+          <a:noFill/>
+        </p:spPr>
+        <p:txBody>
+          <a:bodyPr wrap="none" rtlCol="0">
+            <a:spAutoFit/>
+          </a:bodyPr>
+          <a:lstStyle/>
+          <a:p>
+            <a:pPr algn="ctr"/>
+            <a:r>
+              <a:rPr lang="pt-BR" sz="800" dirty="0">
+                <a:latin typeface="Arial" panose="020B0604020202020204" pitchFamily="34" charset="0"/>
+                <a:cs typeface="Arial" panose="020B0604020202020204" pitchFamily="34" charset="0"/>
+              </a:rPr>
+              <a:t>3 - Cliente cancela horário agendado</a:t>
+            </a:r>
+          </a:p>
+          <a:p>
+            <a:pPr algn="ctr"/>
+            <a:r>
+              <a:rPr lang="pt-BR" sz="800" dirty="0">
+                <a:latin typeface="Arial" panose="020B0604020202020204" pitchFamily="34" charset="0"/>
+                <a:cs typeface="Arial" panose="020B0604020202020204" pitchFamily="34" charset="0"/>
+              </a:rPr>
+              <a:t>/&lt;&lt;</a:t>
+            </a:r>
+            <a:r>
+              <a:rPr lang="pt-BR" sz="800" dirty="0" err="1">
+                <a:latin typeface="Arial" panose="020B0604020202020204" pitchFamily="34" charset="0"/>
+                <a:cs typeface="Arial" panose="020B0604020202020204" pitchFamily="34" charset="0"/>
+              </a:rPr>
+              <a:t>DFD_Process</a:t>
+            </a:r>
+            <a:r>
+              <a:rPr lang="pt-BR" sz="800" dirty="0">
+                <a:latin typeface="Arial" panose="020B0604020202020204" pitchFamily="34" charset="0"/>
+                <a:cs typeface="Arial" panose="020B0604020202020204" pitchFamily="34" charset="0"/>
+              </a:rPr>
+              <a:t>&gt;&gt;Pedido de cancelamento</a:t>
+            </a:r>
+            <a:endParaRPr lang="pt-BR" sz="1000" dirty="0">
+              <a:latin typeface="Arial" panose="020B0604020202020204" pitchFamily="34" charset="0"/>
+              <a:cs typeface="Arial" panose="020B0604020202020204" pitchFamily="34" charset="0"/>
+            </a:endParaRPr>
+          </a:p>
+        </p:txBody>
+      </p:sp>
+      <p:sp>
+        <p:nvSpPr>
+          <p:cNvPr id="93" name="CaixaDeTexto 92">
+            <a:extLst>
+              <a:ext uri="{FF2B5EF4-FFF2-40B4-BE49-F238E27FC236}">
+                <a16:creationId xmlns:a16="http://schemas.microsoft.com/office/drawing/2014/main" id="{F94AE27C-FD4B-437F-B43E-54383FA18400}"/>
+              </a:ext>
+            </a:extLst>
+          </p:cNvPr>
+          <p:cNvSpPr txBox="1"/>
+          <p:nvPr/>
+        </p:nvSpPr>
+        <p:spPr>
+          <a:xfrm>
+            <a:off x="10170437" y="1871750"/>
+            <a:ext cx="1329210" cy="215444"/>
+          </a:xfrm>
+          <a:prstGeom prst="rect">
+            <a:avLst/>
+          </a:prstGeom>
+          <a:noFill/>
+        </p:spPr>
+        <p:txBody>
+          <a:bodyPr wrap="none" rtlCol="0">
+            <a:spAutoFit/>
+          </a:bodyPr>
+          <a:lstStyle/>
+          <a:p>
+            <a:pPr algn="ctr"/>
+            <a:r>
+              <a:rPr lang="pt-BR" sz="800" dirty="0">
+                <a:latin typeface="Arial" panose="020B0604020202020204" pitchFamily="34" charset="0"/>
+                <a:cs typeface="Arial" panose="020B0604020202020204" pitchFamily="34" charset="0"/>
+              </a:rPr>
+              <a:t>Agendamento cancelado</a:t>
+            </a:r>
+            <a:endParaRPr lang="pt-BR" sz="1000" dirty="0">
+              <a:latin typeface="Arial" panose="020B0604020202020204" pitchFamily="34" charset="0"/>
+              <a:cs typeface="Arial" panose="020B0604020202020204" pitchFamily="34" charset="0"/>
+            </a:endParaRPr>
+          </a:p>
+        </p:txBody>
+      </p:sp>
+      <p:cxnSp>
+        <p:nvCxnSpPr>
+          <p:cNvPr id="94" name="Conector de Seta Reta 93">
+            <a:extLst>
+              <a:ext uri="{FF2B5EF4-FFF2-40B4-BE49-F238E27FC236}">
+                <a16:creationId xmlns:a16="http://schemas.microsoft.com/office/drawing/2014/main" id="{8CC3A052-7473-4D70-A937-0C6D1821C980}"/>
+              </a:ext>
+            </a:extLst>
+          </p:cNvPr>
+          <p:cNvCxnSpPr>
+            <a:cxnSpLocks/>
+            <a:stCxn id="50" idx="3"/>
+          </p:cNvCxnSpPr>
+          <p:nvPr/>
+        </p:nvCxnSpPr>
+        <p:spPr>
+          <a:xfrm>
+            <a:off x="6106799" y="1507771"/>
+            <a:ext cx="4379440" cy="0"/>
+          </a:xfrm>
+          <a:prstGeom prst="straightConnector1">
+            <a:avLst/>
+          </a:prstGeom>
+          <a:ln>
+            <a:tailEnd type="triangle"/>
+          </a:ln>
+        </p:spPr>
+        <p:style>
+          <a:lnRef idx="1">
+            <a:schemeClr val="dk1"/>
+          </a:lnRef>
+          <a:fillRef idx="0">
+            <a:schemeClr val="dk1"/>
+          </a:fillRef>
+          <a:effectRef idx="0">
+            <a:schemeClr val="dk1"/>
+          </a:effectRef>
+          <a:fontRef idx="minor">
+            <a:schemeClr val="tx1"/>
+          </a:fontRef>
+        </p:style>
+      </p:cxnSp>
+      <p:sp>
+        <p:nvSpPr>
+          <p:cNvPr id="95" name="CaixaDeTexto 94">
+            <a:extLst>
+              <a:ext uri="{FF2B5EF4-FFF2-40B4-BE49-F238E27FC236}">
+                <a16:creationId xmlns:a16="http://schemas.microsoft.com/office/drawing/2014/main" id="{CB25D832-FC3C-4A3F-ABB6-19E0810BEBF7}"/>
+              </a:ext>
+            </a:extLst>
+          </p:cNvPr>
+          <p:cNvSpPr txBox="1"/>
+          <p:nvPr/>
+        </p:nvSpPr>
+        <p:spPr>
+          <a:xfrm>
+            <a:off x="3422091" y="1232454"/>
+            <a:ext cx="1346844" cy="215444"/>
+          </a:xfrm>
+          <a:prstGeom prst="rect">
+            <a:avLst/>
+          </a:prstGeom>
+          <a:noFill/>
+        </p:spPr>
+        <p:txBody>
+          <a:bodyPr wrap="none" rtlCol="0">
+            <a:spAutoFit/>
+          </a:bodyPr>
+          <a:lstStyle/>
+          <a:p>
+            <a:pPr algn="ctr"/>
+            <a:r>
+              <a:rPr lang="pt-BR" sz="800" dirty="0">
+                <a:latin typeface="Arial" panose="020B0604020202020204" pitchFamily="34" charset="0"/>
+                <a:cs typeface="Arial" panose="020B0604020202020204" pitchFamily="34" charset="0"/>
+              </a:rPr>
+              <a:t>[agendamento concluído]</a:t>
+            </a:r>
+            <a:endParaRPr lang="pt-BR" sz="1000" dirty="0">
+              <a:latin typeface="Arial" panose="020B0604020202020204" pitchFamily="34" charset="0"/>
+              <a:cs typeface="Arial" panose="020B0604020202020204" pitchFamily="34" charset="0"/>
+            </a:endParaRPr>
+          </a:p>
+        </p:txBody>
+      </p:sp>
+    </p:spTree>
+    <p:extLst>
+      <p:ext uri="{BB962C8B-B14F-4D97-AF65-F5344CB8AC3E}">
+        <p14:creationId xmlns:p14="http://schemas.microsoft.com/office/powerpoint/2010/main" val="4109033306"/>
       </p:ext>
     </p:extLst>
   </p:cSld>

--- a/21 - Ciclo de vida.pptx
+++ b/21 - Ciclo de vida.pptx
@@ -6,7 +6,6 @@
   </p:sldMasterIdLst>
   <p:sldIdLst>
     <p:sldId id="257" r:id="rId2"/>
-    <p:sldId id="259" r:id="rId3"/>
   </p:sldIdLst>
   <p:sldSz cx="12192000" cy="6858000"/>
   <p:notesSz cx="6858000" cy="9144000"/>
@@ -465,7 +464,7 @@
           <a:p>
             <a:fld id="{A86FA51A-2E19-49D3-8FA2-8130FCE916BF}" type="datetimeFigureOut">
               <a:rPr lang="pt-BR" smtClean="0"/>
-              <a:t>20/05/2021</a:t>
+              <a:t>02/06/2021</a:t>
             </a:fld>
             <a:endParaRPr lang="pt-BR"/>
           </a:p>
@@ -663,7 +662,7 @@
           <a:p>
             <a:fld id="{A86FA51A-2E19-49D3-8FA2-8130FCE916BF}" type="datetimeFigureOut">
               <a:rPr lang="pt-BR" smtClean="0"/>
-              <a:t>20/05/2021</a:t>
+              <a:t>02/06/2021</a:t>
             </a:fld>
             <a:endParaRPr lang="pt-BR"/>
           </a:p>
@@ -871,7 +870,7 @@
           <a:p>
             <a:fld id="{A86FA51A-2E19-49D3-8FA2-8130FCE916BF}" type="datetimeFigureOut">
               <a:rPr lang="pt-BR" smtClean="0"/>
-              <a:t>20/05/2021</a:t>
+              <a:t>02/06/2021</a:t>
             </a:fld>
             <a:endParaRPr lang="pt-BR"/>
           </a:p>
@@ -1069,7 +1068,7 @@
           <a:p>
             <a:fld id="{A86FA51A-2E19-49D3-8FA2-8130FCE916BF}" type="datetimeFigureOut">
               <a:rPr lang="pt-BR" smtClean="0"/>
-              <a:t>20/05/2021</a:t>
+              <a:t>02/06/2021</a:t>
             </a:fld>
             <a:endParaRPr lang="pt-BR"/>
           </a:p>
@@ -1344,7 +1343,7 @@
           <a:p>
             <a:fld id="{A86FA51A-2E19-49D3-8FA2-8130FCE916BF}" type="datetimeFigureOut">
               <a:rPr lang="pt-BR" smtClean="0"/>
-              <a:t>20/05/2021</a:t>
+              <a:t>02/06/2021</a:t>
             </a:fld>
             <a:endParaRPr lang="pt-BR"/>
           </a:p>
@@ -1609,7 +1608,7 @@
           <a:p>
             <a:fld id="{A86FA51A-2E19-49D3-8FA2-8130FCE916BF}" type="datetimeFigureOut">
               <a:rPr lang="pt-BR" smtClean="0"/>
-              <a:t>20/05/2021</a:t>
+              <a:t>02/06/2021</a:t>
             </a:fld>
             <a:endParaRPr lang="pt-BR"/>
           </a:p>
@@ -2021,7 +2020,7 @@
           <a:p>
             <a:fld id="{A86FA51A-2E19-49D3-8FA2-8130FCE916BF}" type="datetimeFigureOut">
               <a:rPr lang="pt-BR" smtClean="0"/>
-              <a:t>20/05/2021</a:t>
+              <a:t>02/06/2021</a:t>
             </a:fld>
             <a:endParaRPr lang="pt-BR"/>
           </a:p>
@@ -2162,7 +2161,7 @@
           <a:p>
             <a:fld id="{A86FA51A-2E19-49D3-8FA2-8130FCE916BF}" type="datetimeFigureOut">
               <a:rPr lang="pt-BR" smtClean="0"/>
-              <a:t>20/05/2021</a:t>
+              <a:t>02/06/2021</a:t>
             </a:fld>
             <a:endParaRPr lang="pt-BR"/>
           </a:p>
@@ -2275,7 +2274,7 @@
           <a:p>
             <a:fld id="{A86FA51A-2E19-49D3-8FA2-8130FCE916BF}" type="datetimeFigureOut">
               <a:rPr lang="pt-BR" smtClean="0"/>
-              <a:t>20/05/2021</a:t>
+              <a:t>02/06/2021</a:t>
             </a:fld>
             <a:endParaRPr lang="pt-BR"/>
           </a:p>
@@ -2586,7 +2585,7 @@
           <a:p>
             <a:fld id="{A86FA51A-2E19-49D3-8FA2-8130FCE916BF}" type="datetimeFigureOut">
               <a:rPr lang="pt-BR" smtClean="0"/>
-              <a:t>20/05/2021</a:t>
+              <a:t>02/06/2021</a:t>
             </a:fld>
             <a:endParaRPr lang="pt-BR"/>
           </a:p>
@@ -2874,7 +2873,7 @@
           <a:p>
             <a:fld id="{A86FA51A-2E19-49D3-8FA2-8130FCE916BF}" type="datetimeFigureOut">
               <a:rPr lang="pt-BR" smtClean="0"/>
-              <a:t>20/05/2021</a:t>
+              <a:t>02/06/2021</a:t>
             </a:fld>
             <a:endParaRPr lang="pt-BR"/>
           </a:p>
@@ -3115,7 +3114,7 @@
           <a:p>
             <a:fld id="{A86FA51A-2E19-49D3-8FA2-8130FCE916BF}" type="datetimeFigureOut">
               <a:rPr lang="pt-BR" smtClean="0"/>
-              <a:t>20/05/2021</a:t>
+              <a:t>02/06/2021</a:t>
             </a:fld>
             <a:endParaRPr lang="pt-BR"/>
           </a:p>
@@ -3547,7 +3546,7 @@
         <p:spPr>
           <a:xfrm>
             <a:off x="1346807" y="1006444"/>
-            <a:ext cx="8254767" cy="2095974"/>
+            <a:ext cx="5762101" cy="2095974"/>
           </a:xfrm>
           <a:prstGeom prst="roundRect">
             <a:avLst/>
@@ -3976,14 +3975,14 @@
           <p:cNvCxnSpPr>
             <a:cxnSpLocks/>
             <a:stCxn id="19" idx="2"/>
-            <a:endCxn id="13" idx="0"/>
+            <a:endCxn id="51" idx="0"/>
           </p:cNvCxnSpPr>
           <p:nvPr/>
         </p:nvCxnSpPr>
         <p:spPr>
-          <a:xfrm>
-            <a:off x="5925557" y="1938222"/>
-            <a:ext cx="0" cy="454864"/>
+          <a:xfrm flipH="1">
+            <a:off x="5920096" y="1938222"/>
+            <a:ext cx="5461" cy="1709639"/>
           </a:xfrm>
           <a:prstGeom prst="straightConnector1">
             <a:avLst/>
@@ -4021,7 +4020,7 @@
         </p:nvSpPr>
         <p:spPr>
           <a:xfrm>
-            <a:off x="7001444" y="1006444"/>
+            <a:off x="4565818" y="979627"/>
             <a:ext cx="1226618" cy="261610"/>
           </a:xfrm>
           <a:prstGeom prst="rect">
@@ -4081,70 +4080,25 @@
           </a:p>
         </p:txBody>
       </p:sp>
-      <p:sp>
-        <p:nvSpPr>
-          <p:cNvPr id="13" name="Fluxograma: Decisão 12">
-            <a:extLst>
-              <a:ext uri="{FF2B5EF4-FFF2-40B4-BE49-F238E27FC236}">
-                <a16:creationId xmlns:a16="http://schemas.microsoft.com/office/drawing/2014/main" id="{DC2F7AF9-A7B5-4A0F-BA5D-2AC78599E82D}"/>
-              </a:ext>
-            </a:extLst>
-          </p:cNvPr>
-          <p:cNvSpPr/>
-          <p:nvPr/>
-        </p:nvSpPr>
-        <p:spPr>
-          <a:xfrm>
-            <a:off x="5468357" y="2393086"/>
-            <a:ext cx="914400" cy="612648"/>
-          </a:xfrm>
-          <a:prstGeom prst="flowChartDecision">
-            <a:avLst/>
-          </a:prstGeom>
-          <a:ln/>
-        </p:spPr>
-        <p:style>
-          <a:lnRef idx="2">
-            <a:schemeClr val="dk1"/>
-          </a:lnRef>
-          <a:fillRef idx="1">
-            <a:schemeClr val="lt1"/>
-          </a:fillRef>
-          <a:effectRef idx="0">
-            <a:schemeClr val="dk1"/>
-          </a:effectRef>
-          <a:fontRef idx="minor">
-            <a:schemeClr val="dk1"/>
-          </a:fontRef>
-        </p:style>
-        <p:txBody>
-          <a:bodyPr rtlCol="0" anchor="ctr"/>
-          <a:lstStyle/>
-          <a:p>
-            <a:pPr algn="ctr"/>
-            <a:endParaRPr lang="pt-BR" dirty="0"/>
-          </a:p>
-        </p:txBody>
-      </p:sp>
       <p:cxnSp>
         <p:nvCxnSpPr>
-          <p:cNvPr id="44" name="Conector de Seta Reta 43">
-            <a:extLst>
-              <a:ext uri="{FF2B5EF4-FFF2-40B4-BE49-F238E27FC236}">
-                <a16:creationId xmlns:a16="http://schemas.microsoft.com/office/drawing/2014/main" id="{729CED72-4D48-4C26-AD47-81B4A955D3FD}"/>
+          <p:cNvPr id="57" name="Conector de Seta Reta 56">
+            <a:extLst>
+              <a:ext uri="{FF2B5EF4-FFF2-40B4-BE49-F238E27FC236}">
+                <a16:creationId xmlns:a16="http://schemas.microsoft.com/office/drawing/2014/main" id="{31BE64F2-AD75-4DAF-AB80-7AD1D70C7F1D}"/>
               </a:ext>
             </a:extLst>
           </p:cNvPr>
           <p:cNvCxnSpPr>
             <a:cxnSpLocks/>
-            <a:stCxn id="13" idx="2"/>
+            <a:endCxn id="61" idx="2"/>
           </p:cNvCxnSpPr>
           <p:nvPr/>
         </p:nvCxnSpPr>
         <p:spPr>
-          <a:xfrm flipH="1">
-            <a:off x="5920097" y="3005734"/>
-            <a:ext cx="5460" cy="642127"/>
+          <a:xfrm>
+            <a:off x="6481483" y="1685008"/>
+            <a:ext cx="4661064" cy="6326"/>
           </a:xfrm>
           <a:prstGeom prst="straightConnector1">
             <a:avLst/>
@@ -4168,48 +4122,6 @@
           </a:fontRef>
         </p:style>
       </p:cxnSp>
-      <p:cxnSp>
-        <p:nvCxnSpPr>
-          <p:cNvPr id="57" name="Conector de Seta Reta 56">
-            <a:extLst>
-              <a:ext uri="{FF2B5EF4-FFF2-40B4-BE49-F238E27FC236}">
-                <a16:creationId xmlns:a16="http://schemas.microsoft.com/office/drawing/2014/main" id="{31BE64F2-AD75-4DAF-AB80-7AD1D70C7F1D}"/>
-              </a:ext>
-            </a:extLst>
-          </p:cNvPr>
-          <p:cNvCxnSpPr>
-            <a:cxnSpLocks/>
-            <a:stCxn id="13" idx="3"/>
-          </p:cNvCxnSpPr>
-          <p:nvPr/>
-        </p:nvCxnSpPr>
-        <p:spPr>
-          <a:xfrm>
-            <a:off x="6382757" y="2699410"/>
-            <a:ext cx="4551356" cy="5880"/>
-          </a:xfrm>
-          <a:prstGeom prst="straightConnector1">
-            <a:avLst/>
-          </a:prstGeom>
-          <a:ln>
-            <a:tailEnd type="triangle"/>
-          </a:ln>
-        </p:spPr>
-        <p:style>
-          <a:lnRef idx="1">
-            <a:schemeClr val="dk1"/>
-          </a:lnRef>
-          <a:fillRef idx="0">
-            <a:schemeClr val="dk1"/>
-          </a:fillRef>
-          <a:effectRef idx="0">
-            <a:schemeClr val="dk1"/>
-          </a:effectRef>
-          <a:fontRef idx="minor">
-            <a:schemeClr val="tx1"/>
-          </a:fontRef>
-        </p:style>
-      </p:cxnSp>
       <p:sp>
         <p:nvSpPr>
           <p:cNvPr id="60" name="Fluxograma: Conector 59">
@@ -4224,7 +4136,7 @@
         </p:nvSpPr>
         <p:spPr>
           <a:xfrm>
-            <a:off x="11271181" y="2578918"/>
+            <a:off x="11248704" y="1572061"/>
             <a:ext cx="243491" cy="238546"/>
           </a:xfrm>
           <a:prstGeom prst="flowChartConnector">
@@ -4270,7 +4182,7 @@
         </p:nvSpPr>
         <p:spPr>
           <a:xfrm>
-            <a:off x="11165024" y="2481629"/>
+            <a:off x="11142547" y="1474772"/>
             <a:ext cx="455806" cy="433124"/>
           </a:xfrm>
           <a:prstGeom prst="flowChartConnector">
@@ -4315,7 +4227,7 @@
         </p:nvSpPr>
         <p:spPr>
           <a:xfrm>
-            <a:off x="7316173" y="2269447"/>
+            <a:off x="7707915" y="1306506"/>
             <a:ext cx="2228495" cy="338554"/>
           </a:xfrm>
           <a:prstGeom prst="rect">
@@ -4382,7 +4294,7 @@
         </p:nvSpPr>
         <p:spPr>
           <a:xfrm>
-            <a:off x="10880826" y="2969340"/>
+            <a:off x="10872115" y="1890301"/>
             <a:ext cx="1027846" cy="215444"/>
           </a:xfrm>
           <a:prstGeom prst="rect">
@@ -4510,97 +4422,6 @@
       </p:sp>
       <p:sp>
         <p:nvSpPr>
-          <p:cNvPr id="54" name="CaixaDeTexto 53">
-            <a:extLst>
-              <a:ext uri="{FF2B5EF4-FFF2-40B4-BE49-F238E27FC236}">
-                <a16:creationId xmlns:a16="http://schemas.microsoft.com/office/drawing/2014/main" id="{67C0DFF7-D1AA-47A9-88D3-4764255A9703}"/>
-              </a:ext>
-            </a:extLst>
-          </p:cNvPr>
-          <p:cNvSpPr txBox="1"/>
-          <p:nvPr/>
-        </p:nvSpPr>
-        <p:spPr>
-          <a:xfrm>
-            <a:off x="6193193" y="3126529"/>
-            <a:ext cx="1789271" cy="646331"/>
-          </a:xfrm>
-          <a:prstGeom prst="rect">
-            <a:avLst/>
-          </a:prstGeom>
-          <a:noFill/>
-        </p:spPr>
-        <p:txBody>
-          <a:bodyPr wrap="none" rtlCol="0">
-            <a:spAutoFit/>
-          </a:bodyPr>
-          <a:lstStyle/>
-          <a:p>
-            <a:pPr algn="ctr"/>
-            <a:r>
-              <a:rPr lang="pt-BR" sz="800" dirty="0">
-                <a:latin typeface="Arial" panose="020B0604020202020204" pitchFamily="34" charset="0"/>
-                <a:cs typeface="Arial" panose="020B0604020202020204" pitchFamily="34" charset="0"/>
-              </a:rPr>
-              <a:t>4 - Corte recebe aviso de </a:t>
-            </a:r>
-          </a:p>
-          <a:p>
-            <a:pPr algn="ctr"/>
-            <a:r>
-              <a:rPr lang="pt-BR" sz="800" dirty="0">
-                <a:latin typeface="Arial" panose="020B0604020202020204" pitchFamily="34" charset="0"/>
-                <a:cs typeface="Arial" panose="020B0604020202020204" pitchFamily="34" charset="0"/>
-              </a:rPr>
-              <a:t>cliente aguardando</a:t>
-            </a:r>
-          </a:p>
-          <a:p>
-            <a:pPr algn="ctr">
-              <a:lnSpc>
-                <a:spcPct val="150000"/>
-              </a:lnSpc>
-            </a:pPr>
-            <a:r>
-              <a:rPr lang="pt-BR" sz="800" dirty="0">
-                <a:latin typeface="Arial" panose="020B0604020202020204" pitchFamily="34" charset="0"/>
-                <a:cs typeface="Arial" panose="020B0604020202020204" pitchFamily="34" charset="0"/>
-              </a:rPr>
-              <a:t>/&lt;&lt;</a:t>
-            </a:r>
-            <a:r>
-              <a:rPr lang="pt-BR" sz="800" dirty="0" err="1">
-                <a:latin typeface="Arial" panose="020B0604020202020204" pitchFamily="34" charset="0"/>
-                <a:cs typeface="Arial" panose="020B0604020202020204" pitchFamily="34" charset="0"/>
-              </a:rPr>
-              <a:t>DFD_Process</a:t>
-            </a:r>
-            <a:r>
-              <a:rPr lang="pt-BR" sz="800" dirty="0">
-                <a:latin typeface="Arial" panose="020B0604020202020204" pitchFamily="34" charset="0"/>
-                <a:cs typeface="Arial" panose="020B0604020202020204" pitchFamily="34" charset="0"/>
-              </a:rPr>
-              <a:t>&gt;&gt;Receber Aviso </a:t>
-            </a:r>
-          </a:p>
-          <a:p>
-            <a:pPr algn="ctr"/>
-            <a:r>
-              <a:rPr lang="pt-BR" sz="800" dirty="0">
-                <a:latin typeface="Arial" panose="020B0604020202020204" pitchFamily="34" charset="0"/>
-                <a:cs typeface="Arial" panose="020B0604020202020204" pitchFamily="34" charset="0"/>
-              </a:rPr>
-              <a:t>de Cliente aguardando</a:t>
-            </a:r>
-            <a:endParaRPr lang="pt-BR" sz="1000" dirty="0">
-              <a:latin typeface="Arial" panose="020B0604020202020204" pitchFamily="34" charset="0"/>
-              <a:cs typeface="Arial" panose="020B0604020202020204" pitchFamily="34" charset="0"/>
-            </a:endParaRPr>
-          </a:p>
-        </p:txBody>
-      </p:sp>
-      <p:sp>
-        <p:nvSpPr>
           <p:cNvPr id="55" name="Retângulo: Cantos Arredondados 54">
             <a:extLst>
               <a:ext uri="{FF2B5EF4-FFF2-40B4-BE49-F238E27FC236}">
@@ -4680,7 +4501,7 @@
                 <a:latin typeface="Arial" panose="020B0604020202020204" pitchFamily="34" charset="0"/>
                 <a:cs typeface="Arial" panose="020B0604020202020204" pitchFamily="34" charset="0"/>
               </a:rPr>
-              <a:t>5 - Corte convida cliente </a:t>
+              <a:t>4 - Corte convida cliente </a:t>
             </a:r>
           </a:p>
           <a:p>
@@ -4857,7 +4678,7 @@
                 <a:latin typeface="Arial" panose="020B0604020202020204" pitchFamily="34" charset="0"/>
                 <a:cs typeface="Arial" panose="020B0604020202020204" pitchFamily="34" charset="0"/>
               </a:rPr>
-              <a:t>6 - Cliente solicita suas preferências</a:t>
+              <a:t>5 - Cliente solicita suas preferências</a:t>
             </a:r>
           </a:p>
           <a:p>
@@ -4977,7 +4798,7 @@
                 <a:latin typeface="Arial" panose="020B0604020202020204" pitchFamily="34" charset="0"/>
                 <a:cs typeface="Arial" panose="020B0604020202020204" pitchFamily="34" charset="0"/>
               </a:rPr>
-              <a:t>7 - Cliente passa o feedback </a:t>
+              <a:t>6 - Cliente passa o feedback </a:t>
             </a:r>
           </a:p>
           <a:p>
@@ -5172,7 +4993,7 @@
                 <a:latin typeface="Arial" panose="020B0604020202020204" pitchFamily="34" charset="0"/>
                 <a:cs typeface="Arial" panose="020B0604020202020204" pitchFamily="34" charset="0"/>
               </a:rPr>
-              <a:t>8 - Corte avisa o término do serviço </a:t>
+              <a:t>7 - Corte avisa o término do serviço </a:t>
             </a:r>
           </a:p>
           <a:p>
@@ -5391,7 +5212,7 @@
                 <a:latin typeface="Arial" panose="020B0604020202020204" pitchFamily="34" charset="0"/>
                 <a:cs typeface="Arial" panose="020B0604020202020204" pitchFamily="34" charset="0"/>
               </a:rPr>
-              <a:t>9 - Cliente solicita valor a pagar</a:t>
+              <a:t>8 - Cliente solicita valor a pagar</a:t>
             </a:r>
           </a:p>
           <a:p>
@@ -5635,7 +5456,7 @@
         </p:nvSpPr>
         <p:spPr>
           <a:xfrm>
-            <a:off x="5944743" y="2042014"/>
+            <a:off x="5953132" y="1918909"/>
             <a:ext cx="1056701" cy="215444"/>
           </a:xfrm>
           <a:prstGeom prst="rect">
@@ -5668,2231 +5489,6 @@
     <p:extLst>
       <p:ext uri="{BB962C8B-B14F-4D97-AF65-F5344CB8AC3E}">
         <p14:creationId xmlns:p14="http://schemas.microsoft.com/office/powerpoint/2010/main" val="1444601931"/>
-      </p:ext>
-    </p:extLst>
-  </p:cSld>
-  <p:clrMapOvr>
-    <a:masterClrMapping/>
-  </p:clrMapOvr>
-</p:sld>
-</file>
-
-<file path=ppt/slides/slide2.xml><?xml version="1.0" encoding="utf-8"?>
-<p:sld xmlns:a="http://schemas.openxmlformats.org/drawingml/2006/main" xmlns:r="http://schemas.openxmlformats.org/officeDocument/2006/relationships" xmlns:p="http://schemas.openxmlformats.org/presentationml/2006/main">
-  <p:cSld>
-    <p:spTree>
-      <p:nvGrpSpPr>
-        <p:cNvPr id="1" name=""/>
-        <p:cNvGrpSpPr/>
-        <p:nvPr/>
-      </p:nvGrpSpPr>
-      <p:grpSpPr>
-        <a:xfrm>
-          <a:off x="0" y="0"/>
-          <a:ext cx="0" cy="0"/>
-          <a:chOff x="0" y="0"/>
-          <a:chExt cx="0" cy="0"/>
-        </a:xfrm>
-      </p:grpSpPr>
-      <p:sp>
-        <p:nvSpPr>
-          <p:cNvPr id="4" name="Retângulo: Cantos Arredondados 3">
-            <a:extLst>
-              <a:ext uri="{FF2B5EF4-FFF2-40B4-BE49-F238E27FC236}">
-                <a16:creationId xmlns:a16="http://schemas.microsoft.com/office/drawing/2014/main" id="{8720E785-3519-4794-8501-032CDF1DDAF9}"/>
-              </a:ext>
-            </a:extLst>
-          </p:cNvPr>
-          <p:cNvSpPr/>
-          <p:nvPr/>
-        </p:nvSpPr>
-        <p:spPr>
-          <a:xfrm>
-            <a:off x="1346807" y="1006444"/>
-            <a:ext cx="8254767" cy="981763"/>
-          </a:xfrm>
-          <a:prstGeom prst="roundRect">
-            <a:avLst/>
-          </a:prstGeom>
-          <a:noFill/>
-        </p:spPr>
-        <p:style>
-          <a:lnRef idx="2">
-            <a:schemeClr val="dk1"/>
-          </a:lnRef>
-          <a:fillRef idx="1">
-            <a:schemeClr val="lt1"/>
-          </a:fillRef>
-          <a:effectRef idx="0">
-            <a:schemeClr val="dk1"/>
-          </a:effectRef>
-          <a:fontRef idx="minor">
-            <a:schemeClr val="dk1"/>
-          </a:fontRef>
-        </p:style>
-        <p:txBody>
-          <a:bodyPr rtlCol="0" anchor="ctr"/>
-          <a:lstStyle/>
-          <a:p>
-            <a:pPr algn="ctr"/>
-            <a:endParaRPr lang="pt-BR" dirty="0"/>
-          </a:p>
-        </p:txBody>
-      </p:sp>
-      <p:sp>
-        <p:nvSpPr>
-          <p:cNvPr id="5" name="Fluxograma: Conector 4">
-            <a:extLst>
-              <a:ext uri="{FF2B5EF4-FFF2-40B4-BE49-F238E27FC236}">
-                <a16:creationId xmlns:a16="http://schemas.microsoft.com/office/drawing/2014/main" id="{60762BE5-FAA8-44C3-B1D4-0097939FF901}"/>
-              </a:ext>
-            </a:extLst>
-          </p:cNvPr>
-          <p:cNvSpPr/>
-          <p:nvPr/>
-        </p:nvSpPr>
-        <p:spPr>
-          <a:xfrm>
-            <a:off x="1901613" y="58937"/>
-            <a:ext cx="385894" cy="369115"/>
-          </a:xfrm>
-          <a:prstGeom prst="flowChartConnector">
-            <a:avLst/>
-          </a:prstGeom>
-        </p:spPr>
-        <p:style>
-          <a:lnRef idx="2">
-            <a:schemeClr val="dk1">
-              <a:shade val="50000"/>
-            </a:schemeClr>
-          </a:lnRef>
-          <a:fillRef idx="1">
-            <a:schemeClr val="dk1"/>
-          </a:fillRef>
-          <a:effectRef idx="0">
-            <a:schemeClr val="dk1"/>
-          </a:effectRef>
-          <a:fontRef idx="minor">
-            <a:schemeClr val="lt1"/>
-          </a:fontRef>
-        </p:style>
-        <p:txBody>
-          <a:bodyPr rtlCol="0" anchor="ctr"/>
-          <a:lstStyle/>
-          <a:p>
-            <a:pPr algn="ctr"/>
-            <a:endParaRPr lang="pt-BR"/>
-          </a:p>
-        </p:txBody>
-      </p:sp>
-      <p:sp>
-        <p:nvSpPr>
-          <p:cNvPr id="6" name="CaixaDeTexto 5">
-            <a:extLst>
-              <a:ext uri="{FF2B5EF4-FFF2-40B4-BE49-F238E27FC236}">
-                <a16:creationId xmlns:a16="http://schemas.microsoft.com/office/drawing/2014/main" id="{9AD60828-0603-47FC-AE26-CF5A2AB58D08}"/>
-              </a:ext>
-            </a:extLst>
-          </p:cNvPr>
-          <p:cNvSpPr txBox="1"/>
-          <p:nvPr/>
-        </p:nvSpPr>
-        <p:spPr>
-          <a:xfrm>
-            <a:off x="1757790" y="476023"/>
-            <a:ext cx="1846980" cy="461665"/>
-          </a:xfrm>
-          <a:prstGeom prst="rect">
-            <a:avLst/>
-          </a:prstGeom>
-          <a:solidFill>
-            <a:schemeClr val="bg1"/>
-          </a:solidFill>
-        </p:spPr>
-        <p:txBody>
-          <a:bodyPr wrap="none" rtlCol="0">
-            <a:spAutoFit/>
-          </a:bodyPr>
-          <a:lstStyle/>
-          <a:p>
-            <a:pPr algn="ctr"/>
-            <a:r>
-              <a:rPr lang="pt-BR" sz="800" dirty="0">
-                <a:latin typeface="Arial" panose="020B0604020202020204" pitchFamily="34" charset="0"/>
-                <a:cs typeface="Arial" panose="020B0604020202020204" pitchFamily="34" charset="0"/>
-              </a:rPr>
-              <a:t>1 - Cliente solicita </a:t>
-            </a:r>
-          </a:p>
-          <a:p>
-            <a:pPr algn="ctr"/>
-            <a:r>
-              <a:rPr lang="pt-BR" sz="800" dirty="0">
-                <a:latin typeface="Arial" panose="020B0604020202020204" pitchFamily="34" charset="0"/>
-                <a:cs typeface="Arial" panose="020B0604020202020204" pitchFamily="34" charset="0"/>
-              </a:rPr>
-              <a:t>Agendamento</a:t>
-            </a:r>
-          </a:p>
-          <a:p>
-            <a:pPr algn="ctr"/>
-            <a:r>
-              <a:rPr lang="pt-BR" sz="800" dirty="0">
-                <a:latin typeface="Arial" panose="020B0604020202020204" pitchFamily="34" charset="0"/>
-                <a:cs typeface="Arial" panose="020B0604020202020204" pitchFamily="34" charset="0"/>
-              </a:rPr>
-              <a:t>/&lt;&lt;</a:t>
-            </a:r>
-            <a:r>
-              <a:rPr lang="pt-BR" sz="800" dirty="0" err="1">
-                <a:latin typeface="Arial" panose="020B0604020202020204" pitchFamily="34" charset="0"/>
-                <a:cs typeface="Arial" panose="020B0604020202020204" pitchFamily="34" charset="0"/>
-              </a:rPr>
-              <a:t>DFD_Process</a:t>
-            </a:r>
-            <a:r>
-              <a:rPr lang="pt-BR" sz="800" dirty="0">
-                <a:latin typeface="Arial" panose="020B0604020202020204" pitchFamily="34" charset="0"/>
-                <a:cs typeface="Arial" panose="020B0604020202020204" pitchFamily="34" charset="0"/>
-              </a:rPr>
-              <a:t>&gt;&gt;Agendar Horário</a:t>
-            </a:r>
-            <a:endParaRPr lang="pt-BR" sz="1000" dirty="0">
-              <a:latin typeface="Arial" panose="020B0604020202020204" pitchFamily="34" charset="0"/>
-              <a:cs typeface="Arial" panose="020B0604020202020204" pitchFamily="34" charset="0"/>
-            </a:endParaRPr>
-          </a:p>
-        </p:txBody>
-      </p:sp>
-      <p:cxnSp>
-        <p:nvCxnSpPr>
-          <p:cNvPr id="7" name="Conector de Seta Reta 6">
-            <a:extLst>
-              <a:ext uri="{FF2B5EF4-FFF2-40B4-BE49-F238E27FC236}">
-                <a16:creationId xmlns:a16="http://schemas.microsoft.com/office/drawing/2014/main" id="{D265C770-500E-4660-9CA4-BC614702CC51}"/>
-              </a:ext>
-            </a:extLst>
-          </p:cNvPr>
-          <p:cNvCxnSpPr>
-            <a:cxnSpLocks/>
-            <a:stCxn id="5" idx="4"/>
-            <a:endCxn id="8" idx="0"/>
-          </p:cNvCxnSpPr>
-          <p:nvPr/>
-        </p:nvCxnSpPr>
-        <p:spPr>
-          <a:xfrm>
-            <a:off x="2094560" y="428052"/>
-            <a:ext cx="0" cy="816080"/>
-          </a:xfrm>
-          <a:prstGeom prst="straightConnector1">
-            <a:avLst/>
-          </a:prstGeom>
-          <a:ln>
-            <a:tailEnd type="triangle"/>
-          </a:ln>
-        </p:spPr>
-        <p:style>
-          <a:lnRef idx="1">
-            <a:schemeClr val="dk1"/>
-          </a:lnRef>
-          <a:fillRef idx="0">
-            <a:schemeClr val="dk1"/>
-          </a:fillRef>
-          <a:effectRef idx="0">
-            <a:schemeClr val="dk1"/>
-          </a:effectRef>
-          <a:fontRef idx="minor">
-            <a:schemeClr val="tx1"/>
-          </a:fontRef>
-        </p:style>
-      </p:cxnSp>
-      <p:sp>
-        <p:nvSpPr>
-          <p:cNvPr id="8" name="Retângulo: Cantos Arredondados 7">
-            <a:extLst>
-              <a:ext uri="{FF2B5EF4-FFF2-40B4-BE49-F238E27FC236}">
-                <a16:creationId xmlns:a16="http://schemas.microsoft.com/office/drawing/2014/main" id="{C25D8FE3-3A01-4FD1-92A8-EA12A2BFABBE}"/>
-              </a:ext>
-            </a:extLst>
-          </p:cNvPr>
-          <p:cNvSpPr/>
-          <p:nvPr/>
-        </p:nvSpPr>
-        <p:spPr>
-          <a:xfrm>
-            <a:off x="1533173" y="1244132"/>
-            <a:ext cx="1122774" cy="514348"/>
-          </a:xfrm>
-          <a:prstGeom prst="roundRect">
-            <a:avLst/>
-          </a:prstGeom>
-        </p:spPr>
-        <p:style>
-          <a:lnRef idx="2">
-            <a:schemeClr val="dk1"/>
-          </a:lnRef>
-          <a:fillRef idx="1">
-            <a:schemeClr val="lt1"/>
-          </a:fillRef>
-          <a:effectRef idx="0">
-            <a:schemeClr val="dk1"/>
-          </a:effectRef>
-          <a:fontRef idx="minor">
-            <a:schemeClr val="dk1"/>
-          </a:fontRef>
-        </p:style>
-        <p:txBody>
-          <a:bodyPr rtlCol="0" anchor="ctr"/>
-          <a:lstStyle/>
-          <a:p>
-            <a:pPr algn="ctr"/>
-            <a:r>
-              <a:rPr lang="pt-BR" sz="1050" dirty="0"/>
-              <a:t>Agendamento</a:t>
-            </a:r>
-          </a:p>
-          <a:p>
-            <a:pPr algn="ctr"/>
-            <a:r>
-              <a:rPr lang="pt-BR" sz="1050" dirty="0"/>
-              <a:t>realizado</a:t>
-            </a:r>
-            <a:endParaRPr lang="pt-BR" sz="1400" dirty="0"/>
-          </a:p>
-        </p:txBody>
-      </p:sp>
-      <p:sp>
-        <p:nvSpPr>
-          <p:cNvPr id="19" name="Retângulo: Cantos Arredondados 18">
-            <a:extLst>
-              <a:ext uri="{FF2B5EF4-FFF2-40B4-BE49-F238E27FC236}">
-                <a16:creationId xmlns:a16="http://schemas.microsoft.com/office/drawing/2014/main" id="{498F3909-331D-4303-9F53-8DA93F4DBEB9}"/>
-              </a:ext>
-            </a:extLst>
-          </p:cNvPr>
-          <p:cNvSpPr/>
-          <p:nvPr/>
-        </p:nvSpPr>
-        <p:spPr>
-          <a:xfrm>
-            <a:off x="5364169" y="2529598"/>
-            <a:ext cx="1122774" cy="514348"/>
-          </a:xfrm>
-          <a:prstGeom prst="roundRect">
-            <a:avLst/>
-          </a:prstGeom>
-        </p:spPr>
-        <p:style>
-          <a:lnRef idx="2">
-            <a:schemeClr val="dk1"/>
-          </a:lnRef>
-          <a:fillRef idx="1">
-            <a:schemeClr val="lt1"/>
-          </a:fillRef>
-          <a:effectRef idx="0">
-            <a:schemeClr val="dk1"/>
-          </a:effectRef>
-          <a:fontRef idx="minor">
-            <a:schemeClr val="dk1"/>
-          </a:fontRef>
-        </p:style>
-        <p:txBody>
-          <a:bodyPr rtlCol="0" anchor="ctr"/>
-          <a:lstStyle/>
-          <a:p>
-            <a:pPr algn="ctr"/>
-            <a:r>
-              <a:rPr lang="pt-BR" sz="1050" dirty="0"/>
-              <a:t>Cliente</a:t>
-            </a:r>
-          </a:p>
-          <a:p>
-            <a:pPr algn="ctr"/>
-            <a:r>
-              <a:rPr lang="pt-BR" sz="1050" dirty="0"/>
-              <a:t>aguardando</a:t>
-            </a:r>
-          </a:p>
-        </p:txBody>
-      </p:sp>
-      <p:sp>
-        <p:nvSpPr>
-          <p:cNvPr id="20" name="CaixaDeTexto 19">
-            <a:extLst>
-              <a:ext uri="{FF2B5EF4-FFF2-40B4-BE49-F238E27FC236}">
-                <a16:creationId xmlns:a16="http://schemas.microsoft.com/office/drawing/2014/main" id="{6848E0DB-95CB-4C58-9CDC-B9192724CA2B}"/>
-              </a:ext>
-            </a:extLst>
-          </p:cNvPr>
-          <p:cNvSpPr txBox="1"/>
-          <p:nvPr/>
-        </p:nvSpPr>
-        <p:spPr>
-          <a:xfrm>
-            <a:off x="3799536" y="2111069"/>
-            <a:ext cx="2018501" cy="338554"/>
-          </a:xfrm>
-          <a:prstGeom prst="rect">
-            <a:avLst/>
-          </a:prstGeom>
-          <a:noFill/>
-        </p:spPr>
-        <p:txBody>
-          <a:bodyPr wrap="none" rtlCol="0">
-            <a:spAutoFit/>
-          </a:bodyPr>
-          <a:lstStyle/>
-          <a:p>
-            <a:pPr algn="ctr"/>
-            <a:r>
-              <a:rPr lang="pt-BR" sz="800" dirty="0">
-                <a:latin typeface="Arial" panose="020B0604020202020204" pitchFamily="34" charset="0"/>
-                <a:cs typeface="Arial" panose="020B0604020202020204" pitchFamily="34" charset="0"/>
-              </a:rPr>
-              <a:t>2 - Cliente avisa a sua chegada</a:t>
-            </a:r>
-          </a:p>
-          <a:p>
-            <a:pPr algn="ctr"/>
-            <a:r>
-              <a:rPr lang="pt-BR" sz="800" dirty="0">
-                <a:latin typeface="Arial" panose="020B0604020202020204" pitchFamily="34" charset="0"/>
-                <a:cs typeface="Arial" panose="020B0604020202020204" pitchFamily="34" charset="0"/>
-              </a:rPr>
-              <a:t>/&lt;&lt;</a:t>
-            </a:r>
-            <a:r>
-              <a:rPr lang="pt-BR" sz="800" dirty="0" err="1">
-                <a:latin typeface="Arial" panose="020B0604020202020204" pitchFamily="34" charset="0"/>
-                <a:cs typeface="Arial" panose="020B0604020202020204" pitchFamily="34" charset="0"/>
-              </a:rPr>
-              <a:t>DFD_Process</a:t>
-            </a:r>
-            <a:r>
-              <a:rPr lang="pt-BR" sz="800" dirty="0">
-                <a:latin typeface="Arial" panose="020B0604020202020204" pitchFamily="34" charset="0"/>
-                <a:cs typeface="Arial" panose="020B0604020202020204" pitchFamily="34" charset="0"/>
-              </a:rPr>
-              <a:t>&gt;&gt;Recepcionar Cliente</a:t>
-            </a:r>
-            <a:endParaRPr lang="pt-BR" sz="1000" dirty="0">
-              <a:latin typeface="Arial" panose="020B0604020202020204" pitchFamily="34" charset="0"/>
-              <a:cs typeface="Arial" panose="020B0604020202020204" pitchFamily="34" charset="0"/>
-            </a:endParaRPr>
-          </a:p>
-        </p:txBody>
-      </p:sp>
-      <p:sp>
-        <p:nvSpPr>
-          <p:cNvPr id="112" name="CaixaDeTexto 111">
-            <a:extLst>
-              <a:ext uri="{FF2B5EF4-FFF2-40B4-BE49-F238E27FC236}">
-                <a16:creationId xmlns:a16="http://schemas.microsoft.com/office/drawing/2014/main" id="{3DB70D48-1E94-44E0-8B6E-A50041782014}"/>
-              </a:ext>
-            </a:extLst>
-          </p:cNvPr>
-          <p:cNvSpPr txBox="1"/>
-          <p:nvPr/>
-        </p:nvSpPr>
-        <p:spPr>
-          <a:xfrm>
-            <a:off x="7858120" y="982522"/>
-            <a:ext cx="1226618" cy="261610"/>
-          </a:xfrm>
-          <a:prstGeom prst="rect">
-            <a:avLst/>
-          </a:prstGeom>
-          <a:noFill/>
-        </p:spPr>
-        <p:txBody>
-          <a:bodyPr wrap="none" rtlCol="0">
-            <a:spAutoFit/>
-          </a:bodyPr>
-          <a:lstStyle/>
-          <a:p>
-            <a:r>
-              <a:rPr lang="pt-BR" sz="1050" dirty="0"/>
-              <a:t>Serviço cancelável</a:t>
-            </a:r>
-          </a:p>
-        </p:txBody>
-      </p:sp>
-      <p:sp>
-        <p:nvSpPr>
-          <p:cNvPr id="113" name="CaixaDeTexto 112">
-            <a:extLst>
-              <a:ext uri="{FF2B5EF4-FFF2-40B4-BE49-F238E27FC236}">
-                <a16:creationId xmlns:a16="http://schemas.microsoft.com/office/drawing/2014/main" id="{9100C512-6E11-48A4-8773-F0EFCD00F560}"/>
-              </a:ext>
-            </a:extLst>
-          </p:cNvPr>
-          <p:cNvSpPr txBox="1"/>
-          <p:nvPr/>
-        </p:nvSpPr>
-        <p:spPr>
-          <a:xfrm>
-            <a:off x="7045227" y="168971"/>
-            <a:ext cx="5092163" cy="369332"/>
-          </a:xfrm>
-          <a:prstGeom prst="rect">
-            <a:avLst/>
-          </a:prstGeom>
-          <a:noFill/>
-        </p:spPr>
-        <p:txBody>
-          <a:bodyPr wrap="none" rtlCol="0">
-            <a:spAutoFit/>
-          </a:bodyPr>
-          <a:lstStyle/>
-          <a:p>
-            <a:r>
-              <a:rPr lang="pt-BR" dirty="0">
-                <a:solidFill>
-                  <a:srgbClr val="002060"/>
-                </a:solidFill>
-              </a:rPr>
-              <a:t>Ciclo de Vida do Depósito de Dados “agendamento”.</a:t>
-            </a:r>
-          </a:p>
-        </p:txBody>
-      </p:sp>
-      <p:cxnSp>
-        <p:nvCxnSpPr>
-          <p:cNvPr id="44" name="Conector de Seta Reta 43">
-            <a:extLst>
-              <a:ext uri="{FF2B5EF4-FFF2-40B4-BE49-F238E27FC236}">
-                <a16:creationId xmlns:a16="http://schemas.microsoft.com/office/drawing/2014/main" id="{729CED72-4D48-4C26-AD47-81B4A955D3FD}"/>
-              </a:ext>
-            </a:extLst>
-          </p:cNvPr>
-          <p:cNvCxnSpPr>
-            <a:cxnSpLocks/>
-            <a:stCxn id="19" idx="2"/>
-          </p:cNvCxnSpPr>
-          <p:nvPr/>
-        </p:nvCxnSpPr>
-        <p:spPr>
-          <a:xfrm>
-            <a:off x="5925556" y="3043946"/>
-            <a:ext cx="0" cy="516062"/>
-          </a:xfrm>
-          <a:prstGeom prst="straightConnector1">
-            <a:avLst/>
-          </a:prstGeom>
-          <a:ln>
-            <a:tailEnd type="triangle"/>
-          </a:ln>
-        </p:spPr>
-        <p:style>
-          <a:lnRef idx="1">
-            <a:schemeClr val="dk1"/>
-          </a:lnRef>
-          <a:fillRef idx="0">
-            <a:schemeClr val="dk1"/>
-          </a:fillRef>
-          <a:effectRef idx="0">
-            <a:schemeClr val="dk1"/>
-          </a:effectRef>
-          <a:fontRef idx="minor">
-            <a:schemeClr val="tx1"/>
-          </a:fontRef>
-        </p:style>
-      </p:cxnSp>
-      <p:cxnSp>
-        <p:nvCxnSpPr>
-          <p:cNvPr id="49" name="Conector de Seta Reta 48">
-            <a:extLst>
-              <a:ext uri="{FF2B5EF4-FFF2-40B4-BE49-F238E27FC236}">
-                <a16:creationId xmlns:a16="http://schemas.microsoft.com/office/drawing/2014/main" id="{75881D80-1FE9-4FA7-A18D-02DAD9BAEFD2}"/>
-              </a:ext>
-            </a:extLst>
-          </p:cNvPr>
-          <p:cNvCxnSpPr>
-            <a:cxnSpLocks/>
-            <a:endCxn id="51" idx="3"/>
-          </p:cNvCxnSpPr>
-          <p:nvPr/>
-        </p:nvCxnSpPr>
-        <p:spPr>
-          <a:xfrm flipH="1">
-            <a:off x="2626613" y="3817182"/>
-            <a:ext cx="2737556" cy="1554"/>
-          </a:xfrm>
-          <a:prstGeom prst="straightConnector1">
-            <a:avLst/>
-          </a:prstGeom>
-          <a:ln>
-            <a:tailEnd type="triangle"/>
-          </a:ln>
-        </p:spPr>
-        <p:style>
-          <a:lnRef idx="1">
-            <a:schemeClr val="dk1"/>
-          </a:lnRef>
-          <a:fillRef idx="0">
-            <a:schemeClr val="dk1"/>
-          </a:fillRef>
-          <a:effectRef idx="0">
-            <a:schemeClr val="dk1"/>
-          </a:effectRef>
-          <a:fontRef idx="minor">
-            <a:schemeClr val="tx1"/>
-          </a:fontRef>
-        </p:style>
-      </p:cxnSp>
-      <p:sp>
-        <p:nvSpPr>
-          <p:cNvPr id="51" name="Retângulo: Cantos Arredondados 50">
-            <a:extLst>
-              <a:ext uri="{FF2B5EF4-FFF2-40B4-BE49-F238E27FC236}">
-                <a16:creationId xmlns:a16="http://schemas.microsoft.com/office/drawing/2014/main" id="{8977D6F2-67C4-4CC3-9A07-D0CCB3650B64}"/>
-              </a:ext>
-            </a:extLst>
-          </p:cNvPr>
-          <p:cNvSpPr/>
-          <p:nvPr/>
-        </p:nvSpPr>
-        <p:spPr>
-          <a:xfrm>
-            <a:off x="1503839" y="3561562"/>
-            <a:ext cx="1122774" cy="514348"/>
-          </a:xfrm>
-          <a:prstGeom prst="roundRect">
-            <a:avLst/>
-          </a:prstGeom>
-        </p:spPr>
-        <p:style>
-          <a:lnRef idx="2">
-            <a:schemeClr val="dk1"/>
-          </a:lnRef>
-          <a:fillRef idx="1">
-            <a:schemeClr val="lt1"/>
-          </a:fillRef>
-          <a:effectRef idx="0">
-            <a:schemeClr val="dk1"/>
-          </a:effectRef>
-          <a:fontRef idx="minor">
-            <a:schemeClr val="dk1"/>
-          </a:fontRef>
-        </p:style>
-        <p:txBody>
-          <a:bodyPr rtlCol="0" anchor="ctr"/>
-          <a:lstStyle/>
-          <a:p>
-            <a:pPr algn="ctr"/>
-            <a:r>
-              <a:rPr lang="pt-BR" sz="1050" dirty="0"/>
-              <a:t>Setor de Corte</a:t>
-            </a:r>
-          </a:p>
-          <a:p>
-            <a:pPr algn="ctr"/>
-            <a:r>
-              <a:rPr lang="pt-BR" sz="1050" dirty="0"/>
-              <a:t>Recebeu aviso</a:t>
-            </a:r>
-            <a:endParaRPr lang="pt-BR" sz="1200" dirty="0"/>
-          </a:p>
-        </p:txBody>
-      </p:sp>
-      <p:sp>
-        <p:nvSpPr>
-          <p:cNvPr id="54" name="CaixaDeTexto 53">
-            <a:extLst>
-              <a:ext uri="{FF2B5EF4-FFF2-40B4-BE49-F238E27FC236}">
-                <a16:creationId xmlns:a16="http://schemas.microsoft.com/office/drawing/2014/main" id="{67C0DFF7-D1AA-47A9-88D3-4764255A9703}"/>
-              </a:ext>
-            </a:extLst>
-          </p:cNvPr>
-          <p:cNvSpPr txBox="1"/>
-          <p:nvPr/>
-        </p:nvSpPr>
-        <p:spPr>
-          <a:xfrm>
-            <a:off x="3091434" y="3191822"/>
-            <a:ext cx="1789271" cy="646331"/>
-          </a:xfrm>
-          <a:prstGeom prst="rect">
-            <a:avLst/>
-          </a:prstGeom>
-          <a:noFill/>
-        </p:spPr>
-        <p:txBody>
-          <a:bodyPr wrap="none" rtlCol="0">
-            <a:spAutoFit/>
-          </a:bodyPr>
-          <a:lstStyle/>
-          <a:p>
-            <a:pPr algn="ctr"/>
-            <a:r>
-              <a:rPr lang="pt-BR" sz="800" dirty="0">
-                <a:latin typeface="Arial" panose="020B0604020202020204" pitchFamily="34" charset="0"/>
-                <a:cs typeface="Arial" panose="020B0604020202020204" pitchFamily="34" charset="0"/>
-              </a:rPr>
-              <a:t>4 - Corte recebe aviso de </a:t>
-            </a:r>
-          </a:p>
-          <a:p>
-            <a:pPr algn="ctr"/>
-            <a:r>
-              <a:rPr lang="pt-BR" sz="800" dirty="0">
-                <a:latin typeface="Arial" panose="020B0604020202020204" pitchFamily="34" charset="0"/>
-                <a:cs typeface="Arial" panose="020B0604020202020204" pitchFamily="34" charset="0"/>
-              </a:rPr>
-              <a:t>cliente aguardando</a:t>
-            </a:r>
-          </a:p>
-          <a:p>
-            <a:pPr algn="ctr">
-              <a:lnSpc>
-                <a:spcPct val="150000"/>
-              </a:lnSpc>
-            </a:pPr>
-            <a:r>
-              <a:rPr lang="pt-BR" sz="800" dirty="0">
-                <a:latin typeface="Arial" panose="020B0604020202020204" pitchFamily="34" charset="0"/>
-                <a:cs typeface="Arial" panose="020B0604020202020204" pitchFamily="34" charset="0"/>
-              </a:rPr>
-              <a:t>/&lt;&lt;</a:t>
-            </a:r>
-            <a:r>
-              <a:rPr lang="pt-BR" sz="800" dirty="0" err="1">
-                <a:latin typeface="Arial" panose="020B0604020202020204" pitchFamily="34" charset="0"/>
-                <a:cs typeface="Arial" panose="020B0604020202020204" pitchFamily="34" charset="0"/>
-              </a:rPr>
-              <a:t>DFD_Process</a:t>
-            </a:r>
-            <a:r>
-              <a:rPr lang="pt-BR" sz="800" dirty="0">
-                <a:latin typeface="Arial" panose="020B0604020202020204" pitchFamily="34" charset="0"/>
-                <a:cs typeface="Arial" panose="020B0604020202020204" pitchFamily="34" charset="0"/>
-              </a:rPr>
-              <a:t>&gt;&gt;Receber Aviso </a:t>
-            </a:r>
-          </a:p>
-          <a:p>
-            <a:pPr algn="ctr"/>
-            <a:r>
-              <a:rPr lang="pt-BR" sz="800" dirty="0">
-                <a:latin typeface="Arial" panose="020B0604020202020204" pitchFamily="34" charset="0"/>
-                <a:cs typeface="Arial" panose="020B0604020202020204" pitchFamily="34" charset="0"/>
-              </a:rPr>
-              <a:t>de Cliente aguardando</a:t>
-            </a:r>
-            <a:endParaRPr lang="pt-BR" sz="1000" dirty="0">
-              <a:latin typeface="Arial" panose="020B0604020202020204" pitchFamily="34" charset="0"/>
-              <a:cs typeface="Arial" panose="020B0604020202020204" pitchFamily="34" charset="0"/>
-            </a:endParaRPr>
-          </a:p>
-        </p:txBody>
-      </p:sp>
-      <p:sp>
-        <p:nvSpPr>
-          <p:cNvPr id="55" name="Retângulo: Cantos Arredondados 54">
-            <a:extLst>
-              <a:ext uri="{FF2B5EF4-FFF2-40B4-BE49-F238E27FC236}">
-                <a16:creationId xmlns:a16="http://schemas.microsoft.com/office/drawing/2014/main" id="{B8334847-DA93-47D8-A08F-4205D9403D02}"/>
-              </a:ext>
-            </a:extLst>
-          </p:cNvPr>
-          <p:cNvSpPr/>
-          <p:nvPr/>
-        </p:nvSpPr>
-        <p:spPr>
-          <a:xfrm>
-            <a:off x="1503839" y="4793181"/>
-            <a:ext cx="1122774" cy="514348"/>
-          </a:xfrm>
-          <a:prstGeom prst="roundRect">
-            <a:avLst/>
-          </a:prstGeom>
-        </p:spPr>
-        <p:style>
-          <a:lnRef idx="2">
-            <a:schemeClr val="dk1"/>
-          </a:lnRef>
-          <a:fillRef idx="1">
-            <a:schemeClr val="lt1"/>
-          </a:fillRef>
-          <a:effectRef idx="0">
-            <a:schemeClr val="dk1"/>
-          </a:effectRef>
-          <a:fontRef idx="minor">
-            <a:schemeClr val="dk1"/>
-          </a:fontRef>
-        </p:style>
-        <p:txBody>
-          <a:bodyPr rtlCol="0" anchor="ctr"/>
-          <a:lstStyle/>
-          <a:p>
-            <a:pPr algn="ctr"/>
-            <a:r>
-              <a:rPr lang="pt-BR" sz="1000" dirty="0"/>
-              <a:t>Início de atendimento</a:t>
-            </a:r>
-          </a:p>
-        </p:txBody>
-      </p:sp>
-      <p:cxnSp>
-        <p:nvCxnSpPr>
-          <p:cNvPr id="58" name="Conector de Seta Reta 57">
-            <a:extLst>
-              <a:ext uri="{FF2B5EF4-FFF2-40B4-BE49-F238E27FC236}">
-                <a16:creationId xmlns:a16="http://schemas.microsoft.com/office/drawing/2014/main" id="{7A5C0EE4-67F7-46D0-830C-76B6CBFC15D7}"/>
-              </a:ext>
-            </a:extLst>
-          </p:cNvPr>
-          <p:cNvCxnSpPr>
-            <a:cxnSpLocks/>
-            <a:stCxn id="51" idx="2"/>
-            <a:endCxn id="55" idx="0"/>
-          </p:cNvCxnSpPr>
-          <p:nvPr/>
-        </p:nvCxnSpPr>
-        <p:spPr>
-          <a:xfrm>
-            <a:off x="2065226" y="4075910"/>
-            <a:ext cx="0" cy="717271"/>
-          </a:xfrm>
-          <a:prstGeom prst="straightConnector1">
-            <a:avLst/>
-          </a:prstGeom>
-          <a:ln>
-            <a:tailEnd type="triangle"/>
-          </a:ln>
-        </p:spPr>
-        <p:style>
-          <a:lnRef idx="1">
-            <a:schemeClr val="dk1"/>
-          </a:lnRef>
-          <a:fillRef idx="0">
-            <a:schemeClr val="dk1"/>
-          </a:fillRef>
-          <a:effectRef idx="0">
-            <a:schemeClr val="dk1"/>
-          </a:effectRef>
-          <a:fontRef idx="minor">
-            <a:schemeClr val="tx1"/>
-          </a:fontRef>
-        </p:style>
-      </p:cxnSp>
-      <p:sp>
-        <p:nvSpPr>
-          <p:cNvPr id="65" name="CaixaDeTexto 64">
-            <a:extLst>
-              <a:ext uri="{FF2B5EF4-FFF2-40B4-BE49-F238E27FC236}">
-                <a16:creationId xmlns:a16="http://schemas.microsoft.com/office/drawing/2014/main" id="{4C8461B6-7475-417D-9134-F95460E73A37}"/>
-              </a:ext>
-            </a:extLst>
-          </p:cNvPr>
-          <p:cNvSpPr txBox="1"/>
-          <p:nvPr/>
-        </p:nvSpPr>
-        <p:spPr>
-          <a:xfrm>
-            <a:off x="0" y="4104417"/>
-            <a:ext cx="1834155" cy="584775"/>
-          </a:xfrm>
-          <a:prstGeom prst="rect">
-            <a:avLst/>
-          </a:prstGeom>
-          <a:noFill/>
-        </p:spPr>
-        <p:txBody>
-          <a:bodyPr wrap="none" rtlCol="0">
-            <a:spAutoFit/>
-          </a:bodyPr>
-          <a:lstStyle/>
-          <a:p>
-            <a:pPr algn="ctr"/>
-            <a:r>
-              <a:rPr lang="pt-BR" sz="800" dirty="0">
-                <a:latin typeface="Arial" panose="020B0604020202020204" pitchFamily="34" charset="0"/>
-                <a:cs typeface="Arial" panose="020B0604020202020204" pitchFamily="34" charset="0"/>
-              </a:rPr>
-              <a:t>5 - Corte convida cliente </a:t>
-            </a:r>
-          </a:p>
-          <a:p>
-            <a:pPr algn="ctr"/>
-            <a:r>
-              <a:rPr lang="pt-BR" sz="800" dirty="0">
-                <a:latin typeface="Arial" panose="020B0604020202020204" pitchFamily="34" charset="0"/>
-                <a:cs typeface="Arial" panose="020B0604020202020204" pitchFamily="34" charset="0"/>
-              </a:rPr>
-              <a:t>para atendimento</a:t>
-            </a:r>
-          </a:p>
-          <a:p>
-            <a:pPr algn="ctr"/>
-            <a:r>
-              <a:rPr lang="pt-BR" sz="800" dirty="0">
-                <a:latin typeface="Arial" panose="020B0604020202020204" pitchFamily="34" charset="0"/>
-                <a:cs typeface="Arial" panose="020B0604020202020204" pitchFamily="34" charset="0"/>
-              </a:rPr>
-              <a:t>/&lt;&lt;</a:t>
-            </a:r>
-            <a:r>
-              <a:rPr lang="pt-BR" sz="800" dirty="0" err="1">
-                <a:latin typeface="Arial" panose="020B0604020202020204" pitchFamily="34" charset="0"/>
-                <a:cs typeface="Arial" panose="020B0604020202020204" pitchFamily="34" charset="0"/>
-              </a:rPr>
-              <a:t>DFD_Process</a:t>
-            </a:r>
-            <a:r>
-              <a:rPr lang="pt-BR" sz="800" dirty="0">
-                <a:latin typeface="Arial" panose="020B0604020202020204" pitchFamily="34" charset="0"/>
-                <a:cs typeface="Arial" panose="020B0604020202020204" pitchFamily="34" charset="0"/>
-              </a:rPr>
-              <a:t>&gt;&gt;Chamar Cliente </a:t>
-            </a:r>
-          </a:p>
-          <a:p>
-            <a:pPr algn="ctr"/>
-            <a:r>
-              <a:rPr lang="pt-BR" sz="800" dirty="0">
-                <a:latin typeface="Arial" panose="020B0604020202020204" pitchFamily="34" charset="0"/>
-                <a:cs typeface="Arial" panose="020B0604020202020204" pitchFamily="34" charset="0"/>
-              </a:rPr>
-              <a:t>Para Realização Do Serviço</a:t>
-            </a:r>
-            <a:endParaRPr lang="pt-BR" sz="1000" dirty="0">
-              <a:latin typeface="Arial" panose="020B0604020202020204" pitchFamily="34" charset="0"/>
-              <a:cs typeface="Arial" panose="020B0604020202020204" pitchFamily="34" charset="0"/>
-            </a:endParaRPr>
-          </a:p>
-        </p:txBody>
-      </p:sp>
-      <p:sp>
-        <p:nvSpPr>
-          <p:cNvPr id="69" name="Retângulo: Cantos Arredondados 68">
-            <a:extLst>
-              <a:ext uri="{FF2B5EF4-FFF2-40B4-BE49-F238E27FC236}">
-                <a16:creationId xmlns:a16="http://schemas.microsoft.com/office/drawing/2014/main" id="{DA7ACD8C-63A1-4340-8389-D6CA3D606B44}"/>
-              </a:ext>
-            </a:extLst>
-          </p:cNvPr>
-          <p:cNvSpPr/>
-          <p:nvPr/>
-        </p:nvSpPr>
-        <p:spPr>
-          <a:xfrm>
-            <a:off x="1502732" y="5992773"/>
-            <a:ext cx="1122774" cy="730550"/>
-          </a:xfrm>
-          <a:prstGeom prst="roundRect">
-            <a:avLst/>
-          </a:prstGeom>
-        </p:spPr>
-        <p:style>
-          <a:lnRef idx="2">
-            <a:schemeClr val="dk1"/>
-          </a:lnRef>
-          <a:fillRef idx="1">
-            <a:schemeClr val="lt1"/>
-          </a:fillRef>
-          <a:effectRef idx="0">
-            <a:schemeClr val="dk1"/>
-          </a:effectRef>
-          <a:fontRef idx="minor">
-            <a:schemeClr val="dk1"/>
-          </a:fontRef>
-        </p:style>
-        <p:txBody>
-          <a:bodyPr rtlCol="0" anchor="ctr"/>
-          <a:lstStyle/>
-          <a:p>
-            <a:pPr algn="ctr"/>
-            <a:r>
-              <a:rPr lang="pt-BR" sz="1000" dirty="0"/>
-              <a:t>Setor de corte recebe as preferencias do cliente</a:t>
-            </a:r>
-          </a:p>
-        </p:txBody>
-      </p:sp>
-      <p:cxnSp>
-        <p:nvCxnSpPr>
-          <p:cNvPr id="71" name="Conector de Seta Reta 70">
-            <a:extLst>
-              <a:ext uri="{FF2B5EF4-FFF2-40B4-BE49-F238E27FC236}">
-                <a16:creationId xmlns:a16="http://schemas.microsoft.com/office/drawing/2014/main" id="{3738B8A5-0FD9-4818-9634-971B38B7762E}"/>
-              </a:ext>
-            </a:extLst>
-          </p:cNvPr>
-          <p:cNvCxnSpPr>
-            <a:cxnSpLocks/>
-            <a:stCxn id="55" idx="2"/>
-            <a:endCxn id="69" idx="0"/>
-          </p:cNvCxnSpPr>
-          <p:nvPr/>
-        </p:nvCxnSpPr>
-        <p:spPr>
-          <a:xfrm flipH="1">
-            <a:off x="2064119" y="5307529"/>
-            <a:ext cx="1107" cy="685244"/>
-          </a:xfrm>
-          <a:prstGeom prst="straightConnector1">
-            <a:avLst/>
-          </a:prstGeom>
-          <a:ln>
-            <a:tailEnd type="triangle"/>
-          </a:ln>
-        </p:spPr>
-        <p:style>
-          <a:lnRef idx="1">
-            <a:schemeClr val="dk1"/>
-          </a:lnRef>
-          <a:fillRef idx="0">
-            <a:schemeClr val="dk1"/>
-          </a:fillRef>
-          <a:effectRef idx="0">
-            <a:schemeClr val="dk1"/>
-          </a:effectRef>
-          <a:fontRef idx="minor">
-            <a:schemeClr val="tx1"/>
-          </a:fontRef>
-        </p:style>
-      </p:cxnSp>
-      <p:sp>
-        <p:nvSpPr>
-          <p:cNvPr id="75" name="CaixaDeTexto 74">
-            <a:extLst>
-              <a:ext uri="{FF2B5EF4-FFF2-40B4-BE49-F238E27FC236}">
-                <a16:creationId xmlns:a16="http://schemas.microsoft.com/office/drawing/2014/main" id="{B367C333-11C5-44AF-9ABB-6876F56BE0DF}"/>
-              </a:ext>
-            </a:extLst>
-          </p:cNvPr>
-          <p:cNvSpPr txBox="1"/>
-          <p:nvPr/>
-        </p:nvSpPr>
-        <p:spPr>
-          <a:xfrm>
-            <a:off x="94743" y="5408824"/>
-            <a:ext cx="1840568" cy="461665"/>
-          </a:xfrm>
-          <a:prstGeom prst="rect">
-            <a:avLst/>
-          </a:prstGeom>
-          <a:noFill/>
-        </p:spPr>
-        <p:txBody>
-          <a:bodyPr wrap="none" rtlCol="0">
-            <a:spAutoFit/>
-          </a:bodyPr>
-          <a:lstStyle/>
-          <a:p>
-            <a:pPr algn="ctr"/>
-            <a:r>
-              <a:rPr lang="pt-BR" sz="800" dirty="0">
-                <a:latin typeface="Arial" panose="020B0604020202020204" pitchFamily="34" charset="0"/>
-                <a:cs typeface="Arial" panose="020B0604020202020204" pitchFamily="34" charset="0"/>
-              </a:rPr>
-              <a:t>6 - Cliente solicita suas preferências</a:t>
-            </a:r>
-          </a:p>
-          <a:p>
-            <a:pPr algn="ctr"/>
-            <a:r>
-              <a:rPr lang="pt-BR" sz="800" dirty="0">
-                <a:latin typeface="Arial" panose="020B0604020202020204" pitchFamily="34" charset="0"/>
-                <a:cs typeface="Arial" panose="020B0604020202020204" pitchFamily="34" charset="0"/>
-              </a:rPr>
-              <a:t>/&lt;&lt;</a:t>
-            </a:r>
-            <a:r>
-              <a:rPr lang="pt-BR" sz="800" dirty="0" err="1">
-                <a:latin typeface="Arial" panose="020B0604020202020204" pitchFamily="34" charset="0"/>
-                <a:cs typeface="Arial" panose="020B0604020202020204" pitchFamily="34" charset="0"/>
-              </a:rPr>
-              <a:t>DFD_Process</a:t>
-            </a:r>
-            <a:r>
-              <a:rPr lang="pt-BR" sz="800" dirty="0">
-                <a:latin typeface="Arial" panose="020B0604020202020204" pitchFamily="34" charset="0"/>
-                <a:cs typeface="Arial" panose="020B0604020202020204" pitchFamily="34" charset="0"/>
-              </a:rPr>
-              <a:t>&gt;&gt;</a:t>
-            </a:r>
-          </a:p>
-          <a:p>
-            <a:pPr algn="ctr"/>
-            <a:r>
-              <a:rPr lang="pt-BR" sz="800" dirty="0">
-                <a:latin typeface="Arial" panose="020B0604020202020204" pitchFamily="34" charset="0"/>
-                <a:cs typeface="Arial" panose="020B0604020202020204" pitchFamily="34" charset="0"/>
-              </a:rPr>
-              <a:t>Realizar Serviço</a:t>
-            </a:r>
-            <a:endParaRPr lang="pt-BR" sz="1000" dirty="0">
-              <a:latin typeface="Arial" panose="020B0604020202020204" pitchFamily="34" charset="0"/>
-              <a:cs typeface="Arial" panose="020B0604020202020204" pitchFamily="34" charset="0"/>
-            </a:endParaRPr>
-          </a:p>
-        </p:txBody>
-      </p:sp>
-      <p:cxnSp>
-        <p:nvCxnSpPr>
-          <p:cNvPr id="77" name="Conector de Seta Reta 76">
-            <a:extLst>
-              <a:ext uri="{FF2B5EF4-FFF2-40B4-BE49-F238E27FC236}">
-                <a16:creationId xmlns:a16="http://schemas.microsoft.com/office/drawing/2014/main" id="{86905AC1-2922-43C0-A4FA-60C9A853A582}"/>
-              </a:ext>
-            </a:extLst>
-          </p:cNvPr>
-          <p:cNvCxnSpPr>
-            <a:cxnSpLocks/>
-            <a:stCxn id="69" idx="3"/>
-            <a:endCxn id="82" idx="1"/>
-          </p:cNvCxnSpPr>
-          <p:nvPr/>
-        </p:nvCxnSpPr>
-        <p:spPr>
-          <a:xfrm>
-            <a:off x="2625506" y="6358048"/>
-            <a:ext cx="2605543" cy="1245"/>
-          </a:xfrm>
-          <a:prstGeom prst="straightConnector1">
-            <a:avLst/>
-          </a:prstGeom>
-          <a:ln>
-            <a:tailEnd type="triangle"/>
-          </a:ln>
-        </p:spPr>
-        <p:style>
-          <a:lnRef idx="1">
-            <a:schemeClr val="dk1"/>
-          </a:lnRef>
-          <a:fillRef idx="0">
-            <a:schemeClr val="dk1"/>
-          </a:fillRef>
-          <a:effectRef idx="0">
-            <a:schemeClr val="dk1"/>
-          </a:effectRef>
-          <a:fontRef idx="minor">
-            <a:schemeClr val="tx1"/>
-          </a:fontRef>
-        </p:style>
-      </p:cxnSp>
-      <p:sp>
-        <p:nvSpPr>
-          <p:cNvPr id="81" name="CaixaDeTexto 80">
-            <a:extLst>
-              <a:ext uri="{FF2B5EF4-FFF2-40B4-BE49-F238E27FC236}">
-                <a16:creationId xmlns:a16="http://schemas.microsoft.com/office/drawing/2014/main" id="{7500C041-23FF-424F-9B38-511427E4C6AA}"/>
-              </a:ext>
-            </a:extLst>
-          </p:cNvPr>
-          <p:cNvSpPr txBox="1"/>
-          <p:nvPr/>
-        </p:nvSpPr>
-        <p:spPr>
-          <a:xfrm>
-            <a:off x="3212548" y="5738786"/>
-            <a:ext cx="1523174" cy="584775"/>
-          </a:xfrm>
-          <a:prstGeom prst="rect">
-            <a:avLst/>
-          </a:prstGeom>
-          <a:noFill/>
-        </p:spPr>
-        <p:txBody>
-          <a:bodyPr wrap="none" rtlCol="0">
-            <a:spAutoFit/>
-          </a:bodyPr>
-          <a:lstStyle/>
-          <a:p>
-            <a:pPr algn="ctr"/>
-            <a:r>
-              <a:rPr lang="pt-BR" sz="800" dirty="0">
-                <a:latin typeface="Arial" panose="020B0604020202020204" pitchFamily="34" charset="0"/>
-                <a:cs typeface="Arial" panose="020B0604020202020204" pitchFamily="34" charset="0"/>
-              </a:rPr>
-              <a:t>7 - Cliente passa o feedback </a:t>
-            </a:r>
-          </a:p>
-          <a:p>
-            <a:pPr algn="ctr"/>
-            <a:r>
-              <a:rPr lang="pt-BR" sz="800" dirty="0">
-                <a:latin typeface="Arial" panose="020B0604020202020204" pitchFamily="34" charset="0"/>
-                <a:cs typeface="Arial" panose="020B0604020202020204" pitchFamily="34" charset="0"/>
-              </a:rPr>
-              <a:t>sobre o serviço</a:t>
-            </a:r>
-          </a:p>
-          <a:p>
-            <a:pPr algn="ctr"/>
-            <a:r>
-              <a:rPr lang="pt-BR" sz="800" dirty="0">
-                <a:latin typeface="Arial" panose="020B0604020202020204" pitchFamily="34" charset="0"/>
-                <a:cs typeface="Arial" panose="020B0604020202020204" pitchFamily="34" charset="0"/>
-              </a:rPr>
-              <a:t>/&lt;&lt;</a:t>
-            </a:r>
-            <a:r>
-              <a:rPr lang="pt-BR" sz="800" dirty="0" err="1">
-                <a:latin typeface="Arial" panose="020B0604020202020204" pitchFamily="34" charset="0"/>
-                <a:cs typeface="Arial" panose="020B0604020202020204" pitchFamily="34" charset="0"/>
-              </a:rPr>
-              <a:t>DFD_Process</a:t>
-            </a:r>
-            <a:r>
-              <a:rPr lang="pt-BR" sz="800" dirty="0">
-                <a:latin typeface="Arial" panose="020B0604020202020204" pitchFamily="34" charset="0"/>
-                <a:cs typeface="Arial" panose="020B0604020202020204" pitchFamily="34" charset="0"/>
-              </a:rPr>
-              <a:t>&gt;&gt;</a:t>
-            </a:r>
-          </a:p>
-          <a:p>
-            <a:pPr algn="ctr"/>
-            <a:r>
-              <a:rPr lang="pt-BR" sz="800" dirty="0">
-                <a:latin typeface="Arial" panose="020B0604020202020204" pitchFamily="34" charset="0"/>
-                <a:cs typeface="Arial" panose="020B0604020202020204" pitchFamily="34" charset="0"/>
-              </a:rPr>
-              <a:t>Tratar feedback do cliente</a:t>
-            </a:r>
-            <a:endParaRPr lang="pt-BR" sz="1000" dirty="0">
-              <a:latin typeface="Arial" panose="020B0604020202020204" pitchFamily="34" charset="0"/>
-              <a:cs typeface="Arial" panose="020B0604020202020204" pitchFamily="34" charset="0"/>
-            </a:endParaRPr>
-          </a:p>
-        </p:txBody>
-      </p:sp>
-      <p:sp>
-        <p:nvSpPr>
-          <p:cNvPr id="82" name="Retângulo: Cantos Arredondados 81">
-            <a:extLst>
-              <a:ext uri="{FF2B5EF4-FFF2-40B4-BE49-F238E27FC236}">
-                <a16:creationId xmlns:a16="http://schemas.microsoft.com/office/drawing/2014/main" id="{3D02BA55-B18C-466F-BDED-4AB7DB88ECC8}"/>
-              </a:ext>
-            </a:extLst>
-          </p:cNvPr>
-          <p:cNvSpPr/>
-          <p:nvPr/>
-        </p:nvSpPr>
-        <p:spPr>
-          <a:xfrm>
-            <a:off x="5231049" y="6102119"/>
-            <a:ext cx="1122774" cy="514348"/>
-          </a:xfrm>
-          <a:prstGeom prst="roundRect">
-            <a:avLst/>
-          </a:prstGeom>
-        </p:spPr>
-        <p:style>
-          <a:lnRef idx="2">
-            <a:schemeClr val="dk1"/>
-          </a:lnRef>
-          <a:fillRef idx="1">
-            <a:schemeClr val="lt1"/>
-          </a:fillRef>
-          <a:effectRef idx="0">
-            <a:schemeClr val="dk1"/>
-          </a:effectRef>
-          <a:fontRef idx="minor">
-            <a:schemeClr val="dk1"/>
-          </a:fontRef>
-        </p:style>
-        <p:txBody>
-          <a:bodyPr rtlCol="0" anchor="ctr"/>
-          <a:lstStyle/>
-          <a:p>
-            <a:pPr algn="ctr"/>
-            <a:r>
-              <a:rPr lang="pt-BR" sz="1000" dirty="0"/>
-              <a:t>Feedback do </a:t>
-            </a:r>
-          </a:p>
-          <a:p>
-            <a:pPr algn="ctr"/>
-            <a:r>
-              <a:rPr lang="pt-BR" sz="1000" dirty="0"/>
-              <a:t>cliente</a:t>
-            </a:r>
-          </a:p>
-        </p:txBody>
-      </p:sp>
-      <p:sp>
-        <p:nvSpPr>
-          <p:cNvPr id="87" name="Retângulo: Cantos Arredondados 86">
-            <a:extLst>
-              <a:ext uri="{FF2B5EF4-FFF2-40B4-BE49-F238E27FC236}">
-                <a16:creationId xmlns:a16="http://schemas.microsoft.com/office/drawing/2014/main" id="{A9CA84C2-EBD1-4861-A04C-F72039D0E311}"/>
-              </a:ext>
-            </a:extLst>
-          </p:cNvPr>
-          <p:cNvSpPr/>
-          <p:nvPr/>
-        </p:nvSpPr>
-        <p:spPr>
-          <a:xfrm>
-            <a:off x="8423630" y="6096988"/>
-            <a:ext cx="1122774" cy="514348"/>
-          </a:xfrm>
-          <a:prstGeom prst="roundRect">
-            <a:avLst/>
-          </a:prstGeom>
-        </p:spPr>
-        <p:style>
-          <a:lnRef idx="2">
-            <a:schemeClr val="dk1"/>
-          </a:lnRef>
-          <a:fillRef idx="1">
-            <a:schemeClr val="lt1"/>
-          </a:fillRef>
-          <a:effectRef idx="0">
-            <a:schemeClr val="dk1"/>
-          </a:effectRef>
-          <a:fontRef idx="minor">
-            <a:schemeClr val="dk1"/>
-          </a:fontRef>
-        </p:style>
-        <p:txBody>
-          <a:bodyPr rtlCol="0" anchor="ctr"/>
-          <a:lstStyle/>
-          <a:p>
-            <a:pPr algn="ctr"/>
-            <a:r>
-              <a:rPr lang="pt-BR" sz="1050" dirty="0"/>
-              <a:t>Finalização do</a:t>
-            </a:r>
-          </a:p>
-          <a:p>
-            <a:pPr algn="ctr"/>
-            <a:r>
-              <a:rPr lang="pt-BR" sz="1050" dirty="0"/>
-              <a:t>serviço</a:t>
-            </a:r>
-          </a:p>
-        </p:txBody>
-      </p:sp>
-      <p:sp>
-        <p:nvSpPr>
-          <p:cNvPr id="91" name="CaixaDeTexto 90">
-            <a:extLst>
-              <a:ext uri="{FF2B5EF4-FFF2-40B4-BE49-F238E27FC236}">
-                <a16:creationId xmlns:a16="http://schemas.microsoft.com/office/drawing/2014/main" id="{25735491-F1F6-49EE-B166-8FD1F6C81EA4}"/>
-              </a:ext>
-            </a:extLst>
-          </p:cNvPr>
-          <p:cNvSpPr txBox="1"/>
-          <p:nvPr/>
-        </p:nvSpPr>
-        <p:spPr>
-          <a:xfrm>
-            <a:off x="6486943" y="5773273"/>
-            <a:ext cx="1840568" cy="584775"/>
-          </a:xfrm>
-          <a:prstGeom prst="rect">
-            <a:avLst/>
-          </a:prstGeom>
-          <a:noFill/>
-        </p:spPr>
-        <p:txBody>
-          <a:bodyPr wrap="none" rtlCol="0">
-            <a:spAutoFit/>
-          </a:bodyPr>
-          <a:lstStyle/>
-          <a:p>
-            <a:pPr algn="ctr"/>
-            <a:r>
-              <a:rPr lang="pt-BR" sz="800" dirty="0">
-                <a:latin typeface="Arial" panose="020B0604020202020204" pitchFamily="34" charset="0"/>
-                <a:cs typeface="Arial" panose="020B0604020202020204" pitchFamily="34" charset="0"/>
-              </a:rPr>
-              <a:t>8 - Corte avisa o término do serviço </a:t>
-            </a:r>
-          </a:p>
-          <a:p>
-            <a:pPr algn="ctr"/>
-            <a:r>
-              <a:rPr lang="pt-BR" sz="800" dirty="0">
-                <a:latin typeface="Arial" panose="020B0604020202020204" pitchFamily="34" charset="0"/>
-                <a:cs typeface="Arial" panose="020B0604020202020204" pitchFamily="34" charset="0"/>
-              </a:rPr>
-              <a:t>para a recepção</a:t>
-            </a:r>
-          </a:p>
-          <a:p>
-            <a:pPr algn="ctr"/>
-            <a:r>
-              <a:rPr lang="pt-BR" sz="800" dirty="0">
-                <a:latin typeface="Arial" panose="020B0604020202020204" pitchFamily="34" charset="0"/>
-                <a:cs typeface="Arial" panose="020B0604020202020204" pitchFamily="34" charset="0"/>
-              </a:rPr>
-              <a:t>/&lt;&lt;</a:t>
-            </a:r>
-            <a:r>
-              <a:rPr lang="pt-BR" sz="800" dirty="0" err="1">
-                <a:latin typeface="Arial" panose="020B0604020202020204" pitchFamily="34" charset="0"/>
-                <a:cs typeface="Arial" panose="020B0604020202020204" pitchFamily="34" charset="0"/>
-              </a:rPr>
-              <a:t>DFD_Process</a:t>
-            </a:r>
-            <a:r>
-              <a:rPr lang="pt-BR" sz="800" dirty="0">
-                <a:latin typeface="Arial" panose="020B0604020202020204" pitchFamily="34" charset="0"/>
-                <a:cs typeface="Arial" panose="020B0604020202020204" pitchFamily="34" charset="0"/>
-              </a:rPr>
-              <a:t>&gt;&gt;</a:t>
-            </a:r>
-          </a:p>
-          <a:p>
-            <a:pPr algn="ctr"/>
-            <a:r>
-              <a:rPr lang="pt-BR" sz="800" dirty="0">
-                <a:latin typeface="Arial" panose="020B0604020202020204" pitchFamily="34" charset="0"/>
-                <a:cs typeface="Arial" panose="020B0604020202020204" pitchFamily="34" charset="0"/>
-              </a:rPr>
-              <a:t>Preparar Fechamento Do Serviço</a:t>
-            </a:r>
-            <a:endParaRPr lang="pt-BR" sz="1000" dirty="0">
-              <a:latin typeface="Arial" panose="020B0604020202020204" pitchFamily="34" charset="0"/>
-              <a:cs typeface="Arial" panose="020B0604020202020204" pitchFamily="34" charset="0"/>
-            </a:endParaRPr>
-          </a:p>
-        </p:txBody>
-      </p:sp>
-      <p:cxnSp>
-        <p:nvCxnSpPr>
-          <p:cNvPr id="92" name="Conector de Seta Reta 91">
-            <a:extLst>
-              <a:ext uri="{FF2B5EF4-FFF2-40B4-BE49-F238E27FC236}">
-                <a16:creationId xmlns:a16="http://schemas.microsoft.com/office/drawing/2014/main" id="{C996CB10-6733-4026-B61D-3BE8C24F92E5}"/>
-              </a:ext>
-            </a:extLst>
-          </p:cNvPr>
-          <p:cNvCxnSpPr>
-            <a:cxnSpLocks/>
-            <a:stCxn id="82" idx="3"/>
-            <a:endCxn id="87" idx="1"/>
-          </p:cNvCxnSpPr>
-          <p:nvPr/>
-        </p:nvCxnSpPr>
-        <p:spPr>
-          <a:xfrm flipV="1">
-            <a:off x="6353823" y="6354162"/>
-            <a:ext cx="2069807" cy="5131"/>
-          </a:xfrm>
-          <a:prstGeom prst="straightConnector1">
-            <a:avLst/>
-          </a:prstGeom>
-          <a:ln>
-            <a:tailEnd type="triangle"/>
-          </a:ln>
-        </p:spPr>
-        <p:style>
-          <a:lnRef idx="1">
-            <a:schemeClr val="dk1"/>
-          </a:lnRef>
-          <a:fillRef idx="0">
-            <a:schemeClr val="dk1"/>
-          </a:fillRef>
-          <a:effectRef idx="0">
-            <a:schemeClr val="dk1"/>
-          </a:effectRef>
-          <a:fontRef idx="minor">
-            <a:schemeClr val="tx1"/>
-          </a:fontRef>
-        </p:style>
-      </p:cxnSp>
-      <p:cxnSp>
-        <p:nvCxnSpPr>
-          <p:cNvPr id="76" name="Conector: Angulado 75">
-            <a:extLst>
-              <a:ext uri="{FF2B5EF4-FFF2-40B4-BE49-F238E27FC236}">
-                <a16:creationId xmlns:a16="http://schemas.microsoft.com/office/drawing/2014/main" id="{9D39487C-7509-4B4D-86B3-7375E2F58BF8}"/>
-              </a:ext>
-            </a:extLst>
-          </p:cNvPr>
-          <p:cNvCxnSpPr>
-            <a:cxnSpLocks/>
-            <a:stCxn id="87" idx="0"/>
-            <a:endCxn id="55" idx="3"/>
-          </p:cNvCxnSpPr>
-          <p:nvPr/>
-        </p:nvCxnSpPr>
-        <p:spPr>
-          <a:xfrm rot="16200000" flipV="1">
-            <a:off x="5282499" y="2394470"/>
-            <a:ext cx="1046633" cy="6358404"/>
-          </a:xfrm>
-          <a:prstGeom prst="bentConnector2">
-            <a:avLst/>
-          </a:prstGeom>
-          <a:ln>
-            <a:tailEnd type="triangle"/>
-          </a:ln>
-        </p:spPr>
-        <p:style>
-          <a:lnRef idx="1">
-            <a:schemeClr val="dk1"/>
-          </a:lnRef>
-          <a:fillRef idx="0">
-            <a:schemeClr val="dk1"/>
-          </a:fillRef>
-          <a:effectRef idx="0">
-            <a:schemeClr val="dk1"/>
-          </a:effectRef>
-          <a:fontRef idx="minor">
-            <a:schemeClr val="tx1"/>
-          </a:fontRef>
-        </p:style>
-      </p:cxnSp>
-      <p:sp>
-        <p:nvSpPr>
-          <p:cNvPr id="102" name="CaixaDeTexto 101">
-            <a:extLst>
-              <a:ext uri="{FF2B5EF4-FFF2-40B4-BE49-F238E27FC236}">
-                <a16:creationId xmlns:a16="http://schemas.microsoft.com/office/drawing/2014/main" id="{4E80D508-8198-46DA-845C-5FDBCE5C486A}"/>
-              </a:ext>
-            </a:extLst>
-          </p:cNvPr>
-          <p:cNvSpPr txBox="1"/>
-          <p:nvPr/>
-        </p:nvSpPr>
-        <p:spPr>
-          <a:xfrm>
-            <a:off x="4690663" y="4667653"/>
-            <a:ext cx="2203546" cy="338554"/>
-          </a:xfrm>
-          <a:prstGeom prst="rect">
-            <a:avLst/>
-          </a:prstGeom>
-          <a:noFill/>
-        </p:spPr>
-        <p:txBody>
-          <a:bodyPr wrap="square" rtlCol="0">
-            <a:spAutoFit/>
-          </a:bodyPr>
-          <a:lstStyle/>
-          <a:p>
-            <a:pPr algn="ctr"/>
-            <a:r>
-              <a:rPr lang="pt-BR" sz="800" dirty="0">
-                <a:latin typeface="Arial" panose="020B0604020202020204" pitchFamily="34" charset="0"/>
-                <a:cs typeface="Arial" panose="020B0604020202020204" pitchFamily="34" charset="0"/>
-              </a:rPr>
-              <a:t>6 - Cliente solicita suas preferências</a:t>
-            </a:r>
-          </a:p>
-          <a:p>
-            <a:pPr algn="ctr"/>
-            <a:r>
-              <a:rPr lang="pt-BR" sz="800" dirty="0">
-                <a:latin typeface="Arial" panose="020B0604020202020204" pitchFamily="34" charset="0"/>
-                <a:cs typeface="Arial" panose="020B0604020202020204" pitchFamily="34" charset="0"/>
-              </a:rPr>
-              <a:t>/&lt;&lt;</a:t>
-            </a:r>
-            <a:r>
-              <a:rPr lang="pt-BR" sz="800" dirty="0" err="1">
-                <a:latin typeface="Arial" panose="020B0604020202020204" pitchFamily="34" charset="0"/>
-                <a:cs typeface="Arial" panose="020B0604020202020204" pitchFamily="34" charset="0"/>
-              </a:rPr>
-              <a:t>DFD_Process</a:t>
-            </a:r>
-            <a:r>
-              <a:rPr lang="pt-BR" sz="800" dirty="0">
-                <a:latin typeface="Arial" panose="020B0604020202020204" pitchFamily="34" charset="0"/>
-                <a:cs typeface="Arial" panose="020B0604020202020204" pitchFamily="34" charset="0"/>
-              </a:rPr>
-              <a:t>&gt;&gt;Realizar Serviço</a:t>
-            </a:r>
-            <a:endParaRPr lang="pt-BR" sz="1000" dirty="0">
-              <a:latin typeface="Arial" panose="020B0604020202020204" pitchFamily="34" charset="0"/>
-              <a:cs typeface="Arial" panose="020B0604020202020204" pitchFamily="34" charset="0"/>
-            </a:endParaRPr>
-          </a:p>
-        </p:txBody>
-      </p:sp>
-      <p:sp>
-        <p:nvSpPr>
-          <p:cNvPr id="107" name="CaixaDeTexto 106">
-            <a:extLst>
-              <a:ext uri="{FF2B5EF4-FFF2-40B4-BE49-F238E27FC236}">
-                <a16:creationId xmlns:a16="http://schemas.microsoft.com/office/drawing/2014/main" id="{5CF2BDCB-FF68-418F-AA4D-CB40530102F1}"/>
-              </a:ext>
-            </a:extLst>
-          </p:cNvPr>
-          <p:cNvSpPr txBox="1"/>
-          <p:nvPr/>
-        </p:nvSpPr>
-        <p:spPr>
-          <a:xfrm>
-            <a:off x="9601574" y="5797012"/>
-            <a:ext cx="1628971" cy="461665"/>
-          </a:xfrm>
-          <a:prstGeom prst="rect">
-            <a:avLst/>
-          </a:prstGeom>
-          <a:noFill/>
-        </p:spPr>
-        <p:txBody>
-          <a:bodyPr wrap="none" rtlCol="0">
-            <a:spAutoFit/>
-          </a:bodyPr>
-          <a:lstStyle/>
-          <a:p>
-            <a:pPr algn="ctr"/>
-            <a:r>
-              <a:rPr lang="pt-BR" sz="800" dirty="0">
-                <a:latin typeface="Arial" panose="020B0604020202020204" pitchFamily="34" charset="0"/>
-                <a:cs typeface="Arial" panose="020B0604020202020204" pitchFamily="34" charset="0"/>
-              </a:rPr>
-              <a:t>9 - Cliente solicita valor a pagar</a:t>
-            </a:r>
-          </a:p>
-          <a:p>
-            <a:pPr algn="ctr"/>
-            <a:r>
-              <a:rPr lang="pt-BR" sz="800" dirty="0">
-                <a:latin typeface="Arial" panose="020B0604020202020204" pitchFamily="34" charset="0"/>
-                <a:cs typeface="Arial" panose="020B0604020202020204" pitchFamily="34" charset="0"/>
-              </a:rPr>
-              <a:t>/&lt;&lt;</a:t>
-            </a:r>
-            <a:r>
-              <a:rPr lang="pt-BR" sz="800" dirty="0" err="1">
-                <a:latin typeface="Arial" panose="020B0604020202020204" pitchFamily="34" charset="0"/>
-                <a:cs typeface="Arial" panose="020B0604020202020204" pitchFamily="34" charset="0"/>
-              </a:rPr>
-              <a:t>DFD_Process</a:t>
-            </a:r>
-            <a:r>
-              <a:rPr lang="pt-BR" sz="800" dirty="0">
-                <a:latin typeface="Arial" panose="020B0604020202020204" pitchFamily="34" charset="0"/>
-                <a:cs typeface="Arial" panose="020B0604020202020204" pitchFamily="34" charset="0"/>
-              </a:rPr>
-              <a:t>&gt;&gt;</a:t>
-            </a:r>
-          </a:p>
-          <a:p>
-            <a:pPr algn="ctr"/>
-            <a:r>
-              <a:rPr lang="pt-BR" sz="800" dirty="0">
-                <a:latin typeface="Arial" panose="020B0604020202020204" pitchFamily="34" charset="0"/>
-                <a:cs typeface="Arial" panose="020B0604020202020204" pitchFamily="34" charset="0"/>
-              </a:rPr>
-              <a:t>Informar Valor Total do Serviço</a:t>
-            </a:r>
-            <a:endParaRPr lang="pt-BR" sz="1000" dirty="0">
-              <a:latin typeface="Arial" panose="020B0604020202020204" pitchFamily="34" charset="0"/>
-              <a:cs typeface="Arial" panose="020B0604020202020204" pitchFamily="34" charset="0"/>
-            </a:endParaRPr>
-          </a:p>
-        </p:txBody>
-      </p:sp>
-      <p:sp>
-        <p:nvSpPr>
-          <p:cNvPr id="108" name="Fluxograma: Conector 107">
-            <a:extLst>
-              <a:ext uri="{FF2B5EF4-FFF2-40B4-BE49-F238E27FC236}">
-                <a16:creationId xmlns:a16="http://schemas.microsoft.com/office/drawing/2014/main" id="{79F2D575-21C5-406B-979D-EB90D5BF514A}"/>
-              </a:ext>
-            </a:extLst>
-          </p:cNvPr>
-          <p:cNvSpPr/>
-          <p:nvPr/>
-        </p:nvSpPr>
-        <p:spPr>
-          <a:xfrm>
-            <a:off x="11497452" y="6163369"/>
-            <a:ext cx="243491" cy="238546"/>
-          </a:xfrm>
-          <a:prstGeom prst="flowChartConnector">
-            <a:avLst/>
-          </a:prstGeom>
-        </p:spPr>
-        <p:style>
-          <a:lnRef idx="2">
-            <a:schemeClr val="dk1">
-              <a:shade val="50000"/>
-            </a:schemeClr>
-          </a:lnRef>
-          <a:fillRef idx="1">
-            <a:schemeClr val="dk1"/>
-          </a:fillRef>
-          <a:effectRef idx="0">
-            <a:schemeClr val="dk1"/>
-          </a:effectRef>
-          <a:fontRef idx="minor">
-            <a:schemeClr val="lt1"/>
-          </a:fontRef>
-        </p:style>
-        <p:txBody>
-          <a:bodyPr rtlCol="0" anchor="ctr"/>
-          <a:lstStyle/>
-          <a:p>
-            <a:pPr algn="ctr"/>
-            <a:endParaRPr lang="pt-BR"/>
-          </a:p>
-        </p:txBody>
-      </p:sp>
-      <p:sp>
-        <p:nvSpPr>
-          <p:cNvPr id="109" name="Fluxograma: Conector 108">
-            <a:extLst>
-              <a:ext uri="{FF2B5EF4-FFF2-40B4-BE49-F238E27FC236}">
-                <a16:creationId xmlns:a16="http://schemas.microsoft.com/office/drawing/2014/main" id="{892A1571-CF92-4C88-A91C-7B4B01806E2D}"/>
-              </a:ext>
-            </a:extLst>
-          </p:cNvPr>
-          <p:cNvSpPr/>
-          <p:nvPr/>
-        </p:nvSpPr>
-        <p:spPr>
-          <a:xfrm>
-            <a:off x="11391295" y="6066080"/>
-            <a:ext cx="455806" cy="433124"/>
-          </a:xfrm>
-          <a:prstGeom prst="flowChartConnector">
-            <a:avLst/>
-          </a:prstGeom>
-          <a:noFill/>
-        </p:spPr>
-        <p:style>
-          <a:lnRef idx="2">
-            <a:schemeClr val="dk1"/>
-          </a:lnRef>
-          <a:fillRef idx="1">
-            <a:schemeClr val="lt1"/>
-          </a:fillRef>
-          <a:effectRef idx="0">
-            <a:schemeClr val="dk1"/>
-          </a:effectRef>
-          <a:fontRef idx="minor">
-            <a:schemeClr val="dk1"/>
-          </a:fontRef>
-        </p:style>
-        <p:txBody>
-          <a:bodyPr rtlCol="0" anchor="ctr"/>
-          <a:lstStyle/>
-          <a:p>
-            <a:pPr algn="ctr"/>
-            <a:endParaRPr lang="pt-BR"/>
-          </a:p>
-        </p:txBody>
-      </p:sp>
-      <p:sp>
-        <p:nvSpPr>
-          <p:cNvPr id="110" name="CaixaDeTexto 109">
-            <a:extLst>
-              <a:ext uri="{FF2B5EF4-FFF2-40B4-BE49-F238E27FC236}">
-                <a16:creationId xmlns:a16="http://schemas.microsoft.com/office/drawing/2014/main" id="{D3A276BB-D5D3-484F-B551-3940D5D72597}"/>
-              </a:ext>
-            </a:extLst>
-          </p:cNvPr>
-          <p:cNvSpPr txBox="1"/>
-          <p:nvPr/>
-        </p:nvSpPr>
-        <p:spPr>
-          <a:xfrm>
-            <a:off x="11176828" y="6497400"/>
-            <a:ext cx="878766" cy="338554"/>
-          </a:xfrm>
-          <a:prstGeom prst="rect">
-            <a:avLst/>
-          </a:prstGeom>
-          <a:noFill/>
-        </p:spPr>
-        <p:txBody>
-          <a:bodyPr wrap="none" rtlCol="0">
-            <a:spAutoFit/>
-          </a:bodyPr>
-          <a:lstStyle/>
-          <a:p>
-            <a:pPr algn="ctr"/>
-            <a:r>
-              <a:rPr lang="pt-BR" sz="800" dirty="0">
-                <a:latin typeface="Arial" panose="020B0604020202020204" pitchFamily="34" charset="0"/>
-                <a:cs typeface="Arial" panose="020B0604020202020204" pitchFamily="34" charset="0"/>
-              </a:rPr>
-              <a:t>Finalização do </a:t>
-            </a:r>
-          </a:p>
-          <a:p>
-            <a:pPr algn="ctr"/>
-            <a:r>
-              <a:rPr lang="pt-BR" sz="800" dirty="0">
-                <a:latin typeface="Arial" panose="020B0604020202020204" pitchFamily="34" charset="0"/>
-                <a:cs typeface="Arial" panose="020B0604020202020204" pitchFamily="34" charset="0"/>
-              </a:rPr>
-              <a:t>atendimento</a:t>
-            </a:r>
-            <a:endParaRPr lang="pt-BR" sz="1000" dirty="0">
-              <a:latin typeface="Arial" panose="020B0604020202020204" pitchFamily="34" charset="0"/>
-              <a:cs typeface="Arial" panose="020B0604020202020204" pitchFamily="34" charset="0"/>
-            </a:endParaRPr>
-          </a:p>
-        </p:txBody>
-      </p:sp>
-      <p:cxnSp>
-        <p:nvCxnSpPr>
-          <p:cNvPr id="111" name="Conector de Seta Reta 110">
-            <a:extLst>
-              <a:ext uri="{FF2B5EF4-FFF2-40B4-BE49-F238E27FC236}">
-                <a16:creationId xmlns:a16="http://schemas.microsoft.com/office/drawing/2014/main" id="{ECD7D36B-E0CA-4BA1-B292-D714B31A8D65}"/>
-              </a:ext>
-            </a:extLst>
-          </p:cNvPr>
-          <p:cNvCxnSpPr>
-            <a:cxnSpLocks/>
-            <a:stCxn id="87" idx="3"/>
-          </p:cNvCxnSpPr>
-          <p:nvPr/>
-        </p:nvCxnSpPr>
-        <p:spPr>
-          <a:xfrm>
-            <a:off x="9546404" y="6354162"/>
-            <a:ext cx="1684141" cy="0"/>
-          </a:xfrm>
-          <a:prstGeom prst="straightConnector1">
-            <a:avLst/>
-          </a:prstGeom>
-          <a:ln>
-            <a:tailEnd type="triangle"/>
-          </a:ln>
-        </p:spPr>
-        <p:style>
-          <a:lnRef idx="1">
-            <a:schemeClr val="dk1"/>
-          </a:lnRef>
-          <a:fillRef idx="0">
-            <a:schemeClr val="dk1"/>
-          </a:fillRef>
-          <a:effectRef idx="0">
-            <a:schemeClr val="dk1"/>
-          </a:effectRef>
-          <a:fontRef idx="minor">
-            <a:schemeClr val="tx1"/>
-          </a:fontRef>
-        </p:style>
-      </p:cxnSp>
-      <p:sp>
-        <p:nvSpPr>
-          <p:cNvPr id="50" name="Fluxograma: Decisão 49">
-            <a:extLst>
-              <a:ext uri="{FF2B5EF4-FFF2-40B4-BE49-F238E27FC236}">
-                <a16:creationId xmlns:a16="http://schemas.microsoft.com/office/drawing/2014/main" id="{C3200F14-5636-47CA-BBB0-3B31CD5540F4}"/>
-              </a:ext>
-            </a:extLst>
-          </p:cNvPr>
-          <p:cNvSpPr/>
-          <p:nvPr/>
-        </p:nvSpPr>
-        <p:spPr>
-          <a:xfrm>
-            <a:off x="5736182" y="1295815"/>
-            <a:ext cx="370617" cy="423912"/>
-          </a:xfrm>
-          <a:prstGeom prst="flowChartDecision">
-            <a:avLst/>
-          </a:prstGeom>
-          <a:ln/>
-        </p:spPr>
-        <p:style>
-          <a:lnRef idx="2">
-            <a:schemeClr val="dk1"/>
-          </a:lnRef>
-          <a:fillRef idx="1">
-            <a:schemeClr val="lt1"/>
-          </a:fillRef>
-          <a:effectRef idx="0">
-            <a:schemeClr val="dk1"/>
-          </a:effectRef>
-          <a:fontRef idx="minor">
-            <a:schemeClr val="dk1"/>
-          </a:fontRef>
-        </p:style>
-        <p:txBody>
-          <a:bodyPr rtlCol="0" anchor="ctr"/>
-          <a:lstStyle/>
-          <a:p>
-            <a:pPr algn="ctr"/>
-            <a:endParaRPr lang="pt-BR" dirty="0"/>
-          </a:p>
-        </p:txBody>
-      </p:sp>
-      <p:cxnSp>
-        <p:nvCxnSpPr>
-          <p:cNvPr id="52" name="Conector de Seta Reta 51">
-            <a:extLst>
-              <a:ext uri="{FF2B5EF4-FFF2-40B4-BE49-F238E27FC236}">
-                <a16:creationId xmlns:a16="http://schemas.microsoft.com/office/drawing/2014/main" id="{2DA68C2B-93FB-428B-BE0B-86D2640D5FB6}"/>
-              </a:ext>
-            </a:extLst>
-          </p:cNvPr>
-          <p:cNvCxnSpPr>
-            <a:cxnSpLocks/>
-            <a:stCxn id="8" idx="3"/>
-            <a:endCxn id="50" idx="1"/>
-          </p:cNvCxnSpPr>
-          <p:nvPr/>
-        </p:nvCxnSpPr>
-        <p:spPr>
-          <a:xfrm>
-            <a:off x="2655947" y="1501306"/>
-            <a:ext cx="3080235" cy="6465"/>
-          </a:xfrm>
-          <a:prstGeom prst="straightConnector1">
-            <a:avLst/>
-          </a:prstGeom>
-          <a:ln>
-            <a:tailEnd type="triangle"/>
-          </a:ln>
-        </p:spPr>
-        <p:style>
-          <a:lnRef idx="1">
-            <a:schemeClr val="dk1"/>
-          </a:lnRef>
-          <a:fillRef idx="0">
-            <a:schemeClr val="dk1"/>
-          </a:fillRef>
-          <a:effectRef idx="0">
-            <a:schemeClr val="dk1"/>
-          </a:effectRef>
-          <a:fontRef idx="minor">
-            <a:schemeClr val="tx1"/>
-          </a:fontRef>
-        </p:style>
-      </p:cxnSp>
-      <p:cxnSp>
-        <p:nvCxnSpPr>
-          <p:cNvPr id="53" name="Conector de Seta Reta 52">
-            <a:extLst>
-              <a:ext uri="{FF2B5EF4-FFF2-40B4-BE49-F238E27FC236}">
-                <a16:creationId xmlns:a16="http://schemas.microsoft.com/office/drawing/2014/main" id="{FE8E5B25-6D75-440F-8AB0-473657BA6227}"/>
-              </a:ext>
-            </a:extLst>
-          </p:cNvPr>
-          <p:cNvCxnSpPr>
-            <a:cxnSpLocks/>
-            <a:stCxn id="50" idx="2"/>
-            <a:endCxn id="19" idx="0"/>
-          </p:cNvCxnSpPr>
-          <p:nvPr/>
-        </p:nvCxnSpPr>
-        <p:spPr>
-          <a:xfrm>
-            <a:off x="5921491" y="1719727"/>
-            <a:ext cx="4065" cy="809871"/>
-          </a:xfrm>
-          <a:prstGeom prst="straightConnector1">
-            <a:avLst/>
-          </a:prstGeom>
-          <a:ln>
-            <a:tailEnd type="triangle"/>
-          </a:ln>
-        </p:spPr>
-        <p:style>
-          <a:lnRef idx="1">
-            <a:schemeClr val="dk1"/>
-          </a:lnRef>
-          <a:fillRef idx="0">
-            <a:schemeClr val="dk1"/>
-          </a:fillRef>
-          <a:effectRef idx="0">
-            <a:schemeClr val="dk1"/>
-          </a:effectRef>
-          <a:fontRef idx="minor">
-            <a:schemeClr val="tx1"/>
-          </a:fontRef>
-        </p:style>
-      </p:cxnSp>
-      <p:sp>
-        <p:nvSpPr>
-          <p:cNvPr id="88" name="Fluxograma: Conector 87">
-            <a:extLst>
-              <a:ext uri="{FF2B5EF4-FFF2-40B4-BE49-F238E27FC236}">
-                <a16:creationId xmlns:a16="http://schemas.microsoft.com/office/drawing/2014/main" id="{2A4A0A70-D21D-4E18-9A6F-BE884F267DBF}"/>
-              </a:ext>
-            </a:extLst>
-          </p:cNvPr>
-          <p:cNvSpPr/>
-          <p:nvPr/>
-        </p:nvSpPr>
-        <p:spPr>
-          <a:xfrm>
-            <a:off x="10713292" y="1422645"/>
-            <a:ext cx="243491" cy="238546"/>
-          </a:xfrm>
-          <a:prstGeom prst="flowChartConnector">
-            <a:avLst/>
-          </a:prstGeom>
-        </p:spPr>
-        <p:style>
-          <a:lnRef idx="2">
-            <a:schemeClr val="dk1">
-              <a:shade val="50000"/>
-            </a:schemeClr>
-          </a:lnRef>
-          <a:fillRef idx="1">
-            <a:schemeClr val="dk1"/>
-          </a:fillRef>
-          <a:effectRef idx="0">
-            <a:schemeClr val="dk1"/>
-          </a:effectRef>
-          <a:fontRef idx="minor">
-            <a:schemeClr val="lt1"/>
-          </a:fontRef>
-        </p:style>
-        <p:txBody>
-          <a:bodyPr rtlCol="0" anchor="ctr"/>
-          <a:lstStyle/>
-          <a:p>
-            <a:pPr algn="ctr"/>
-            <a:endParaRPr lang="pt-BR"/>
-          </a:p>
-        </p:txBody>
-      </p:sp>
-      <p:sp>
-        <p:nvSpPr>
-          <p:cNvPr id="89" name="Fluxograma: Conector 88">
-            <a:extLst>
-              <a:ext uri="{FF2B5EF4-FFF2-40B4-BE49-F238E27FC236}">
-                <a16:creationId xmlns:a16="http://schemas.microsoft.com/office/drawing/2014/main" id="{F78F6EE7-5783-4AA4-9F36-959E96B7C82F}"/>
-              </a:ext>
-            </a:extLst>
-          </p:cNvPr>
-          <p:cNvSpPr/>
-          <p:nvPr/>
-        </p:nvSpPr>
-        <p:spPr>
-          <a:xfrm>
-            <a:off x="10607135" y="1325356"/>
-            <a:ext cx="455806" cy="433124"/>
-          </a:xfrm>
-          <a:prstGeom prst="flowChartConnector">
-            <a:avLst/>
-          </a:prstGeom>
-          <a:noFill/>
-        </p:spPr>
-        <p:style>
-          <a:lnRef idx="2">
-            <a:schemeClr val="dk1"/>
-          </a:lnRef>
-          <a:fillRef idx="1">
-            <a:schemeClr val="lt1"/>
-          </a:fillRef>
-          <a:effectRef idx="0">
-            <a:schemeClr val="dk1"/>
-          </a:effectRef>
-          <a:fontRef idx="minor">
-            <a:schemeClr val="dk1"/>
-          </a:fontRef>
-        </p:style>
-        <p:txBody>
-          <a:bodyPr rtlCol="0" anchor="ctr"/>
-          <a:lstStyle/>
-          <a:p>
-            <a:pPr algn="ctr"/>
-            <a:endParaRPr lang="pt-BR"/>
-          </a:p>
-        </p:txBody>
-      </p:sp>
-      <p:sp>
-        <p:nvSpPr>
-          <p:cNvPr id="90" name="CaixaDeTexto 89">
-            <a:extLst>
-              <a:ext uri="{FF2B5EF4-FFF2-40B4-BE49-F238E27FC236}">
-                <a16:creationId xmlns:a16="http://schemas.microsoft.com/office/drawing/2014/main" id="{B7286FDA-54DF-4BAC-8173-B20885911DAD}"/>
-              </a:ext>
-            </a:extLst>
-          </p:cNvPr>
-          <p:cNvSpPr txBox="1"/>
-          <p:nvPr/>
-        </p:nvSpPr>
-        <p:spPr>
-          <a:xfrm>
-            <a:off x="6826342" y="1575353"/>
-            <a:ext cx="2228495" cy="338554"/>
-          </a:xfrm>
-          <a:prstGeom prst="rect">
-            <a:avLst/>
-          </a:prstGeom>
-          <a:noFill/>
-        </p:spPr>
-        <p:txBody>
-          <a:bodyPr wrap="none" rtlCol="0">
-            <a:spAutoFit/>
-          </a:bodyPr>
-          <a:lstStyle/>
-          <a:p>
-            <a:pPr algn="ctr"/>
-            <a:r>
-              <a:rPr lang="pt-BR" sz="800" dirty="0">
-                <a:latin typeface="Arial" panose="020B0604020202020204" pitchFamily="34" charset="0"/>
-                <a:cs typeface="Arial" panose="020B0604020202020204" pitchFamily="34" charset="0"/>
-              </a:rPr>
-              <a:t>3 - Cliente cancela horário agendado</a:t>
-            </a:r>
-          </a:p>
-          <a:p>
-            <a:pPr algn="ctr"/>
-            <a:r>
-              <a:rPr lang="pt-BR" sz="800" dirty="0">
-                <a:latin typeface="Arial" panose="020B0604020202020204" pitchFamily="34" charset="0"/>
-                <a:cs typeface="Arial" panose="020B0604020202020204" pitchFamily="34" charset="0"/>
-              </a:rPr>
-              <a:t>/&lt;&lt;</a:t>
-            </a:r>
-            <a:r>
-              <a:rPr lang="pt-BR" sz="800" dirty="0" err="1">
-                <a:latin typeface="Arial" panose="020B0604020202020204" pitchFamily="34" charset="0"/>
-                <a:cs typeface="Arial" panose="020B0604020202020204" pitchFamily="34" charset="0"/>
-              </a:rPr>
-              <a:t>DFD_Process</a:t>
-            </a:r>
-            <a:r>
-              <a:rPr lang="pt-BR" sz="800" dirty="0">
-                <a:latin typeface="Arial" panose="020B0604020202020204" pitchFamily="34" charset="0"/>
-                <a:cs typeface="Arial" panose="020B0604020202020204" pitchFamily="34" charset="0"/>
-              </a:rPr>
-              <a:t>&gt;&gt;Pedido de cancelamento</a:t>
-            </a:r>
-            <a:endParaRPr lang="pt-BR" sz="1000" dirty="0">
-              <a:latin typeface="Arial" panose="020B0604020202020204" pitchFamily="34" charset="0"/>
-              <a:cs typeface="Arial" panose="020B0604020202020204" pitchFamily="34" charset="0"/>
-            </a:endParaRPr>
-          </a:p>
-        </p:txBody>
-      </p:sp>
-      <p:sp>
-        <p:nvSpPr>
-          <p:cNvPr id="93" name="CaixaDeTexto 92">
-            <a:extLst>
-              <a:ext uri="{FF2B5EF4-FFF2-40B4-BE49-F238E27FC236}">
-                <a16:creationId xmlns:a16="http://schemas.microsoft.com/office/drawing/2014/main" id="{F94AE27C-FD4B-437F-B43E-54383FA18400}"/>
-              </a:ext>
-            </a:extLst>
-          </p:cNvPr>
-          <p:cNvSpPr txBox="1"/>
-          <p:nvPr/>
-        </p:nvSpPr>
-        <p:spPr>
-          <a:xfrm>
-            <a:off x="10170437" y="1871750"/>
-            <a:ext cx="1329210" cy="215444"/>
-          </a:xfrm>
-          <a:prstGeom prst="rect">
-            <a:avLst/>
-          </a:prstGeom>
-          <a:noFill/>
-        </p:spPr>
-        <p:txBody>
-          <a:bodyPr wrap="none" rtlCol="0">
-            <a:spAutoFit/>
-          </a:bodyPr>
-          <a:lstStyle/>
-          <a:p>
-            <a:pPr algn="ctr"/>
-            <a:r>
-              <a:rPr lang="pt-BR" sz="800" dirty="0">
-                <a:latin typeface="Arial" panose="020B0604020202020204" pitchFamily="34" charset="0"/>
-                <a:cs typeface="Arial" panose="020B0604020202020204" pitchFamily="34" charset="0"/>
-              </a:rPr>
-              <a:t>Agendamento cancelado</a:t>
-            </a:r>
-            <a:endParaRPr lang="pt-BR" sz="1000" dirty="0">
-              <a:latin typeface="Arial" panose="020B0604020202020204" pitchFamily="34" charset="0"/>
-              <a:cs typeface="Arial" panose="020B0604020202020204" pitchFamily="34" charset="0"/>
-            </a:endParaRPr>
-          </a:p>
-        </p:txBody>
-      </p:sp>
-      <p:cxnSp>
-        <p:nvCxnSpPr>
-          <p:cNvPr id="94" name="Conector de Seta Reta 93">
-            <a:extLst>
-              <a:ext uri="{FF2B5EF4-FFF2-40B4-BE49-F238E27FC236}">
-                <a16:creationId xmlns:a16="http://schemas.microsoft.com/office/drawing/2014/main" id="{8CC3A052-7473-4D70-A937-0C6D1821C980}"/>
-              </a:ext>
-            </a:extLst>
-          </p:cNvPr>
-          <p:cNvCxnSpPr>
-            <a:cxnSpLocks/>
-            <a:stCxn id="50" idx="3"/>
-          </p:cNvCxnSpPr>
-          <p:nvPr/>
-        </p:nvCxnSpPr>
-        <p:spPr>
-          <a:xfrm>
-            <a:off x="6106799" y="1507771"/>
-            <a:ext cx="4379440" cy="0"/>
-          </a:xfrm>
-          <a:prstGeom prst="straightConnector1">
-            <a:avLst/>
-          </a:prstGeom>
-          <a:ln>
-            <a:tailEnd type="triangle"/>
-          </a:ln>
-        </p:spPr>
-        <p:style>
-          <a:lnRef idx="1">
-            <a:schemeClr val="dk1"/>
-          </a:lnRef>
-          <a:fillRef idx="0">
-            <a:schemeClr val="dk1"/>
-          </a:fillRef>
-          <a:effectRef idx="0">
-            <a:schemeClr val="dk1"/>
-          </a:effectRef>
-          <a:fontRef idx="minor">
-            <a:schemeClr val="tx1"/>
-          </a:fontRef>
-        </p:style>
-      </p:cxnSp>
-      <p:sp>
-        <p:nvSpPr>
-          <p:cNvPr id="95" name="CaixaDeTexto 94">
-            <a:extLst>
-              <a:ext uri="{FF2B5EF4-FFF2-40B4-BE49-F238E27FC236}">
-                <a16:creationId xmlns:a16="http://schemas.microsoft.com/office/drawing/2014/main" id="{CB25D832-FC3C-4A3F-ABB6-19E0810BEBF7}"/>
-              </a:ext>
-            </a:extLst>
-          </p:cNvPr>
-          <p:cNvSpPr txBox="1"/>
-          <p:nvPr/>
-        </p:nvSpPr>
-        <p:spPr>
-          <a:xfrm>
-            <a:off x="3422091" y="1232454"/>
-            <a:ext cx="1346844" cy="215444"/>
-          </a:xfrm>
-          <a:prstGeom prst="rect">
-            <a:avLst/>
-          </a:prstGeom>
-          <a:noFill/>
-        </p:spPr>
-        <p:txBody>
-          <a:bodyPr wrap="none" rtlCol="0">
-            <a:spAutoFit/>
-          </a:bodyPr>
-          <a:lstStyle/>
-          <a:p>
-            <a:pPr algn="ctr"/>
-            <a:r>
-              <a:rPr lang="pt-BR" sz="800" dirty="0">
-                <a:latin typeface="Arial" panose="020B0604020202020204" pitchFamily="34" charset="0"/>
-                <a:cs typeface="Arial" panose="020B0604020202020204" pitchFamily="34" charset="0"/>
-              </a:rPr>
-              <a:t>[agendamento concluído]</a:t>
-            </a:r>
-            <a:endParaRPr lang="pt-BR" sz="1000" dirty="0">
-              <a:latin typeface="Arial" panose="020B0604020202020204" pitchFamily="34" charset="0"/>
-              <a:cs typeface="Arial" panose="020B0604020202020204" pitchFamily="34" charset="0"/>
-            </a:endParaRPr>
-          </a:p>
-        </p:txBody>
-      </p:sp>
-    </p:spTree>
-    <p:extLst>
-      <p:ext uri="{BB962C8B-B14F-4D97-AF65-F5344CB8AC3E}">
-        <p14:creationId xmlns:p14="http://schemas.microsoft.com/office/powerpoint/2010/main" val="4109033306"/>
       </p:ext>
     </p:extLst>
   </p:cSld>

--- a/21 - Ciclo de vida.pptx
+++ b/21 - Ciclo de vida.pptx
@@ -117,12 +117,12 @@
   <pc:docChgLst>
     <pc:chgData name="Vinícius Dias" userId="24d7ff5522ff08d3" providerId="LiveId" clId="{2391BD49-116A-4AB9-ADAE-E61040C2AE46}"/>
     <pc:docChg chg="undo custSel modSld">
-      <pc:chgData name="Vinícius Dias" userId="24d7ff5522ff08d3" providerId="LiveId" clId="{2391BD49-116A-4AB9-ADAE-E61040C2AE46}" dt="2021-05-20T02:52:01.896" v="299" actId="14100"/>
+      <pc:chgData name="Vinícius Dias" userId="24d7ff5522ff08d3" providerId="LiveId" clId="{2391BD49-116A-4AB9-ADAE-E61040C2AE46}" dt="2021-06-03T21:09:36.054" v="318" actId="478"/>
       <pc:docMkLst>
         <pc:docMk/>
       </pc:docMkLst>
       <pc:sldChg chg="addSp delSp modSp mod">
-        <pc:chgData name="Vinícius Dias" userId="24d7ff5522ff08d3" providerId="LiveId" clId="{2391BD49-116A-4AB9-ADAE-E61040C2AE46}" dt="2021-05-20T02:52:01.896" v="299" actId="14100"/>
+        <pc:chgData name="Vinícius Dias" userId="24d7ff5522ff08d3" providerId="LiveId" clId="{2391BD49-116A-4AB9-ADAE-E61040C2AE46}" dt="2021-06-03T21:09:36.054" v="318" actId="478"/>
         <pc:sldMkLst>
           <pc:docMk/>
           <pc:sldMk cId="1444601931" sldId="257"/>
@@ -157,6 +157,14 @@
             <pc:docMk/>
             <pc:sldMk cId="1444601931" sldId="257"/>
             <ac:spMk id="28" creationId="{09496935-9A53-4CCD-B7F1-61E1AC86F2D4}"/>
+          </ac:spMkLst>
+        </pc:spChg>
+        <pc:spChg chg="add mod">
+          <ac:chgData name="Vinícius Dias" userId="24d7ff5522ff08d3" providerId="LiveId" clId="{2391BD49-116A-4AB9-ADAE-E61040C2AE46}" dt="2021-06-03T21:09:17.327" v="317"/>
+          <ac:spMkLst>
+            <pc:docMk/>
+            <pc:sldMk cId="1444601931" sldId="257"/>
+            <ac:spMk id="39" creationId="{2657E3F5-3A9E-4EDE-B559-0E1C34517E95}"/>
           </ac:spMkLst>
         </pc:spChg>
         <pc:spChg chg="mod">
@@ -223,6 +231,14 @@
             <ac:spMk id="64" creationId="{829A1699-5D68-42A1-A7AA-35F8C5771CE6}"/>
           </ac:spMkLst>
         </pc:spChg>
+        <pc:spChg chg="mod">
+          <ac:chgData name="Vinícius Dias" userId="24d7ff5522ff08d3" providerId="LiveId" clId="{2391BD49-116A-4AB9-ADAE-E61040C2AE46}" dt="2021-06-03T21:08:40.953" v="303" actId="20577"/>
+          <ac:spMkLst>
+            <pc:docMk/>
+            <pc:sldMk cId="1444601931" sldId="257"/>
+            <ac:spMk id="65" creationId="{4C8461B6-7475-417D-9134-F95460E73A37}"/>
+          </ac:spMkLst>
+        </pc:spChg>
         <pc:spChg chg="add del mod">
           <ac:chgData name="Vinícius Dias" userId="24d7ff5522ff08d3" providerId="LiveId" clId="{2391BD49-116A-4AB9-ADAE-E61040C2AE46}" dt="2021-05-20T02:46:16.709" v="257"/>
           <ac:spMkLst>
@@ -232,11 +248,43 @@
           </ac:spMkLst>
         </pc:spChg>
         <pc:spChg chg="mod">
+          <ac:chgData name="Vinícius Dias" userId="24d7ff5522ff08d3" providerId="LiveId" clId="{2391BD49-116A-4AB9-ADAE-E61040C2AE46}" dt="2021-06-03T21:08:43.140" v="305" actId="20577"/>
+          <ac:spMkLst>
+            <pc:docMk/>
+            <pc:sldMk cId="1444601931" sldId="257"/>
+            <ac:spMk id="75" creationId="{B367C333-11C5-44AF-9ABB-6876F56BE0DF}"/>
+          </ac:spMkLst>
+        </pc:spChg>
+        <pc:spChg chg="mod">
+          <ac:chgData name="Vinícius Dias" userId="24d7ff5522ff08d3" providerId="LiveId" clId="{2391BD49-116A-4AB9-ADAE-E61040C2AE46}" dt="2021-06-03T21:08:46.945" v="309" actId="20577"/>
+          <ac:spMkLst>
+            <pc:docMk/>
+            <pc:sldMk cId="1444601931" sldId="257"/>
+            <ac:spMk id="81" creationId="{7500C041-23FF-424F-9B38-511427E4C6AA}"/>
+          </ac:spMkLst>
+        </pc:spChg>
+        <pc:spChg chg="mod">
+          <ac:chgData name="Vinícius Dias" userId="24d7ff5522ff08d3" providerId="LiveId" clId="{2391BD49-116A-4AB9-ADAE-E61040C2AE46}" dt="2021-06-03T21:08:49.884" v="311" actId="20577"/>
+          <ac:spMkLst>
+            <pc:docMk/>
+            <pc:sldMk cId="1444601931" sldId="257"/>
+            <ac:spMk id="91" creationId="{25735491-F1F6-49EE-B166-8FD1F6C81EA4}"/>
+          </ac:spMkLst>
+        </pc:spChg>
+        <pc:spChg chg="mod">
           <ac:chgData name="Vinícius Dias" userId="24d7ff5522ff08d3" providerId="LiveId" clId="{2391BD49-116A-4AB9-ADAE-E61040C2AE46}" dt="2021-05-04T01:30:39.733" v="12" actId="20577"/>
           <ac:spMkLst>
             <pc:docMk/>
             <pc:sldMk cId="1444601931" sldId="257"/>
             <ac:spMk id="106" creationId="{18168DE6-718F-414D-AFC0-A46B24AF929B}"/>
+          </ac:spMkLst>
+        </pc:spChg>
+        <pc:spChg chg="mod">
+          <ac:chgData name="Vinícius Dias" userId="24d7ff5522ff08d3" providerId="LiveId" clId="{2391BD49-116A-4AB9-ADAE-E61040C2AE46}" dt="2021-06-03T21:08:52.957" v="313" actId="20577"/>
+          <ac:spMkLst>
+            <pc:docMk/>
+            <pc:sldMk cId="1444601931" sldId="257"/>
+            <ac:spMk id="107" creationId="{5CF2BDCB-FF68-418F-AA4D-CB40530102F1}"/>
           </ac:spMkLst>
         </pc:spChg>
         <pc:spChg chg="mod">
@@ -253,6 +301,14 @@
             <pc:docMk/>
             <pc:sldMk cId="1444601931" sldId="257"/>
             <ac:spMk id="121" creationId="{BD9160AC-5CB0-4C18-8E11-5A469CB5007F}"/>
+          </ac:spMkLst>
+        </pc:spChg>
+        <pc:spChg chg="del">
+          <ac:chgData name="Vinícius Dias" userId="24d7ff5522ff08d3" providerId="LiveId" clId="{2391BD49-116A-4AB9-ADAE-E61040C2AE46}" dt="2021-06-03T21:09:36.054" v="318" actId="478"/>
+          <ac:spMkLst>
+            <pc:docMk/>
+            <pc:sldMk cId="1444601931" sldId="257"/>
+            <ac:spMk id="128" creationId="{6828FF48-0F54-4084-B86B-831DAD2EEABB}"/>
           </ac:spMkLst>
         </pc:spChg>
         <pc:cxnChg chg="mod">
@@ -464,7 +520,7 @@
           <a:p>
             <a:fld id="{A86FA51A-2E19-49D3-8FA2-8130FCE916BF}" type="datetimeFigureOut">
               <a:rPr lang="pt-BR" smtClean="0"/>
-              <a:t>02/06/2021</a:t>
+              <a:t>03/06/2021</a:t>
             </a:fld>
             <a:endParaRPr lang="pt-BR"/>
           </a:p>
@@ -662,7 +718,7 @@
           <a:p>
             <a:fld id="{A86FA51A-2E19-49D3-8FA2-8130FCE916BF}" type="datetimeFigureOut">
               <a:rPr lang="pt-BR" smtClean="0"/>
-              <a:t>02/06/2021</a:t>
+              <a:t>03/06/2021</a:t>
             </a:fld>
             <a:endParaRPr lang="pt-BR"/>
           </a:p>
@@ -870,7 +926,7 @@
           <a:p>
             <a:fld id="{A86FA51A-2E19-49D3-8FA2-8130FCE916BF}" type="datetimeFigureOut">
               <a:rPr lang="pt-BR" smtClean="0"/>
-              <a:t>02/06/2021</a:t>
+              <a:t>03/06/2021</a:t>
             </a:fld>
             <a:endParaRPr lang="pt-BR"/>
           </a:p>
@@ -1068,7 +1124,7 @@
           <a:p>
             <a:fld id="{A86FA51A-2E19-49D3-8FA2-8130FCE916BF}" type="datetimeFigureOut">
               <a:rPr lang="pt-BR" smtClean="0"/>
-              <a:t>02/06/2021</a:t>
+              <a:t>03/06/2021</a:t>
             </a:fld>
             <a:endParaRPr lang="pt-BR"/>
           </a:p>
@@ -1343,7 +1399,7 @@
           <a:p>
             <a:fld id="{A86FA51A-2E19-49D3-8FA2-8130FCE916BF}" type="datetimeFigureOut">
               <a:rPr lang="pt-BR" smtClean="0"/>
-              <a:t>02/06/2021</a:t>
+              <a:t>03/06/2021</a:t>
             </a:fld>
             <a:endParaRPr lang="pt-BR"/>
           </a:p>
@@ -1608,7 +1664,7 @@
           <a:p>
             <a:fld id="{A86FA51A-2E19-49D3-8FA2-8130FCE916BF}" type="datetimeFigureOut">
               <a:rPr lang="pt-BR" smtClean="0"/>
-              <a:t>02/06/2021</a:t>
+              <a:t>03/06/2021</a:t>
             </a:fld>
             <a:endParaRPr lang="pt-BR"/>
           </a:p>
@@ -2020,7 +2076,7 @@
           <a:p>
             <a:fld id="{A86FA51A-2E19-49D3-8FA2-8130FCE916BF}" type="datetimeFigureOut">
               <a:rPr lang="pt-BR" smtClean="0"/>
-              <a:t>02/06/2021</a:t>
+              <a:t>03/06/2021</a:t>
             </a:fld>
             <a:endParaRPr lang="pt-BR"/>
           </a:p>
@@ -2161,7 +2217,7 @@
           <a:p>
             <a:fld id="{A86FA51A-2E19-49D3-8FA2-8130FCE916BF}" type="datetimeFigureOut">
               <a:rPr lang="pt-BR" smtClean="0"/>
-              <a:t>02/06/2021</a:t>
+              <a:t>03/06/2021</a:t>
             </a:fld>
             <a:endParaRPr lang="pt-BR"/>
           </a:p>
@@ -2274,7 +2330,7 @@
           <a:p>
             <a:fld id="{A86FA51A-2E19-49D3-8FA2-8130FCE916BF}" type="datetimeFigureOut">
               <a:rPr lang="pt-BR" smtClean="0"/>
-              <a:t>02/06/2021</a:t>
+              <a:t>03/06/2021</a:t>
             </a:fld>
             <a:endParaRPr lang="pt-BR"/>
           </a:p>
@@ -2585,7 +2641,7 @@
           <a:p>
             <a:fld id="{A86FA51A-2E19-49D3-8FA2-8130FCE916BF}" type="datetimeFigureOut">
               <a:rPr lang="pt-BR" smtClean="0"/>
-              <a:t>02/06/2021</a:t>
+              <a:t>03/06/2021</a:t>
             </a:fld>
             <a:endParaRPr lang="pt-BR"/>
           </a:p>
@@ -2873,7 +2929,7 @@
           <a:p>
             <a:fld id="{A86FA51A-2E19-49D3-8FA2-8130FCE916BF}" type="datetimeFigureOut">
               <a:rPr lang="pt-BR" smtClean="0"/>
-              <a:t>02/06/2021</a:t>
+              <a:t>03/06/2021</a:t>
             </a:fld>
             <a:endParaRPr lang="pt-BR"/>
           </a:p>
@@ -3114,7 +3170,7 @@
           <a:p>
             <a:fld id="{A86FA51A-2E19-49D3-8FA2-8130FCE916BF}" type="datetimeFigureOut">
               <a:rPr lang="pt-BR" smtClean="0"/>
-              <a:t>02/06/2021</a:t>
+              <a:t>03/06/2021</a:t>
             </a:fld>
             <a:endParaRPr lang="pt-BR"/>
           </a:p>
@@ -4501,7 +4557,7 @@
                 <a:latin typeface="Arial" panose="020B0604020202020204" pitchFamily="34" charset="0"/>
                 <a:cs typeface="Arial" panose="020B0604020202020204" pitchFamily="34" charset="0"/>
               </a:rPr>
-              <a:t>4 - Corte convida cliente </a:t>
+              <a:t>5 - Corte convida cliente </a:t>
             </a:r>
           </a:p>
           <a:p>
@@ -4678,7 +4734,7 @@
                 <a:latin typeface="Arial" panose="020B0604020202020204" pitchFamily="34" charset="0"/>
                 <a:cs typeface="Arial" panose="020B0604020202020204" pitchFamily="34" charset="0"/>
               </a:rPr>
-              <a:t>5 - Cliente solicita suas preferências</a:t>
+              <a:t>6 - Cliente solicita suas preferências</a:t>
             </a:r>
           </a:p>
           <a:p>
@@ -4798,7 +4854,7 @@
                 <a:latin typeface="Arial" panose="020B0604020202020204" pitchFamily="34" charset="0"/>
                 <a:cs typeface="Arial" panose="020B0604020202020204" pitchFamily="34" charset="0"/>
               </a:rPr>
-              <a:t>6 - Cliente passa o feedback </a:t>
+              <a:t>7 - Cliente passa o feedback </a:t>
             </a:r>
           </a:p>
           <a:p>
@@ -4993,7 +5049,7 @@
                 <a:latin typeface="Arial" panose="020B0604020202020204" pitchFamily="34" charset="0"/>
                 <a:cs typeface="Arial" panose="020B0604020202020204" pitchFamily="34" charset="0"/>
               </a:rPr>
-              <a:t>7 - Corte avisa o término do serviço </a:t>
+              <a:t>8 - Corte avisa o término do serviço </a:t>
             </a:r>
           </a:p>
           <a:p>
@@ -5212,7 +5268,7 @@
                 <a:latin typeface="Arial" panose="020B0604020202020204" pitchFamily="34" charset="0"/>
                 <a:cs typeface="Arial" panose="020B0604020202020204" pitchFamily="34" charset="0"/>
               </a:rPr>
-              <a:t>8 - Cliente solicita valor a pagar</a:t>
+              <a:t>9 - Cliente solicita valor a pagar</a:t>
             </a:r>
           </a:p>
           <a:p>
@@ -5444,10 +5500,10 @@
       </p:cxnSp>
       <p:sp>
         <p:nvSpPr>
-          <p:cNvPr id="128" name="CaixaDeTexto 127">
-            <a:extLst>
-              <a:ext uri="{FF2B5EF4-FFF2-40B4-BE49-F238E27FC236}">
-                <a16:creationId xmlns:a16="http://schemas.microsoft.com/office/drawing/2014/main" id="{6828FF48-0F54-4084-B86B-831DAD2EEABB}"/>
+          <p:cNvPr id="39" name="CaixaDeTexto 38">
+            <a:extLst>
+              <a:ext uri="{FF2B5EF4-FFF2-40B4-BE49-F238E27FC236}">
+                <a16:creationId xmlns:a16="http://schemas.microsoft.com/office/drawing/2014/main" id="{2657E3F5-3A9E-4EDE-B559-0E1C34517E95}"/>
               </a:ext>
             </a:extLst>
           </p:cNvPr>
@@ -5456,8 +5512,8 @@
         </p:nvSpPr>
         <p:spPr>
           <a:xfrm>
-            <a:off x="5953132" y="1918909"/>
-            <a:ext cx="1056701" cy="215444"/>
+            <a:off x="4141419" y="2275834"/>
+            <a:ext cx="1789271" cy="646331"/>
           </a:xfrm>
           <a:prstGeom prst="rect">
             <a:avLst/>
@@ -5476,7 +5532,55 @@
                 <a:latin typeface="Arial" panose="020B0604020202020204" pitchFamily="34" charset="0"/>
                 <a:cs typeface="Arial" panose="020B0604020202020204" pitchFamily="34" charset="0"/>
               </a:rPr>
-              <a:t>[cliente em espera]</a:t>
+              <a:t>4 - Recepção avisa ao Corte </a:t>
+            </a:r>
+          </a:p>
+          <a:p>
+            <a:pPr algn="ctr"/>
+            <a:r>
+              <a:rPr lang="pt-BR" sz="800" dirty="0">
+                <a:latin typeface="Arial" panose="020B0604020202020204" pitchFamily="34" charset="0"/>
+                <a:cs typeface="Arial" panose="020B0604020202020204" pitchFamily="34" charset="0"/>
+              </a:rPr>
+              <a:t>que há cliente esperando</a:t>
+            </a:r>
+          </a:p>
+          <a:p>
+            <a:pPr algn="ctr">
+              <a:lnSpc>
+                <a:spcPct val="150000"/>
+              </a:lnSpc>
+            </a:pPr>
+            <a:r>
+              <a:rPr lang="pt-BR" sz="800" dirty="0">
+                <a:latin typeface="Arial" panose="020B0604020202020204" pitchFamily="34" charset="0"/>
+                <a:cs typeface="Arial" panose="020B0604020202020204" pitchFamily="34" charset="0"/>
+              </a:rPr>
+              <a:t>/&lt;&lt;</a:t>
+            </a:r>
+            <a:r>
+              <a:rPr lang="pt-BR" sz="800" dirty="0" err="1">
+                <a:latin typeface="Arial" panose="020B0604020202020204" pitchFamily="34" charset="0"/>
+                <a:cs typeface="Arial" panose="020B0604020202020204" pitchFamily="34" charset="0"/>
+              </a:rPr>
+              <a:t>DFD_Process</a:t>
+            </a:r>
+            <a:r>
+              <a:rPr lang="pt-BR" sz="800" dirty="0">
+                <a:latin typeface="Arial" panose="020B0604020202020204" pitchFamily="34" charset="0"/>
+                <a:cs typeface="Arial" panose="020B0604020202020204" pitchFamily="34" charset="0"/>
+              </a:rPr>
+              <a:t>&gt;&gt;Receber Aviso </a:t>
+            </a:r>
+          </a:p>
+          <a:p>
+            <a:pPr algn="ctr"/>
+            <a:r>
+              <a:rPr lang="pt-BR" sz="800" dirty="0">
+                <a:latin typeface="Arial" panose="020B0604020202020204" pitchFamily="34" charset="0"/>
+                <a:cs typeface="Arial" panose="020B0604020202020204" pitchFamily="34" charset="0"/>
+              </a:rPr>
+              <a:t>de Cliente aguardando</a:t>
             </a:r>
             <a:endParaRPr lang="pt-BR" sz="1000" dirty="0">
               <a:latin typeface="Arial" panose="020B0604020202020204" pitchFamily="34" charset="0"/>
